--- a/instructor-presentation/API Connect PoT Environment.pptx
+++ b/instructor-presentation/API Connect PoT Environment.pptx
@@ -5,20 +5,21 @@
     <p:sldMasterId id="2147483648" r:id="rId1"/>
   </p:sldMasterIdLst>
   <p:notesMasterIdLst>
-    <p:notesMasterId r:id="rId13"/>
+    <p:notesMasterId r:id="rId14"/>
   </p:notesMasterIdLst>
   <p:sldIdLst>
     <p:sldId id="267" r:id="rId2"/>
-    <p:sldId id="268" r:id="rId3"/>
-    <p:sldId id="257" r:id="rId4"/>
-    <p:sldId id="259" r:id="rId5"/>
-    <p:sldId id="260" r:id="rId6"/>
-    <p:sldId id="261" r:id="rId7"/>
-    <p:sldId id="262" r:id="rId8"/>
-    <p:sldId id="263" r:id="rId9"/>
-    <p:sldId id="264" r:id="rId10"/>
-    <p:sldId id="265" r:id="rId11"/>
-    <p:sldId id="266" r:id="rId12"/>
+    <p:sldId id="270" r:id="rId3"/>
+    <p:sldId id="268" r:id="rId4"/>
+    <p:sldId id="257" r:id="rId5"/>
+    <p:sldId id="259" r:id="rId6"/>
+    <p:sldId id="260" r:id="rId7"/>
+    <p:sldId id="261" r:id="rId8"/>
+    <p:sldId id="262" r:id="rId9"/>
+    <p:sldId id="263" r:id="rId10"/>
+    <p:sldId id="264" r:id="rId11"/>
+    <p:sldId id="265" r:id="rId12"/>
+    <p:sldId id="266" r:id="rId13"/>
   </p:sldIdLst>
   <p:sldSz cx="12192000" cy="6858000"/>
   <p:notesSz cx="6858000" cy="9144000"/>
@@ -218,7 +219,7 @@
           <a:p>
             <a:fld id="{0DC85FC2-567D-AC46-A316-3DE6AAAF5738}" type="datetimeFigureOut">
               <a:rPr lang="en-US" smtClean="0"/>
-              <a:t>5/2/16</a:t>
+              <a:t>5/11/16</a:t>
             </a:fld>
             <a:endParaRPr lang="en-US"/>
           </a:p>
@@ -530,6 +531,186 @@
           <a:bodyPr/>
           <a:lstStyle/>
           <a:p>
+            <a:endParaRPr lang="en-US" dirty="0"/>
+          </a:p>
+        </p:txBody>
+      </p:sp>
+      <p:sp>
+        <p:nvSpPr>
+          <p:cNvPr id="4" name="Slide Number Placeholder 3"/>
+          <p:cNvSpPr>
+            <a:spLocks noGrp="1"/>
+          </p:cNvSpPr>
+          <p:nvPr>
+            <p:ph type="sldNum" sz="quarter" idx="10"/>
+          </p:nvPr>
+        </p:nvSpPr>
+        <p:spPr/>
+        <p:txBody>
+          <a:bodyPr/>
+          <a:lstStyle/>
+          <a:p>
+            <a:fld id="{E0575E07-8DF8-114E-B6AA-5B7C75D214A2}" type="slidenum">
+              <a:rPr lang="en-US" smtClean="0"/>
+              <a:t>2</a:t>
+            </a:fld>
+            <a:endParaRPr lang="en-US"/>
+          </a:p>
+        </p:txBody>
+      </p:sp>
+    </p:spTree>
+    <p:extLst>
+      <p:ext uri="{BB962C8B-B14F-4D97-AF65-F5344CB8AC3E}">
+        <p14:creationId xmlns:p14="http://schemas.microsoft.com/office/powerpoint/2010/main" val="1422698300"/>
+      </p:ext>
+    </p:extLst>
+  </p:cSld>
+  <p:clrMapOvr>
+    <a:masterClrMapping/>
+  </p:clrMapOvr>
+</p:notes>
+</file>
+
+<file path=ppt/notesSlides/notesSlide10.xml><?xml version="1.0" encoding="utf-8"?>
+<p:notes xmlns:a="http://schemas.openxmlformats.org/drawingml/2006/main" xmlns:r="http://schemas.openxmlformats.org/officeDocument/2006/relationships" xmlns:p="http://schemas.openxmlformats.org/presentationml/2006/main">
+  <p:cSld>
+    <p:spTree>
+      <p:nvGrpSpPr>
+        <p:cNvPr id="1" name=""/>
+        <p:cNvGrpSpPr/>
+        <p:nvPr/>
+      </p:nvGrpSpPr>
+      <p:grpSpPr>
+        <a:xfrm>
+          <a:off x="0" y="0"/>
+          <a:ext cx="0" cy="0"/>
+          <a:chOff x="0" y="0"/>
+          <a:chExt cx="0" cy="0"/>
+        </a:xfrm>
+      </p:grpSpPr>
+      <p:sp>
+        <p:nvSpPr>
+          <p:cNvPr id="2" name="Slide Image Placeholder 1"/>
+          <p:cNvSpPr>
+            <a:spLocks noGrp="1" noRot="1" noChangeAspect="1"/>
+          </p:cNvSpPr>
+          <p:nvPr>
+            <p:ph type="sldImg"/>
+          </p:nvPr>
+        </p:nvSpPr>
+        <p:spPr/>
+      </p:sp>
+      <p:sp>
+        <p:nvSpPr>
+          <p:cNvPr id="3" name="Notes Placeholder 2"/>
+          <p:cNvSpPr>
+            <a:spLocks noGrp="1"/>
+          </p:cNvSpPr>
+          <p:nvPr>
+            <p:ph type="body" idx="1"/>
+          </p:nvPr>
+        </p:nvSpPr>
+        <p:spPr/>
+        <p:txBody>
+          <a:bodyPr/>
+          <a:lstStyle/>
+          <a:p>
+            <a:r>
+              <a:rPr lang="en-US" dirty="0" smtClean="0"/>
+              <a:t>Finally, students will browse</a:t>
+            </a:r>
+            <a:r>
+              <a:rPr lang="en-US" baseline="0" dirty="0" smtClean="0"/>
+              <a:t> the API analytics dashboards and learn </a:t>
+            </a:r>
+            <a:r>
+              <a:rPr lang="en-US" baseline="0" smtClean="0"/>
+              <a:t>how to customize visualizations.</a:t>
+            </a:r>
+            <a:endParaRPr lang="en-US" dirty="0"/>
+          </a:p>
+        </p:txBody>
+      </p:sp>
+      <p:sp>
+        <p:nvSpPr>
+          <p:cNvPr id="4" name="Slide Number Placeholder 3"/>
+          <p:cNvSpPr>
+            <a:spLocks noGrp="1"/>
+          </p:cNvSpPr>
+          <p:nvPr>
+            <p:ph type="sldNum" sz="quarter" idx="10"/>
+          </p:nvPr>
+        </p:nvSpPr>
+        <p:spPr/>
+        <p:txBody>
+          <a:bodyPr/>
+          <a:lstStyle/>
+          <a:p>
+            <a:fld id="{E0575E07-8DF8-114E-B6AA-5B7C75D214A2}" type="slidenum">
+              <a:rPr lang="en-US" smtClean="0"/>
+              <a:t>12</a:t>
+            </a:fld>
+            <a:endParaRPr lang="en-US"/>
+          </a:p>
+        </p:txBody>
+      </p:sp>
+    </p:spTree>
+    <p:extLst>
+      <p:ext uri="{BB962C8B-B14F-4D97-AF65-F5344CB8AC3E}">
+        <p14:creationId xmlns:p14="http://schemas.microsoft.com/office/powerpoint/2010/main" val="747413357"/>
+      </p:ext>
+    </p:extLst>
+  </p:cSld>
+  <p:clrMapOvr>
+    <a:masterClrMapping/>
+  </p:clrMapOvr>
+</p:notes>
+</file>
+
+<file path=ppt/notesSlides/notesSlide2.xml><?xml version="1.0" encoding="utf-8"?>
+<p:notes xmlns:a="http://schemas.openxmlformats.org/drawingml/2006/main" xmlns:r="http://schemas.openxmlformats.org/officeDocument/2006/relationships" xmlns:p="http://schemas.openxmlformats.org/presentationml/2006/main">
+  <p:cSld>
+    <p:spTree>
+      <p:nvGrpSpPr>
+        <p:cNvPr id="1" name=""/>
+        <p:cNvGrpSpPr/>
+        <p:nvPr/>
+      </p:nvGrpSpPr>
+      <p:grpSpPr>
+        <a:xfrm>
+          <a:off x="0" y="0"/>
+          <a:ext cx="0" cy="0"/>
+          <a:chOff x="0" y="0"/>
+          <a:chExt cx="0" cy="0"/>
+        </a:xfrm>
+      </p:grpSpPr>
+      <p:sp>
+        <p:nvSpPr>
+          <p:cNvPr id="2" name="Slide Image Placeholder 1"/>
+          <p:cNvSpPr>
+            <a:spLocks noGrp="1" noRot="1" noChangeAspect="1"/>
+          </p:cNvSpPr>
+          <p:nvPr>
+            <p:ph type="sldImg"/>
+          </p:nvPr>
+        </p:nvSpPr>
+        <p:spPr/>
+      </p:sp>
+      <p:sp>
+        <p:nvSpPr>
+          <p:cNvPr id="3" name="Notes Placeholder 2"/>
+          <p:cNvSpPr>
+            <a:spLocks noGrp="1"/>
+          </p:cNvSpPr>
+          <p:nvPr>
+            <p:ph type="body" idx="1"/>
+          </p:nvPr>
+        </p:nvSpPr>
+        <p:spPr/>
+        <p:txBody>
+          <a:bodyPr/>
+          <a:lstStyle/>
+          <a:p>
             <a:r>
               <a:rPr lang="en-US" dirty="0" smtClean="0"/>
               <a:t>This is effectively the final state. In the following</a:t>
@@ -567,7 +748,7 @@
           <a:p>
             <a:fld id="{E0575E07-8DF8-114E-B6AA-5B7C75D214A2}" type="slidenum">
               <a:rPr lang="en-US" smtClean="0"/>
-              <a:t>3</a:t>
+              <a:t>4</a:t>
             </a:fld>
             <a:endParaRPr lang="en-US"/>
           </a:p>
@@ -586,7 +767,7 @@
 </p:notes>
 </file>
 
-<file path=ppt/notesSlides/notesSlide2.xml><?xml version="1.0" encoding="utf-8"?>
+<file path=ppt/notesSlides/notesSlide3.xml><?xml version="1.0" encoding="utf-8"?>
 <p:notes xmlns:a="http://schemas.openxmlformats.org/drawingml/2006/main" xmlns:r="http://schemas.openxmlformats.org/officeDocument/2006/relationships" xmlns:p="http://schemas.openxmlformats.org/presentationml/2006/main">
   <p:cSld>
     <p:spTree>
@@ -676,7 +857,7 @@
           <a:p>
             <a:fld id="{E0575E07-8DF8-114E-B6AA-5B7C75D214A2}" type="slidenum">
               <a:rPr lang="en-US" smtClean="0"/>
-              <a:t>4</a:t>
+              <a:t>5</a:t>
             </a:fld>
             <a:endParaRPr lang="en-US"/>
           </a:p>
@@ -695,7 +876,7 @@
 </p:notes>
 </file>
 
-<file path=ppt/notesSlides/notesSlide3.xml><?xml version="1.0" encoding="utf-8"?>
+<file path=ppt/notesSlides/notesSlide4.xml><?xml version="1.0" encoding="utf-8"?>
 <p:notes xmlns:a="http://schemas.openxmlformats.org/drawingml/2006/main" xmlns:r="http://schemas.openxmlformats.org/officeDocument/2006/relationships" xmlns:p="http://schemas.openxmlformats.org/presentationml/2006/main">
   <p:cSld>
     <p:spTree>
@@ -777,7 +958,7 @@
           <a:p>
             <a:fld id="{E0575E07-8DF8-114E-B6AA-5B7C75D214A2}" type="slidenum">
               <a:rPr lang="en-US" smtClean="0"/>
-              <a:t>5</a:t>
+              <a:t>6</a:t>
             </a:fld>
             <a:endParaRPr lang="en-US"/>
           </a:p>
@@ -796,7 +977,7 @@
 </p:notes>
 </file>
 
-<file path=ppt/notesSlides/notesSlide4.xml><?xml version="1.0" encoding="utf-8"?>
+<file path=ppt/notesSlides/notesSlide5.xml><?xml version="1.0" encoding="utf-8"?>
 <p:notes xmlns:a="http://schemas.openxmlformats.org/drawingml/2006/main" xmlns:r="http://schemas.openxmlformats.org/officeDocument/2006/relationships" xmlns:p="http://schemas.openxmlformats.org/presentationml/2006/main">
   <p:cSld>
     <p:spTree>
@@ -895,7 +1076,7 @@
           <a:p>
             <a:fld id="{E0575E07-8DF8-114E-B6AA-5B7C75D214A2}" type="slidenum">
               <a:rPr lang="en-US" smtClean="0"/>
-              <a:t>6</a:t>
+              <a:t>7</a:t>
             </a:fld>
             <a:endParaRPr lang="en-US"/>
           </a:p>
@@ -914,7 +1095,7 @@
 </p:notes>
 </file>
 
-<file path=ppt/notesSlides/notesSlide5.xml><?xml version="1.0" encoding="utf-8"?>
+<file path=ppt/notesSlides/notesSlide6.xml><?xml version="1.0" encoding="utf-8"?>
 <p:notes xmlns:a="http://schemas.openxmlformats.org/drawingml/2006/main" xmlns:r="http://schemas.openxmlformats.org/officeDocument/2006/relationships" xmlns:p="http://schemas.openxmlformats.org/presentationml/2006/main">
   <p:cSld>
     <p:spTree>
@@ -987,7 +1168,7 @@
           <a:p>
             <a:fld id="{E0575E07-8DF8-114E-B6AA-5B7C75D214A2}" type="slidenum">
               <a:rPr lang="en-US" smtClean="0"/>
-              <a:t>7</a:t>
+              <a:t>8</a:t>
             </a:fld>
             <a:endParaRPr lang="en-US"/>
           </a:p>
@@ -1006,7 +1187,7 @@
 </p:notes>
 </file>
 
-<file path=ppt/notesSlides/notesSlide6.xml><?xml version="1.0" encoding="utf-8"?>
+<file path=ppt/notesSlides/notesSlide7.xml><?xml version="1.0" encoding="utf-8"?>
 <p:notes xmlns:a="http://schemas.openxmlformats.org/drawingml/2006/main" xmlns:r="http://schemas.openxmlformats.org/officeDocument/2006/relationships" xmlns:p="http://schemas.openxmlformats.org/presentationml/2006/main">
   <p:cSld>
     <p:spTree>
@@ -1079,7 +1260,7 @@
           <a:p>
             <a:fld id="{E0575E07-8DF8-114E-B6AA-5B7C75D214A2}" type="slidenum">
               <a:rPr lang="en-US" smtClean="0"/>
-              <a:t>8</a:t>
+              <a:t>9</a:t>
             </a:fld>
             <a:endParaRPr lang="en-US"/>
           </a:p>
@@ -1098,7 +1279,7 @@
 </p:notes>
 </file>
 
-<file path=ppt/notesSlides/notesSlide7.xml><?xml version="1.0" encoding="utf-8"?>
+<file path=ppt/notesSlides/notesSlide8.xml><?xml version="1.0" encoding="utf-8"?>
 <p:notes xmlns:a="http://schemas.openxmlformats.org/drawingml/2006/main" xmlns:r="http://schemas.openxmlformats.org/officeDocument/2006/relationships" xmlns:p="http://schemas.openxmlformats.org/presentationml/2006/main">
   <p:cSld>
     <p:spTree>
@@ -1171,7 +1352,7 @@
           <a:p>
             <a:fld id="{E0575E07-8DF8-114E-B6AA-5B7C75D214A2}" type="slidenum">
               <a:rPr lang="en-US" smtClean="0"/>
-              <a:t>9</a:t>
+              <a:t>10</a:t>
             </a:fld>
             <a:endParaRPr lang="en-US"/>
           </a:p>
@@ -1190,7 +1371,7 @@
 </p:notes>
 </file>
 
-<file path=ppt/notesSlides/notesSlide8.xml><?xml version="1.0" encoding="utf-8"?>
+<file path=ppt/notesSlides/notesSlide9.xml><?xml version="1.0" encoding="utf-8"?>
 <p:notes xmlns:a="http://schemas.openxmlformats.org/drawingml/2006/main" xmlns:r="http://schemas.openxmlformats.org/officeDocument/2006/relationships" xmlns:p="http://schemas.openxmlformats.org/presentationml/2006/main">
   <p:cSld>
     <p:spTree>
@@ -1263,7 +1444,7 @@
           <a:p>
             <a:fld id="{E0575E07-8DF8-114E-B6AA-5B7C75D214A2}" type="slidenum">
               <a:rPr lang="en-US" smtClean="0"/>
-              <a:t>10</a:t>
+              <a:t>11</a:t>
             </a:fld>
             <a:endParaRPr lang="en-US"/>
           </a:p>
@@ -1273,102 +1454,6 @@
     <p:extLst>
       <p:ext uri="{BB962C8B-B14F-4D97-AF65-F5344CB8AC3E}">
         <p14:creationId xmlns:p14="http://schemas.microsoft.com/office/powerpoint/2010/main" val="2108796417"/>
-      </p:ext>
-    </p:extLst>
-  </p:cSld>
-  <p:clrMapOvr>
-    <a:masterClrMapping/>
-  </p:clrMapOvr>
-</p:notes>
-</file>
-
-<file path=ppt/notesSlides/notesSlide9.xml><?xml version="1.0" encoding="utf-8"?>
-<p:notes xmlns:a="http://schemas.openxmlformats.org/drawingml/2006/main" xmlns:r="http://schemas.openxmlformats.org/officeDocument/2006/relationships" xmlns:p="http://schemas.openxmlformats.org/presentationml/2006/main">
-  <p:cSld>
-    <p:spTree>
-      <p:nvGrpSpPr>
-        <p:cNvPr id="1" name=""/>
-        <p:cNvGrpSpPr/>
-        <p:nvPr/>
-      </p:nvGrpSpPr>
-      <p:grpSpPr>
-        <a:xfrm>
-          <a:off x="0" y="0"/>
-          <a:ext cx="0" cy="0"/>
-          <a:chOff x="0" y="0"/>
-          <a:chExt cx="0" cy="0"/>
-        </a:xfrm>
-      </p:grpSpPr>
-      <p:sp>
-        <p:nvSpPr>
-          <p:cNvPr id="2" name="Slide Image Placeholder 1"/>
-          <p:cNvSpPr>
-            <a:spLocks noGrp="1" noRot="1" noChangeAspect="1"/>
-          </p:cNvSpPr>
-          <p:nvPr>
-            <p:ph type="sldImg"/>
-          </p:nvPr>
-        </p:nvSpPr>
-        <p:spPr/>
-      </p:sp>
-      <p:sp>
-        <p:nvSpPr>
-          <p:cNvPr id="3" name="Notes Placeholder 2"/>
-          <p:cNvSpPr>
-            <a:spLocks noGrp="1"/>
-          </p:cNvSpPr>
-          <p:nvPr>
-            <p:ph type="body" idx="1"/>
-          </p:nvPr>
-        </p:nvSpPr>
-        <p:spPr/>
-        <p:txBody>
-          <a:bodyPr/>
-          <a:lstStyle/>
-          <a:p>
-            <a:r>
-              <a:rPr lang="en-US" dirty="0" smtClean="0"/>
-              <a:t>Finally, students will browse</a:t>
-            </a:r>
-            <a:r>
-              <a:rPr lang="en-US" baseline="0" dirty="0" smtClean="0"/>
-              <a:t> the API analytics dashboards and learn </a:t>
-            </a:r>
-            <a:r>
-              <a:rPr lang="en-US" baseline="0" smtClean="0"/>
-              <a:t>how to customize visualizations.</a:t>
-            </a:r>
-            <a:endParaRPr lang="en-US" dirty="0"/>
-          </a:p>
-        </p:txBody>
-      </p:sp>
-      <p:sp>
-        <p:nvSpPr>
-          <p:cNvPr id="4" name="Slide Number Placeholder 3"/>
-          <p:cNvSpPr>
-            <a:spLocks noGrp="1"/>
-          </p:cNvSpPr>
-          <p:nvPr>
-            <p:ph type="sldNum" sz="quarter" idx="10"/>
-          </p:nvPr>
-        </p:nvSpPr>
-        <p:spPr/>
-        <p:txBody>
-          <a:bodyPr/>
-          <a:lstStyle/>
-          <a:p>
-            <a:fld id="{E0575E07-8DF8-114E-B6AA-5B7C75D214A2}" type="slidenum">
-              <a:rPr lang="en-US" smtClean="0"/>
-              <a:t>11</a:t>
-            </a:fld>
-            <a:endParaRPr lang="en-US"/>
-          </a:p>
-        </p:txBody>
-      </p:sp>
-    </p:spTree>
-    <p:extLst>
-      <p:ext uri="{BB962C8B-B14F-4D97-AF65-F5344CB8AC3E}">
-        <p14:creationId xmlns:p14="http://schemas.microsoft.com/office/powerpoint/2010/main" val="747413357"/>
       </p:ext>
     </p:extLst>
   </p:cSld>
@@ -1509,7 +1594,7 @@
           <a:p>
             <a:fld id="{BEF97D5F-EAAF-6D47-817C-6B99A4587E7D}" type="datetimeFigureOut">
               <a:rPr lang="en-US" smtClean="0"/>
-              <a:t>5/2/16</a:t>
+              <a:t>5/11/16</a:t>
             </a:fld>
             <a:endParaRPr lang="en-US"/>
           </a:p>
@@ -1679,7 +1764,7 @@
           <a:p>
             <a:fld id="{BEF97D5F-EAAF-6D47-817C-6B99A4587E7D}" type="datetimeFigureOut">
               <a:rPr lang="en-US" smtClean="0"/>
-              <a:t>5/2/16</a:t>
+              <a:t>5/11/16</a:t>
             </a:fld>
             <a:endParaRPr lang="en-US"/>
           </a:p>
@@ -1859,7 +1944,7 @@
           <a:p>
             <a:fld id="{BEF97D5F-EAAF-6D47-817C-6B99A4587E7D}" type="datetimeFigureOut">
               <a:rPr lang="en-US" smtClean="0"/>
-              <a:t>5/2/16</a:t>
+              <a:t>5/11/16</a:t>
             </a:fld>
             <a:endParaRPr lang="en-US"/>
           </a:p>
@@ -2029,7 +2114,7 @@
           <a:p>
             <a:fld id="{BEF97D5F-EAAF-6D47-817C-6B99A4587E7D}" type="datetimeFigureOut">
               <a:rPr lang="en-US" smtClean="0"/>
-              <a:t>5/2/16</a:t>
+              <a:t>5/11/16</a:t>
             </a:fld>
             <a:endParaRPr lang="en-US"/>
           </a:p>
@@ -2275,7 +2360,7 @@
           <a:p>
             <a:fld id="{BEF97D5F-EAAF-6D47-817C-6B99A4587E7D}" type="datetimeFigureOut">
               <a:rPr lang="en-US" smtClean="0"/>
-              <a:t>5/2/16</a:t>
+              <a:t>5/11/16</a:t>
             </a:fld>
             <a:endParaRPr lang="en-US"/>
           </a:p>
@@ -2507,7 +2592,7 @@
           <a:p>
             <a:fld id="{BEF97D5F-EAAF-6D47-817C-6B99A4587E7D}" type="datetimeFigureOut">
               <a:rPr lang="en-US" smtClean="0"/>
-              <a:t>5/2/16</a:t>
+              <a:t>5/11/16</a:t>
             </a:fld>
             <a:endParaRPr lang="en-US"/>
           </a:p>
@@ -2874,7 +2959,7 @@
           <a:p>
             <a:fld id="{BEF97D5F-EAAF-6D47-817C-6B99A4587E7D}" type="datetimeFigureOut">
               <a:rPr lang="en-US" smtClean="0"/>
-              <a:t>5/2/16</a:t>
+              <a:t>5/11/16</a:t>
             </a:fld>
             <a:endParaRPr lang="en-US"/>
           </a:p>
@@ -2992,7 +3077,7 @@
           <a:p>
             <a:fld id="{BEF97D5F-EAAF-6D47-817C-6B99A4587E7D}" type="datetimeFigureOut">
               <a:rPr lang="en-US" smtClean="0"/>
-              <a:t>5/2/16</a:t>
+              <a:t>5/11/16</a:t>
             </a:fld>
             <a:endParaRPr lang="en-US"/>
           </a:p>
@@ -3087,7 +3172,7 @@
           <a:p>
             <a:fld id="{BEF97D5F-EAAF-6D47-817C-6B99A4587E7D}" type="datetimeFigureOut">
               <a:rPr lang="en-US" smtClean="0"/>
-              <a:t>5/2/16</a:t>
+              <a:t>5/11/16</a:t>
             </a:fld>
             <a:endParaRPr lang="en-US"/>
           </a:p>
@@ -3364,7 +3449,7 @@
           <a:p>
             <a:fld id="{BEF97D5F-EAAF-6D47-817C-6B99A4587E7D}" type="datetimeFigureOut">
               <a:rPr lang="en-US" smtClean="0"/>
-              <a:t>5/2/16</a:t>
+              <a:t>5/11/16</a:t>
             </a:fld>
             <a:endParaRPr lang="en-US"/>
           </a:p>
@@ -3617,7 +3702,7 @@
           <a:p>
             <a:fld id="{BEF97D5F-EAAF-6D47-817C-6B99A4587E7D}" type="datetimeFigureOut">
               <a:rPr lang="en-US" smtClean="0"/>
-              <a:t>5/2/16</a:t>
+              <a:t>5/11/16</a:t>
             </a:fld>
             <a:endParaRPr lang="en-US"/>
           </a:p>
@@ -3830,7 +3915,7 @@
           <a:p>
             <a:fld id="{BEF97D5F-EAAF-6D47-817C-6B99A4587E7D}" type="datetimeFigureOut">
               <a:rPr lang="en-US" smtClean="0"/>
-              <a:t>5/2/16</a:t>
+              <a:t>5/11/16</a:t>
             </a:fld>
             <a:endParaRPr lang="en-US"/>
           </a:p>
@@ -6401,6 +6486,3481 @@
           </p:txBody>
         </p:sp>
       </p:grpSp>
+      <p:cxnSp>
+        <p:nvCxnSpPr>
+          <p:cNvPr id="174" name="Straight Arrow Connector 173"/>
+          <p:cNvCxnSpPr>
+            <a:stCxn id="25" idx="2"/>
+          </p:cNvCxnSpPr>
+          <p:nvPr/>
+        </p:nvCxnSpPr>
+        <p:spPr>
+          <a:xfrm>
+            <a:off x="9634252" y="4450507"/>
+            <a:ext cx="1283218" cy="930186"/>
+          </a:xfrm>
+          <a:prstGeom prst="straightConnector1">
+            <a:avLst/>
+          </a:prstGeom>
+          <a:ln>
+            <a:solidFill>
+              <a:schemeClr val="tx1"/>
+            </a:solidFill>
+            <a:tailEnd type="triangle"/>
+          </a:ln>
+        </p:spPr>
+        <p:style>
+          <a:lnRef idx="1">
+            <a:schemeClr val="accent1"/>
+          </a:lnRef>
+          <a:fillRef idx="0">
+            <a:schemeClr val="accent1"/>
+          </a:fillRef>
+          <a:effectRef idx="0">
+            <a:schemeClr val="accent1"/>
+          </a:effectRef>
+          <a:fontRef idx="minor">
+            <a:schemeClr val="tx1"/>
+          </a:fontRef>
+        </p:style>
+      </p:cxnSp>
+      <p:cxnSp>
+        <p:nvCxnSpPr>
+          <p:cNvPr id="178" name="Straight Arrow Connector 177"/>
+          <p:cNvCxnSpPr>
+            <a:stCxn id="25" idx="2"/>
+          </p:cNvCxnSpPr>
+          <p:nvPr/>
+        </p:nvCxnSpPr>
+        <p:spPr>
+          <a:xfrm>
+            <a:off x="9634252" y="4450507"/>
+            <a:ext cx="206621" cy="942730"/>
+          </a:xfrm>
+          <a:prstGeom prst="straightConnector1">
+            <a:avLst/>
+          </a:prstGeom>
+          <a:ln>
+            <a:solidFill>
+              <a:schemeClr val="tx1"/>
+            </a:solidFill>
+            <a:tailEnd type="triangle"/>
+          </a:ln>
+        </p:spPr>
+        <p:style>
+          <a:lnRef idx="1">
+            <a:schemeClr val="accent1"/>
+          </a:lnRef>
+          <a:fillRef idx="0">
+            <a:schemeClr val="accent1"/>
+          </a:fillRef>
+          <a:effectRef idx="0">
+            <a:schemeClr val="accent1"/>
+          </a:effectRef>
+          <a:fontRef idx="minor">
+            <a:schemeClr val="tx1"/>
+          </a:fontRef>
+        </p:style>
+      </p:cxnSp>
+      <p:grpSp>
+        <p:nvGrpSpPr>
+          <p:cNvPr id="90" name="Group 89"/>
+          <p:cNvGrpSpPr/>
+          <p:nvPr/>
+        </p:nvGrpSpPr>
+        <p:grpSpPr>
+          <a:xfrm>
+            <a:off x="2942537" y="259972"/>
+            <a:ext cx="299051" cy="276519"/>
+            <a:chOff x="4474084" y="3782298"/>
+            <a:chExt cx="1387130" cy="1164529"/>
+          </a:xfrm>
+        </p:grpSpPr>
+        <p:sp>
+          <p:nvSpPr>
+            <p:cNvPr id="92" name="Document 91"/>
+            <p:cNvSpPr/>
+            <p:nvPr/>
+          </p:nvSpPr>
+          <p:spPr>
+            <a:xfrm>
+              <a:off x="4474084" y="3782298"/>
+              <a:ext cx="1387130" cy="1164529"/>
+            </a:xfrm>
+            <a:prstGeom prst="flowChartDocument">
+              <a:avLst/>
+            </a:prstGeom>
+            <a:solidFill>
+              <a:schemeClr val="accent1">
+                <a:lumMod val="20000"/>
+                <a:lumOff val="80000"/>
+              </a:schemeClr>
+            </a:solidFill>
+          </p:spPr>
+          <p:style>
+            <a:lnRef idx="2">
+              <a:schemeClr val="accent1">
+                <a:shade val="50000"/>
+              </a:schemeClr>
+            </a:lnRef>
+            <a:fillRef idx="1">
+              <a:schemeClr val="accent1"/>
+            </a:fillRef>
+            <a:effectRef idx="0">
+              <a:schemeClr val="accent1"/>
+            </a:effectRef>
+            <a:fontRef idx="minor">
+              <a:schemeClr val="lt1"/>
+            </a:fontRef>
+          </p:style>
+          <p:txBody>
+            <a:bodyPr rtlCol="0" anchor="ctr"/>
+            <a:lstStyle/>
+            <a:p>
+              <a:pPr algn="ctr"/>
+              <a:endParaRPr lang="en-US"/>
+            </a:p>
+          </p:txBody>
+        </p:sp>
+        <p:grpSp>
+          <p:nvGrpSpPr>
+            <p:cNvPr id="93" name="Group 92"/>
+            <p:cNvGrpSpPr/>
+            <p:nvPr/>
+          </p:nvGrpSpPr>
+          <p:grpSpPr>
+            <a:xfrm>
+              <a:off x="4570791" y="3887802"/>
+              <a:ext cx="245828" cy="228600"/>
+              <a:chOff x="5761960" y="5320433"/>
+              <a:chExt cx="245828" cy="228600"/>
+            </a:xfrm>
+          </p:grpSpPr>
+          <p:sp>
+            <p:nvSpPr>
+              <p:cNvPr id="102" name="Document 101"/>
+              <p:cNvSpPr/>
+              <p:nvPr/>
+            </p:nvSpPr>
+            <p:spPr>
+              <a:xfrm>
+                <a:off x="5765155" y="5320433"/>
+                <a:ext cx="242633" cy="228600"/>
+              </a:xfrm>
+              <a:prstGeom prst="flowChartDocument">
+                <a:avLst/>
+              </a:prstGeom>
+              <a:solidFill>
+                <a:schemeClr val="accent6">
+                  <a:lumMod val="60000"/>
+                  <a:lumOff val="40000"/>
+                </a:schemeClr>
+              </a:solidFill>
+              <a:ln>
+                <a:noFill/>
+              </a:ln>
+            </p:spPr>
+            <p:style>
+              <a:lnRef idx="2">
+                <a:schemeClr val="accent1">
+                  <a:shade val="50000"/>
+                </a:schemeClr>
+              </a:lnRef>
+              <a:fillRef idx="1">
+                <a:schemeClr val="accent1"/>
+              </a:fillRef>
+              <a:effectRef idx="0">
+                <a:schemeClr val="accent1"/>
+              </a:effectRef>
+              <a:fontRef idx="minor">
+                <a:schemeClr val="lt1"/>
+              </a:fontRef>
+            </p:style>
+            <p:txBody>
+              <a:bodyPr rtlCol="0" anchor="ctr"/>
+              <a:lstStyle/>
+              <a:p>
+                <a:pPr algn="ctr"/>
+                <a:endParaRPr lang="en-US"/>
+              </a:p>
+            </p:txBody>
+          </p:sp>
+          <p:sp>
+            <p:nvSpPr>
+              <p:cNvPr id="103" name="&quot;No&quot; Symbol 102"/>
+              <p:cNvSpPr/>
+              <p:nvPr/>
+            </p:nvSpPr>
+            <p:spPr>
+              <a:xfrm>
+                <a:off x="5761960" y="5320433"/>
+                <a:ext cx="228600" cy="228600"/>
+              </a:xfrm>
+              <a:prstGeom prst="noSmoking">
+                <a:avLst/>
+              </a:prstGeom>
+              <a:solidFill>
+                <a:srgbClr val="FF0000"/>
+              </a:solidFill>
+            </p:spPr>
+            <p:style>
+              <a:lnRef idx="2">
+                <a:schemeClr val="accent1">
+                  <a:shade val="50000"/>
+                </a:schemeClr>
+              </a:lnRef>
+              <a:fillRef idx="1">
+                <a:schemeClr val="accent1"/>
+              </a:fillRef>
+              <a:effectRef idx="0">
+                <a:schemeClr val="accent1"/>
+              </a:effectRef>
+              <a:fontRef idx="minor">
+                <a:schemeClr val="lt1"/>
+              </a:fontRef>
+            </p:style>
+            <p:txBody>
+              <a:bodyPr rtlCol="0" anchor="ctr"/>
+              <a:lstStyle/>
+              <a:p>
+                <a:pPr algn="ctr"/>
+                <a:endParaRPr lang="en-US">
+                  <a:solidFill>
+                    <a:schemeClr val="tx1"/>
+                  </a:solidFill>
+                </a:endParaRPr>
+              </a:p>
+            </p:txBody>
+          </p:sp>
+        </p:grpSp>
+        <p:sp>
+          <p:nvSpPr>
+            <p:cNvPr id="94" name="Document 93"/>
+            <p:cNvSpPr/>
+            <p:nvPr/>
+          </p:nvSpPr>
+          <p:spPr>
+            <a:xfrm>
+              <a:off x="5037113" y="3887802"/>
+              <a:ext cx="242633" cy="228600"/>
+            </a:xfrm>
+            <a:prstGeom prst="flowChartDocument">
+              <a:avLst/>
+            </a:prstGeom>
+            <a:solidFill>
+              <a:schemeClr val="accent2">
+                <a:lumMod val="60000"/>
+                <a:lumOff val="40000"/>
+              </a:schemeClr>
+            </a:solidFill>
+            <a:ln>
+              <a:noFill/>
+            </a:ln>
+          </p:spPr>
+          <p:style>
+            <a:lnRef idx="2">
+              <a:schemeClr val="accent1">
+                <a:shade val="50000"/>
+              </a:schemeClr>
+            </a:lnRef>
+            <a:fillRef idx="1">
+              <a:schemeClr val="accent1"/>
+            </a:fillRef>
+            <a:effectRef idx="0">
+              <a:schemeClr val="accent1"/>
+            </a:effectRef>
+            <a:fontRef idx="minor">
+              <a:schemeClr val="lt1"/>
+            </a:fontRef>
+          </p:style>
+          <p:txBody>
+            <a:bodyPr rtlCol="0" anchor="ctr"/>
+            <a:lstStyle/>
+            <a:p>
+              <a:pPr algn="ctr"/>
+              <a:endParaRPr lang="en-US"/>
+            </a:p>
+          </p:txBody>
+        </p:sp>
+        <p:sp>
+          <p:nvSpPr>
+            <p:cNvPr id="98" name="Document 97"/>
+            <p:cNvSpPr/>
+            <p:nvPr/>
+          </p:nvSpPr>
+          <p:spPr>
+            <a:xfrm>
+              <a:off x="5500240" y="3887802"/>
+              <a:ext cx="242633" cy="228600"/>
+            </a:xfrm>
+            <a:prstGeom prst="flowChartDocument">
+              <a:avLst/>
+            </a:prstGeom>
+            <a:gradFill flip="none" rotWithShape="1">
+              <a:gsLst>
+                <a:gs pos="0">
+                  <a:schemeClr val="bg1">
+                    <a:lumMod val="75000"/>
+                  </a:schemeClr>
+                </a:gs>
+                <a:gs pos="42000">
+                  <a:schemeClr val="accent4">
+                    <a:lumMod val="75000"/>
+                  </a:schemeClr>
+                </a:gs>
+                <a:gs pos="100000">
+                  <a:schemeClr val="accent5"/>
+                </a:gs>
+              </a:gsLst>
+              <a:path path="circle">
+                <a:fillToRect r="100000" b="100000"/>
+              </a:path>
+              <a:tileRect l="-100000" t="-100000"/>
+            </a:gradFill>
+            <a:ln>
+              <a:noFill/>
+            </a:ln>
+          </p:spPr>
+          <p:style>
+            <a:lnRef idx="2">
+              <a:schemeClr val="accent1">
+                <a:shade val="50000"/>
+              </a:schemeClr>
+            </a:lnRef>
+            <a:fillRef idx="1">
+              <a:schemeClr val="accent1"/>
+            </a:fillRef>
+            <a:effectRef idx="0">
+              <a:schemeClr val="accent1"/>
+            </a:effectRef>
+            <a:fontRef idx="minor">
+              <a:schemeClr val="lt1"/>
+            </a:fontRef>
+          </p:style>
+          <p:txBody>
+            <a:bodyPr rtlCol="0" anchor="ctr"/>
+            <a:lstStyle/>
+            <a:p>
+              <a:pPr algn="ctr"/>
+              <a:endParaRPr lang="en-US"/>
+            </a:p>
+          </p:txBody>
+        </p:sp>
+        <p:grpSp>
+          <p:nvGrpSpPr>
+            <p:cNvPr id="99" name="Group 98"/>
+            <p:cNvGrpSpPr/>
+            <p:nvPr/>
+          </p:nvGrpSpPr>
+          <p:grpSpPr>
+            <a:xfrm>
+              <a:off x="4571237" y="4221906"/>
+              <a:ext cx="1171636" cy="420015"/>
+              <a:chOff x="4571237" y="4221906"/>
+              <a:chExt cx="1171636" cy="420015"/>
+            </a:xfrm>
+          </p:grpSpPr>
+          <p:sp>
+            <p:nvSpPr>
+              <p:cNvPr id="100" name="Alternate Process 99"/>
+              <p:cNvSpPr/>
+              <p:nvPr/>
+            </p:nvSpPr>
+            <p:spPr>
+              <a:xfrm>
+                <a:off x="4571237" y="4221906"/>
+                <a:ext cx="1171636" cy="169493"/>
+              </a:xfrm>
+              <a:prstGeom prst="flowChartAlternateProcess">
+                <a:avLst/>
+              </a:prstGeom>
+              <a:solidFill>
+                <a:schemeClr val="bg1">
+                  <a:lumMod val="75000"/>
+                </a:schemeClr>
+              </a:solidFill>
+              <a:ln>
+                <a:noFill/>
+              </a:ln>
+            </p:spPr>
+            <p:style>
+              <a:lnRef idx="2">
+                <a:schemeClr val="accent1">
+                  <a:shade val="50000"/>
+                </a:schemeClr>
+              </a:lnRef>
+              <a:fillRef idx="1">
+                <a:schemeClr val="accent1"/>
+              </a:fillRef>
+              <a:effectRef idx="0">
+                <a:schemeClr val="accent1"/>
+              </a:effectRef>
+              <a:fontRef idx="minor">
+                <a:schemeClr val="lt1"/>
+              </a:fontRef>
+            </p:style>
+            <p:txBody>
+              <a:bodyPr rtlCol="0" anchor="ctr"/>
+              <a:lstStyle/>
+              <a:p>
+                <a:pPr algn="ctr"/>
+                <a:endParaRPr lang="en-US"/>
+              </a:p>
+            </p:txBody>
+          </p:sp>
+          <p:sp>
+            <p:nvSpPr>
+              <p:cNvPr id="101" name="Alternate Process 100"/>
+              <p:cNvSpPr/>
+              <p:nvPr/>
+            </p:nvSpPr>
+            <p:spPr>
+              <a:xfrm>
+                <a:off x="4571237" y="4472428"/>
+                <a:ext cx="1171636" cy="169493"/>
+              </a:xfrm>
+              <a:prstGeom prst="flowChartAlternateProcess">
+                <a:avLst/>
+              </a:prstGeom>
+              <a:solidFill>
+                <a:schemeClr val="accent4">
+                  <a:lumMod val="60000"/>
+                  <a:lumOff val="40000"/>
+                </a:schemeClr>
+              </a:solidFill>
+              <a:ln>
+                <a:noFill/>
+              </a:ln>
+            </p:spPr>
+            <p:style>
+              <a:lnRef idx="2">
+                <a:schemeClr val="accent1">
+                  <a:shade val="50000"/>
+                </a:schemeClr>
+              </a:lnRef>
+              <a:fillRef idx="1">
+                <a:schemeClr val="accent1"/>
+              </a:fillRef>
+              <a:effectRef idx="0">
+                <a:schemeClr val="accent1"/>
+              </a:effectRef>
+              <a:fontRef idx="minor">
+                <a:schemeClr val="lt1"/>
+              </a:fontRef>
+            </p:style>
+            <p:txBody>
+              <a:bodyPr rtlCol="0" anchor="ctr"/>
+              <a:lstStyle/>
+              <a:p>
+                <a:pPr algn="ctr"/>
+                <a:endParaRPr lang="en-US"/>
+              </a:p>
+            </p:txBody>
+          </p:sp>
+        </p:grpSp>
+      </p:grpSp>
+      <p:grpSp>
+        <p:nvGrpSpPr>
+          <p:cNvPr id="104" name="Group 103"/>
+          <p:cNvGrpSpPr/>
+          <p:nvPr/>
+        </p:nvGrpSpPr>
+        <p:grpSpPr>
+          <a:xfrm>
+            <a:off x="2944822" y="3225548"/>
+            <a:ext cx="299051" cy="276519"/>
+            <a:chOff x="4474084" y="3782298"/>
+            <a:chExt cx="1387130" cy="1164529"/>
+          </a:xfrm>
+        </p:grpSpPr>
+        <p:sp>
+          <p:nvSpPr>
+            <p:cNvPr id="105" name="Document 104"/>
+            <p:cNvSpPr/>
+            <p:nvPr/>
+          </p:nvSpPr>
+          <p:spPr>
+            <a:xfrm>
+              <a:off x="4474084" y="3782298"/>
+              <a:ext cx="1387130" cy="1164529"/>
+            </a:xfrm>
+            <a:prstGeom prst="flowChartDocument">
+              <a:avLst/>
+            </a:prstGeom>
+            <a:solidFill>
+              <a:schemeClr val="accent1">
+                <a:lumMod val="20000"/>
+                <a:lumOff val="80000"/>
+              </a:schemeClr>
+            </a:solidFill>
+          </p:spPr>
+          <p:style>
+            <a:lnRef idx="2">
+              <a:schemeClr val="accent1">
+                <a:shade val="50000"/>
+              </a:schemeClr>
+            </a:lnRef>
+            <a:fillRef idx="1">
+              <a:schemeClr val="accent1"/>
+            </a:fillRef>
+            <a:effectRef idx="0">
+              <a:schemeClr val="accent1"/>
+            </a:effectRef>
+            <a:fontRef idx="minor">
+              <a:schemeClr val="lt1"/>
+            </a:fontRef>
+          </p:style>
+          <p:txBody>
+            <a:bodyPr rtlCol="0" anchor="ctr"/>
+            <a:lstStyle/>
+            <a:p>
+              <a:pPr algn="ctr"/>
+              <a:endParaRPr lang="en-US"/>
+            </a:p>
+          </p:txBody>
+        </p:sp>
+        <p:grpSp>
+          <p:nvGrpSpPr>
+            <p:cNvPr id="106" name="Group 105"/>
+            <p:cNvGrpSpPr/>
+            <p:nvPr/>
+          </p:nvGrpSpPr>
+          <p:grpSpPr>
+            <a:xfrm>
+              <a:off x="4570791" y="3887802"/>
+              <a:ext cx="245828" cy="228600"/>
+              <a:chOff x="5761960" y="5320433"/>
+              <a:chExt cx="245828" cy="228600"/>
+            </a:xfrm>
+          </p:grpSpPr>
+          <p:sp>
+            <p:nvSpPr>
+              <p:cNvPr id="112" name="Document 111"/>
+              <p:cNvSpPr/>
+              <p:nvPr/>
+            </p:nvSpPr>
+            <p:spPr>
+              <a:xfrm>
+                <a:off x="5765155" y="5320433"/>
+                <a:ext cx="242633" cy="228600"/>
+              </a:xfrm>
+              <a:prstGeom prst="flowChartDocument">
+                <a:avLst/>
+              </a:prstGeom>
+              <a:solidFill>
+                <a:schemeClr val="accent6">
+                  <a:lumMod val="60000"/>
+                  <a:lumOff val="40000"/>
+                </a:schemeClr>
+              </a:solidFill>
+              <a:ln>
+                <a:noFill/>
+              </a:ln>
+            </p:spPr>
+            <p:style>
+              <a:lnRef idx="2">
+                <a:schemeClr val="accent1">
+                  <a:shade val="50000"/>
+                </a:schemeClr>
+              </a:lnRef>
+              <a:fillRef idx="1">
+                <a:schemeClr val="accent1"/>
+              </a:fillRef>
+              <a:effectRef idx="0">
+                <a:schemeClr val="accent1"/>
+              </a:effectRef>
+              <a:fontRef idx="minor">
+                <a:schemeClr val="lt1"/>
+              </a:fontRef>
+            </p:style>
+            <p:txBody>
+              <a:bodyPr rtlCol="0" anchor="ctr"/>
+              <a:lstStyle/>
+              <a:p>
+                <a:pPr algn="ctr"/>
+                <a:endParaRPr lang="en-US"/>
+              </a:p>
+            </p:txBody>
+          </p:sp>
+          <p:sp>
+            <p:nvSpPr>
+              <p:cNvPr id="113" name="&quot;No&quot; Symbol 112"/>
+              <p:cNvSpPr/>
+              <p:nvPr/>
+            </p:nvSpPr>
+            <p:spPr>
+              <a:xfrm>
+                <a:off x="5761960" y="5320433"/>
+                <a:ext cx="228600" cy="228600"/>
+              </a:xfrm>
+              <a:prstGeom prst="noSmoking">
+                <a:avLst/>
+              </a:prstGeom>
+              <a:solidFill>
+                <a:srgbClr val="FF0000"/>
+              </a:solidFill>
+            </p:spPr>
+            <p:style>
+              <a:lnRef idx="2">
+                <a:schemeClr val="accent1">
+                  <a:shade val="50000"/>
+                </a:schemeClr>
+              </a:lnRef>
+              <a:fillRef idx="1">
+                <a:schemeClr val="accent1"/>
+              </a:fillRef>
+              <a:effectRef idx="0">
+                <a:schemeClr val="accent1"/>
+              </a:effectRef>
+              <a:fontRef idx="minor">
+                <a:schemeClr val="lt1"/>
+              </a:fontRef>
+            </p:style>
+            <p:txBody>
+              <a:bodyPr rtlCol="0" anchor="ctr"/>
+              <a:lstStyle/>
+              <a:p>
+                <a:pPr algn="ctr"/>
+                <a:endParaRPr lang="en-US">
+                  <a:solidFill>
+                    <a:schemeClr val="tx1"/>
+                  </a:solidFill>
+                </a:endParaRPr>
+              </a:p>
+            </p:txBody>
+          </p:sp>
+        </p:grpSp>
+        <p:sp>
+          <p:nvSpPr>
+            <p:cNvPr id="107" name="Document 106"/>
+            <p:cNvSpPr/>
+            <p:nvPr/>
+          </p:nvSpPr>
+          <p:spPr>
+            <a:xfrm>
+              <a:off x="5037113" y="3887802"/>
+              <a:ext cx="242633" cy="228600"/>
+            </a:xfrm>
+            <a:prstGeom prst="flowChartDocument">
+              <a:avLst/>
+            </a:prstGeom>
+            <a:solidFill>
+              <a:schemeClr val="accent2">
+                <a:lumMod val="60000"/>
+                <a:lumOff val="40000"/>
+              </a:schemeClr>
+            </a:solidFill>
+            <a:ln>
+              <a:noFill/>
+            </a:ln>
+          </p:spPr>
+          <p:style>
+            <a:lnRef idx="2">
+              <a:schemeClr val="accent1">
+                <a:shade val="50000"/>
+              </a:schemeClr>
+            </a:lnRef>
+            <a:fillRef idx="1">
+              <a:schemeClr val="accent1"/>
+            </a:fillRef>
+            <a:effectRef idx="0">
+              <a:schemeClr val="accent1"/>
+            </a:effectRef>
+            <a:fontRef idx="minor">
+              <a:schemeClr val="lt1"/>
+            </a:fontRef>
+          </p:style>
+          <p:txBody>
+            <a:bodyPr rtlCol="0" anchor="ctr"/>
+            <a:lstStyle/>
+            <a:p>
+              <a:pPr algn="ctr"/>
+              <a:endParaRPr lang="en-US"/>
+            </a:p>
+          </p:txBody>
+        </p:sp>
+        <p:sp>
+          <p:nvSpPr>
+            <p:cNvPr id="108" name="Document 107"/>
+            <p:cNvSpPr/>
+            <p:nvPr/>
+          </p:nvSpPr>
+          <p:spPr>
+            <a:xfrm>
+              <a:off x="5500240" y="3887802"/>
+              <a:ext cx="242633" cy="228600"/>
+            </a:xfrm>
+            <a:prstGeom prst="flowChartDocument">
+              <a:avLst/>
+            </a:prstGeom>
+            <a:gradFill flip="none" rotWithShape="1">
+              <a:gsLst>
+                <a:gs pos="0">
+                  <a:schemeClr val="bg1">
+                    <a:lumMod val="75000"/>
+                  </a:schemeClr>
+                </a:gs>
+                <a:gs pos="42000">
+                  <a:schemeClr val="accent4">
+                    <a:lumMod val="75000"/>
+                  </a:schemeClr>
+                </a:gs>
+                <a:gs pos="100000">
+                  <a:schemeClr val="accent5"/>
+                </a:gs>
+              </a:gsLst>
+              <a:path path="circle">
+                <a:fillToRect r="100000" b="100000"/>
+              </a:path>
+              <a:tileRect l="-100000" t="-100000"/>
+            </a:gradFill>
+            <a:ln>
+              <a:noFill/>
+            </a:ln>
+          </p:spPr>
+          <p:style>
+            <a:lnRef idx="2">
+              <a:schemeClr val="accent1">
+                <a:shade val="50000"/>
+              </a:schemeClr>
+            </a:lnRef>
+            <a:fillRef idx="1">
+              <a:schemeClr val="accent1"/>
+            </a:fillRef>
+            <a:effectRef idx="0">
+              <a:schemeClr val="accent1"/>
+            </a:effectRef>
+            <a:fontRef idx="minor">
+              <a:schemeClr val="lt1"/>
+            </a:fontRef>
+          </p:style>
+          <p:txBody>
+            <a:bodyPr rtlCol="0" anchor="ctr"/>
+            <a:lstStyle/>
+            <a:p>
+              <a:pPr algn="ctr"/>
+              <a:endParaRPr lang="en-US"/>
+            </a:p>
+          </p:txBody>
+        </p:sp>
+        <p:grpSp>
+          <p:nvGrpSpPr>
+            <p:cNvPr id="109" name="Group 108"/>
+            <p:cNvGrpSpPr/>
+            <p:nvPr/>
+          </p:nvGrpSpPr>
+          <p:grpSpPr>
+            <a:xfrm>
+              <a:off x="4571237" y="4221906"/>
+              <a:ext cx="1171636" cy="420015"/>
+              <a:chOff x="4571237" y="4221906"/>
+              <a:chExt cx="1171636" cy="420015"/>
+            </a:xfrm>
+          </p:grpSpPr>
+          <p:sp>
+            <p:nvSpPr>
+              <p:cNvPr id="110" name="Alternate Process 109"/>
+              <p:cNvSpPr/>
+              <p:nvPr/>
+            </p:nvSpPr>
+            <p:spPr>
+              <a:xfrm>
+                <a:off x="4571237" y="4221906"/>
+                <a:ext cx="1171636" cy="169493"/>
+              </a:xfrm>
+              <a:prstGeom prst="flowChartAlternateProcess">
+                <a:avLst/>
+              </a:prstGeom>
+              <a:solidFill>
+                <a:schemeClr val="bg1">
+                  <a:lumMod val="75000"/>
+                </a:schemeClr>
+              </a:solidFill>
+              <a:ln>
+                <a:noFill/>
+              </a:ln>
+            </p:spPr>
+            <p:style>
+              <a:lnRef idx="2">
+                <a:schemeClr val="accent1">
+                  <a:shade val="50000"/>
+                </a:schemeClr>
+              </a:lnRef>
+              <a:fillRef idx="1">
+                <a:schemeClr val="accent1"/>
+              </a:fillRef>
+              <a:effectRef idx="0">
+                <a:schemeClr val="accent1"/>
+              </a:effectRef>
+              <a:fontRef idx="minor">
+                <a:schemeClr val="lt1"/>
+              </a:fontRef>
+            </p:style>
+            <p:txBody>
+              <a:bodyPr rtlCol="0" anchor="ctr"/>
+              <a:lstStyle/>
+              <a:p>
+                <a:pPr algn="ctr"/>
+                <a:endParaRPr lang="en-US"/>
+              </a:p>
+            </p:txBody>
+          </p:sp>
+          <p:sp>
+            <p:nvSpPr>
+              <p:cNvPr id="111" name="Alternate Process 110"/>
+              <p:cNvSpPr/>
+              <p:nvPr/>
+            </p:nvSpPr>
+            <p:spPr>
+              <a:xfrm>
+                <a:off x="4571237" y="4472428"/>
+                <a:ext cx="1171636" cy="169493"/>
+              </a:xfrm>
+              <a:prstGeom prst="flowChartAlternateProcess">
+                <a:avLst/>
+              </a:prstGeom>
+              <a:solidFill>
+                <a:schemeClr val="accent4">
+                  <a:lumMod val="60000"/>
+                  <a:lumOff val="40000"/>
+                </a:schemeClr>
+              </a:solidFill>
+              <a:ln>
+                <a:noFill/>
+              </a:ln>
+            </p:spPr>
+            <p:style>
+              <a:lnRef idx="2">
+                <a:schemeClr val="accent1">
+                  <a:shade val="50000"/>
+                </a:schemeClr>
+              </a:lnRef>
+              <a:fillRef idx="1">
+                <a:schemeClr val="accent1"/>
+              </a:fillRef>
+              <a:effectRef idx="0">
+                <a:schemeClr val="accent1"/>
+              </a:effectRef>
+              <a:fontRef idx="minor">
+                <a:schemeClr val="lt1"/>
+              </a:fontRef>
+            </p:style>
+            <p:txBody>
+              <a:bodyPr rtlCol="0" anchor="ctr"/>
+              <a:lstStyle/>
+              <a:p>
+                <a:pPr algn="ctr"/>
+                <a:endParaRPr lang="en-US"/>
+              </a:p>
+            </p:txBody>
+          </p:sp>
+        </p:grpSp>
+      </p:grpSp>
+      <p:pic>
+        <p:nvPicPr>
+          <p:cNvPr id="2" name="Picture 1"/>
+          <p:cNvPicPr>
+            <a:picLocks noChangeAspect="1"/>
+          </p:cNvPicPr>
+          <p:nvPr/>
+        </p:nvPicPr>
+        <p:blipFill>
+          <a:blip r:embed="rId4">
+            <a:extLst>
+              <a:ext uri="{28A0092B-C50C-407E-A947-70E740481C1C}">
+                <a14:useLocalDpi xmlns:a14="http://schemas.microsoft.com/office/drawing/2010/main" val="0"/>
+              </a:ext>
+            </a:extLst>
+          </a:blip>
+          <a:stretch>
+            <a:fillRect/>
+          </a:stretch>
+        </p:blipFill>
+        <p:spPr>
+          <a:xfrm flipH="1">
+            <a:off x="971328" y="783192"/>
+            <a:ext cx="523667" cy="674973"/>
+          </a:xfrm>
+          <a:prstGeom prst="rect">
+            <a:avLst/>
+          </a:prstGeom>
+        </p:spPr>
+      </p:pic>
+      <p:cxnSp>
+        <p:nvCxnSpPr>
+          <p:cNvPr id="16" name="Straight Arrow Connector 15"/>
+          <p:cNvCxnSpPr/>
+          <p:nvPr/>
+        </p:nvCxnSpPr>
+        <p:spPr>
+          <a:xfrm flipV="1">
+            <a:off x="1473223" y="1117296"/>
+            <a:ext cx="1361444" cy="3383"/>
+          </a:xfrm>
+          <a:prstGeom prst="straightConnector1">
+            <a:avLst/>
+          </a:prstGeom>
+          <a:ln>
+            <a:solidFill>
+              <a:srgbClr val="026DF0"/>
+            </a:solidFill>
+            <a:headEnd type="triangle"/>
+            <a:tailEnd type="triangle"/>
+          </a:ln>
+        </p:spPr>
+        <p:style>
+          <a:lnRef idx="1">
+            <a:schemeClr val="accent1"/>
+          </a:lnRef>
+          <a:fillRef idx="0">
+            <a:schemeClr val="accent1"/>
+          </a:fillRef>
+          <a:effectRef idx="0">
+            <a:schemeClr val="accent1"/>
+          </a:effectRef>
+          <a:fontRef idx="minor">
+            <a:schemeClr val="tx1"/>
+          </a:fontRef>
+        </p:style>
+      </p:cxnSp>
+      <p:cxnSp>
+        <p:nvCxnSpPr>
+          <p:cNvPr id="114" name="Straight Arrow Connector 113"/>
+          <p:cNvCxnSpPr/>
+          <p:nvPr/>
+        </p:nvCxnSpPr>
+        <p:spPr>
+          <a:xfrm>
+            <a:off x="1233161" y="1545223"/>
+            <a:ext cx="0" cy="1356537"/>
+          </a:xfrm>
+          <a:prstGeom prst="straightConnector1">
+            <a:avLst/>
+          </a:prstGeom>
+          <a:ln>
+            <a:solidFill>
+              <a:srgbClr val="026DF0"/>
+            </a:solidFill>
+            <a:headEnd type="triangle"/>
+            <a:tailEnd type="triangle"/>
+          </a:ln>
+        </p:spPr>
+        <p:style>
+          <a:lnRef idx="1">
+            <a:schemeClr val="accent1"/>
+          </a:lnRef>
+          <a:fillRef idx="0">
+            <a:schemeClr val="accent1"/>
+          </a:fillRef>
+          <a:effectRef idx="0">
+            <a:schemeClr val="accent1"/>
+          </a:effectRef>
+          <a:fontRef idx="minor">
+            <a:schemeClr val="tx1"/>
+          </a:fontRef>
+        </p:style>
+      </p:cxnSp>
+      <p:sp>
+        <p:nvSpPr>
+          <p:cNvPr id="18" name="Line Callout 1 17"/>
+          <p:cNvSpPr/>
+          <p:nvPr/>
+        </p:nvSpPr>
+        <p:spPr>
+          <a:xfrm>
+            <a:off x="4129211" y="324284"/>
+            <a:ext cx="1612138" cy="579230"/>
+          </a:xfrm>
+          <a:prstGeom prst="borderCallout1">
+            <a:avLst>
+              <a:gd name="adj1" fmla="val 18750"/>
+              <a:gd name="adj2" fmla="val -8333"/>
+              <a:gd name="adj3" fmla="val 116634"/>
+              <a:gd name="adj4" fmla="val -123629"/>
+            </a:avLst>
+          </a:prstGeom>
+          <a:solidFill>
+            <a:schemeClr val="tx1"/>
+          </a:solidFill>
+        </p:spPr>
+        <p:style>
+          <a:lnRef idx="2">
+            <a:schemeClr val="accent1">
+              <a:shade val="50000"/>
+            </a:schemeClr>
+          </a:lnRef>
+          <a:fillRef idx="1">
+            <a:schemeClr val="accent1"/>
+          </a:fillRef>
+          <a:effectRef idx="0">
+            <a:schemeClr val="accent1"/>
+          </a:effectRef>
+          <a:fontRef idx="minor">
+            <a:schemeClr val="lt1"/>
+          </a:fontRef>
+        </p:style>
+        <p:txBody>
+          <a:bodyPr rtlCol="0" anchor="ctr"/>
+          <a:lstStyle/>
+          <a:p>
+            <a:pPr algn="ctr"/>
+            <a:r>
+              <a:rPr lang="en-US" sz="1400" dirty="0" smtClean="0"/>
+              <a:t>Register App &amp;</a:t>
+            </a:r>
+          </a:p>
+          <a:p>
+            <a:pPr algn="ctr"/>
+            <a:r>
+              <a:rPr lang="en-US" sz="1400" dirty="0" smtClean="0"/>
+              <a:t>Subscribe to Plan</a:t>
+            </a:r>
+            <a:endParaRPr lang="en-US" sz="1400" dirty="0"/>
+          </a:p>
+        </p:txBody>
+      </p:sp>
+      <p:sp>
+        <p:nvSpPr>
+          <p:cNvPr id="115" name="Line Callout 1 114"/>
+          <p:cNvSpPr/>
+          <p:nvPr/>
+        </p:nvSpPr>
+        <p:spPr>
+          <a:xfrm>
+            <a:off x="4129211" y="3203068"/>
+            <a:ext cx="1612138" cy="579230"/>
+          </a:xfrm>
+          <a:prstGeom prst="borderCallout1">
+            <a:avLst>
+              <a:gd name="adj1" fmla="val 18750"/>
+              <a:gd name="adj2" fmla="val -8333"/>
+              <a:gd name="adj3" fmla="val -155871"/>
+              <a:gd name="adj4" fmla="val -172921"/>
+            </a:avLst>
+          </a:prstGeom>
+          <a:solidFill>
+            <a:schemeClr val="tx1"/>
+          </a:solidFill>
+        </p:spPr>
+        <p:style>
+          <a:lnRef idx="2">
+            <a:schemeClr val="accent1">
+              <a:shade val="50000"/>
+            </a:schemeClr>
+          </a:lnRef>
+          <a:fillRef idx="1">
+            <a:schemeClr val="accent1"/>
+          </a:fillRef>
+          <a:effectRef idx="0">
+            <a:schemeClr val="accent1"/>
+          </a:effectRef>
+          <a:fontRef idx="minor">
+            <a:schemeClr val="lt1"/>
+          </a:fontRef>
+        </p:style>
+        <p:txBody>
+          <a:bodyPr rtlCol="0" anchor="ctr"/>
+          <a:lstStyle/>
+          <a:p>
+            <a:pPr algn="ctr"/>
+            <a:r>
+              <a:rPr lang="en-US" sz="1400" dirty="0" smtClean="0"/>
+              <a:t>Configure App w/</a:t>
+            </a:r>
+          </a:p>
+          <a:p>
+            <a:pPr algn="ctr"/>
+            <a:r>
+              <a:rPr lang="en-US" sz="1400" dirty="0" smtClean="0"/>
+              <a:t>Client Credentials</a:t>
+            </a:r>
+            <a:endParaRPr lang="en-US" sz="1400" dirty="0"/>
+          </a:p>
+        </p:txBody>
+      </p:sp>
+    </p:spTree>
+    <p:extLst>
+      <p:ext uri="{BB962C8B-B14F-4D97-AF65-F5344CB8AC3E}">
+        <p14:creationId xmlns:p14="http://schemas.microsoft.com/office/powerpoint/2010/main" val="1882882660"/>
+      </p:ext>
+    </p:extLst>
+  </p:cSld>
+  <p:clrMapOvr>
+    <a:masterClrMapping/>
+  </p:clrMapOvr>
+  <p:timing>
+    <p:tnLst>
+      <p:par>
+        <p:cTn id="1" dur="indefinite" restart="never" nodeType="tmRoot">
+          <p:childTnLst>
+            <p:seq concurrent="1" nextAc="seek">
+              <p:cTn id="2" dur="indefinite" nodeType="mainSeq">
+                <p:childTnLst>
+                  <p:par>
+                    <p:cTn id="3" fill="hold">
+                      <p:stCondLst>
+                        <p:cond delay="indefinite"/>
+                      </p:stCondLst>
+                      <p:childTnLst>
+                        <p:par>
+                          <p:cTn id="4" fill="hold">
+                            <p:stCondLst>
+                              <p:cond delay="0"/>
+                            </p:stCondLst>
+                            <p:childTnLst>
+                              <p:par>
+                                <p:cTn id="5" presetID="12" presetClass="entr" presetSubtype="8" fill="hold" nodeType="clickEffect">
+                                  <p:stCondLst>
+                                    <p:cond delay="0"/>
+                                  </p:stCondLst>
+                                  <p:childTnLst>
+                                    <p:set>
+                                      <p:cBhvr>
+                                        <p:cTn id="6" dur="1" fill="hold">
+                                          <p:stCondLst>
+                                            <p:cond delay="0"/>
+                                          </p:stCondLst>
+                                        </p:cTn>
+                                        <p:tgtEl>
+                                          <p:spTgt spid="16"/>
+                                        </p:tgtEl>
+                                        <p:attrNameLst>
+                                          <p:attrName>style.visibility</p:attrName>
+                                        </p:attrNameLst>
+                                      </p:cBhvr>
+                                      <p:to>
+                                        <p:strVal val="visible"/>
+                                      </p:to>
+                                    </p:set>
+                                    <p:anim calcmode="lin" valueType="num">
+                                      <p:cBhvr additive="base">
+                                        <p:cTn id="7" dur="500"/>
+                                        <p:tgtEl>
+                                          <p:spTgt spid="16"/>
+                                        </p:tgtEl>
+                                        <p:attrNameLst>
+                                          <p:attrName>ppt_x</p:attrName>
+                                        </p:attrNameLst>
+                                      </p:cBhvr>
+                                      <p:tavLst>
+                                        <p:tav tm="0">
+                                          <p:val>
+                                            <p:strVal val="#ppt_x-#ppt_w*1.125000"/>
+                                          </p:val>
+                                        </p:tav>
+                                        <p:tav tm="100000">
+                                          <p:val>
+                                            <p:strVal val="#ppt_x"/>
+                                          </p:val>
+                                        </p:tav>
+                                      </p:tavLst>
+                                    </p:anim>
+                                    <p:animEffect transition="in" filter="wipe(right)">
+                                      <p:cBhvr>
+                                        <p:cTn id="8" dur="500"/>
+                                        <p:tgtEl>
+                                          <p:spTgt spid="16"/>
+                                        </p:tgtEl>
+                                      </p:cBhvr>
+                                    </p:animEffect>
+                                  </p:childTnLst>
+                                </p:cTn>
+                              </p:par>
+                            </p:childTnLst>
+                          </p:cTn>
+                        </p:par>
+                        <p:par>
+                          <p:cTn id="9" fill="hold">
+                            <p:stCondLst>
+                              <p:cond delay="500"/>
+                            </p:stCondLst>
+                            <p:childTnLst>
+                              <p:par>
+                                <p:cTn id="10" presetID="22" presetClass="entr" presetSubtype="8" fill="hold" grpId="0" nodeType="afterEffect">
+                                  <p:stCondLst>
+                                    <p:cond delay="0"/>
+                                  </p:stCondLst>
+                                  <p:childTnLst>
+                                    <p:set>
+                                      <p:cBhvr>
+                                        <p:cTn id="11" dur="1" fill="hold">
+                                          <p:stCondLst>
+                                            <p:cond delay="0"/>
+                                          </p:stCondLst>
+                                        </p:cTn>
+                                        <p:tgtEl>
+                                          <p:spTgt spid="18"/>
+                                        </p:tgtEl>
+                                        <p:attrNameLst>
+                                          <p:attrName>style.visibility</p:attrName>
+                                        </p:attrNameLst>
+                                      </p:cBhvr>
+                                      <p:to>
+                                        <p:strVal val="visible"/>
+                                      </p:to>
+                                    </p:set>
+                                    <p:animEffect transition="in" filter="wipe(left)">
+                                      <p:cBhvr>
+                                        <p:cTn id="12" dur="500"/>
+                                        <p:tgtEl>
+                                          <p:spTgt spid="18"/>
+                                        </p:tgtEl>
+                                      </p:cBhvr>
+                                    </p:animEffect>
+                                  </p:childTnLst>
+                                </p:cTn>
+                              </p:par>
+                            </p:childTnLst>
+                          </p:cTn>
+                        </p:par>
+                      </p:childTnLst>
+                    </p:cTn>
+                  </p:par>
+                  <p:par>
+                    <p:cTn id="13" fill="hold">
+                      <p:stCondLst>
+                        <p:cond delay="indefinite"/>
+                      </p:stCondLst>
+                      <p:childTnLst>
+                        <p:par>
+                          <p:cTn id="14" fill="hold">
+                            <p:stCondLst>
+                              <p:cond delay="0"/>
+                            </p:stCondLst>
+                            <p:childTnLst>
+                              <p:par>
+                                <p:cTn id="15" presetID="12" presetClass="entr" presetSubtype="1" fill="hold" nodeType="clickEffect">
+                                  <p:stCondLst>
+                                    <p:cond delay="0"/>
+                                  </p:stCondLst>
+                                  <p:childTnLst>
+                                    <p:set>
+                                      <p:cBhvr>
+                                        <p:cTn id="16" dur="1" fill="hold">
+                                          <p:stCondLst>
+                                            <p:cond delay="0"/>
+                                          </p:stCondLst>
+                                        </p:cTn>
+                                        <p:tgtEl>
+                                          <p:spTgt spid="114"/>
+                                        </p:tgtEl>
+                                        <p:attrNameLst>
+                                          <p:attrName>style.visibility</p:attrName>
+                                        </p:attrNameLst>
+                                      </p:cBhvr>
+                                      <p:to>
+                                        <p:strVal val="visible"/>
+                                      </p:to>
+                                    </p:set>
+                                    <p:anim calcmode="lin" valueType="num">
+                                      <p:cBhvr additive="base">
+                                        <p:cTn id="17" dur="500"/>
+                                        <p:tgtEl>
+                                          <p:spTgt spid="114"/>
+                                        </p:tgtEl>
+                                        <p:attrNameLst>
+                                          <p:attrName>ppt_y</p:attrName>
+                                        </p:attrNameLst>
+                                      </p:cBhvr>
+                                      <p:tavLst>
+                                        <p:tav tm="0">
+                                          <p:val>
+                                            <p:strVal val="#ppt_y-#ppt_h*1.125000"/>
+                                          </p:val>
+                                        </p:tav>
+                                        <p:tav tm="100000">
+                                          <p:val>
+                                            <p:strVal val="#ppt_y"/>
+                                          </p:val>
+                                        </p:tav>
+                                      </p:tavLst>
+                                    </p:anim>
+                                    <p:animEffect transition="in" filter="wipe(down)">
+                                      <p:cBhvr>
+                                        <p:cTn id="18" dur="500"/>
+                                        <p:tgtEl>
+                                          <p:spTgt spid="114"/>
+                                        </p:tgtEl>
+                                      </p:cBhvr>
+                                    </p:animEffect>
+                                  </p:childTnLst>
+                                </p:cTn>
+                              </p:par>
+                            </p:childTnLst>
+                          </p:cTn>
+                        </p:par>
+                        <p:par>
+                          <p:cTn id="19" fill="hold">
+                            <p:stCondLst>
+                              <p:cond delay="500"/>
+                            </p:stCondLst>
+                            <p:childTnLst>
+                              <p:par>
+                                <p:cTn id="20" presetID="22" presetClass="entr" presetSubtype="8" fill="hold" grpId="0" nodeType="afterEffect">
+                                  <p:stCondLst>
+                                    <p:cond delay="0"/>
+                                  </p:stCondLst>
+                                  <p:childTnLst>
+                                    <p:set>
+                                      <p:cBhvr>
+                                        <p:cTn id="21" dur="1" fill="hold">
+                                          <p:stCondLst>
+                                            <p:cond delay="0"/>
+                                          </p:stCondLst>
+                                        </p:cTn>
+                                        <p:tgtEl>
+                                          <p:spTgt spid="115"/>
+                                        </p:tgtEl>
+                                        <p:attrNameLst>
+                                          <p:attrName>style.visibility</p:attrName>
+                                        </p:attrNameLst>
+                                      </p:cBhvr>
+                                      <p:to>
+                                        <p:strVal val="visible"/>
+                                      </p:to>
+                                    </p:set>
+                                    <p:animEffect transition="in" filter="wipe(left)">
+                                      <p:cBhvr>
+                                        <p:cTn id="22" dur="500"/>
+                                        <p:tgtEl>
+                                          <p:spTgt spid="115"/>
+                                        </p:tgtEl>
+                                      </p:cBhvr>
+                                    </p:animEffect>
+                                  </p:childTnLst>
+                                </p:cTn>
+                              </p:par>
+                            </p:childTnLst>
+                          </p:cTn>
+                        </p:par>
+                      </p:childTnLst>
+                    </p:cTn>
+                  </p:par>
+                </p:childTnLst>
+              </p:cTn>
+              <p:prevCondLst>
+                <p:cond evt="onPrev" delay="0">
+                  <p:tgtEl>
+                    <p:sldTgt/>
+                  </p:tgtEl>
+                </p:cond>
+              </p:prevCondLst>
+              <p:nextCondLst>
+                <p:cond evt="onNext" delay="0">
+                  <p:tgtEl>
+                    <p:sldTgt/>
+                  </p:tgtEl>
+                </p:cond>
+              </p:nextCondLst>
+            </p:seq>
+          </p:childTnLst>
+        </p:cTn>
+      </p:par>
+    </p:tnLst>
+    <p:bldLst>
+      <p:bldP spid="18" grpId="0" animBg="1"/>
+      <p:bldP spid="115" grpId="0" animBg="1"/>
+    </p:bldLst>
+  </p:timing>
+</p:sld>
+</file>
+
+<file path=ppt/slides/slide11.xml><?xml version="1.0" encoding="utf-8"?>
+<p:sld xmlns:a="http://schemas.openxmlformats.org/drawingml/2006/main" xmlns:r="http://schemas.openxmlformats.org/officeDocument/2006/relationships" xmlns:p="http://schemas.openxmlformats.org/presentationml/2006/main">
+  <p:cSld>
+    <p:spTree>
+      <p:nvGrpSpPr>
+        <p:cNvPr id="1" name=""/>
+        <p:cNvGrpSpPr/>
+        <p:nvPr/>
+      </p:nvGrpSpPr>
+      <p:grpSpPr>
+        <a:xfrm>
+          <a:off x="0" y="0"/>
+          <a:ext cx="0" cy="0"/>
+          <a:chOff x="0" y="0"/>
+          <a:chExt cx="0" cy="0"/>
+        </a:xfrm>
+      </p:grpSpPr>
+      <p:sp>
+        <p:nvSpPr>
+          <p:cNvPr id="71" name="Rectangle 70"/>
+          <p:cNvSpPr/>
+          <p:nvPr/>
+        </p:nvSpPr>
+        <p:spPr>
+          <a:xfrm>
+            <a:off x="9049470" y="5002449"/>
+            <a:ext cx="2997982" cy="1714649"/>
+          </a:xfrm>
+          <a:prstGeom prst="rect">
+            <a:avLst/>
+          </a:prstGeom>
+          <a:solidFill>
+            <a:schemeClr val="accent2">
+              <a:lumMod val="40000"/>
+              <a:lumOff val="60000"/>
+            </a:schemeClr>
+          </a:solidFill>
+          <a:ln>
+            <a:noFill/>
+          </a:ln>
+        </p:spPr>
+        <p:style>
+          <a:lnRef idx="2">
+            <a:schemeClr val="accent1">
+              <a:shade val="50000"/>
+            </a:schemeClr>
+          </a:lnRef>
+          <a:fillRef idx="1">
+            <a:schemeClr val="accent1"/>
+          </a:fillRef>
+          <a:effectRef idx="0">
+            <a:schemeClr val="accent1"/>
+          </a:effectRef>
+          <a:fontRef idx="minor">
+            <a:schemeClr val="lt1"/>
+          </a:fontRef>
+        </p:style>
+        <p:txBody>
+          <a:bodyPr vert="vert" rtlCol="0" anchor="t" anchorCtr="0"/>
+          <a:lstStyle/>
+          <a:p>
+            <a:pPr algn="ctr"/>
+            <a:r>
+              <a:rPr lang="en-US" sz="1400" dirty="0" smtClean="0">
+                <a:solidFill>
+                  <a:schemeClr val="accent2">
+                    <a:lumMod val="75000"/>
+                  </a:schemeClr>
+                </a:solidFill>
+              </a:rPr>
+              <a:t>Data Sources</a:t>
+            </a:r>
+            <a:endParaRPr lang="en-US" sz="1400" dirty="0">
+              <a:solidFill>
+                <a:schemeClr val="accent2">
+                  <a:lumMod val="75000"/>
+                </a:schemeClr>
+              </a:solidFill>
+            </a:endParaRPr>
+          </a:p>
+        </p:txBody>
+      </p:sp>
+      <p:sp>
+        <p:nvSpPr>
+          <p:cNvPr id="70" name="Rectangle 69"/>
+          <p:cNvSpPr/>
+          <p:nvPr/>
+        </p:nvSpPr>
+        <p:spPr>
+          <a:xfrm>
+            <a:off x="7384172" y="5002449"/>
+            <a:ext cx="1666019" cy="1714649"/>
+          </a:xfrm>
+          <a:prstGeom prst="rect">
+            <a:avLst/>
+          </a:prstGeom>
+          <a:solidFill>
+            <a:schemeClr val="accent1">
+              <a:lumMod val="40000"/>
+              <a:lumOff val="60000"/>
+            </a:schemeClr>
+          </a:solidFill>
+          <a:ln>
+            <a:noFill/>
+          </a:ln>
+        </p:spPr>
+        <p:style>
+          <a:lnRef idx="2">
+            <a:schemeClr val="accent1">
+              <a:shade val="50000"/>
+            </a:schemeClr>
+          </a:lnRef>
+          <a:fillRef idx="1">
+            <a:schemeClr val="accent1"/>
+          </a:fillRef>
+          <a:effectRef idx="0">
+            <a:schemeClr val="accent1"/>
+          </a:effectRef>
+          <a:fontRef idx="minor">
+            <a:schemeClr val="lt1"/>
+          </a:fontRef>
+        </p:style>
+        <p:txBody>
+          <a:bodyPr rtlCol="0" anchor="t" anchorCtr="0"/>
+          <a:lstStyle/>
+          <a:p>
+            <a:pPr algn="ctr"/>
+            <a:endParaRPr lang="en-US" dirty="0"/>
+          </a:p>
+        </p:txBody>
+      </p:sp>
+      <p:sp>
+        <p:nvSpPr>
+          <p:cNvPr id="68" name="Rectangle 67"/>
+          <p:cNvSpPr/>
+          <p:nvPr/>
+        </p:nvSpPr>
+        <p:spPr>
+          <a:xfrm>
+            <a:off x="7384172" y="2639021"/>
+            <a:ext cx="4663279" cy="2378993"/>
+          </a:xfrm>
+          <a:prstGeom prst="rect">
+            <a:avLst/>
+          </a:prstGeom>
+          <a:solidFill>
+            <a:schemeClr val="accent1">
+              <a:lumMod val="40000"/>
+              <a:lumOff val="60000"/>
+            </a:schemeClr>
+          </a:solidFill>
+          <a:ln>
+            <a:noFill/>
+          </a:ln>
+        </p:spPr>
+        <p:style>
+          <a:lnRef idx="2">
+            <a:schemeClr val="accent1">
+              <a:shade val="50000"/>
+            </a:schemeClr>
+          </a:lnRef>
+          <a:fillRef idx="1">
+            <a:schemeClr val="accent1"/>
+          </a:fillRef>
+          <a:effectRef idx="0">
+            <a:schemeClr val="accent1"/>
+          </a:effectRef>
+          <a:fontRef idx="minor">
+            <a:schemeClr val="lt1"/>
+          </a:fontRef>
+        </p:style>
+        <p:txBody>
+          <a:bodyPr vert="vert" rtlCol="0" anchor="t" anchorCtr="0"/>
+          <a:lstStyle/>
+          <a:p>
+            <a:pPr algn="ctr"/>
+            <a:r>
+              <a:rPr lang="en-US" sz="1400" dirty="0" smtClean="0">
+                <a:solidFill>
+                  <a:schemeClr val="accent1">
+                    <a:lumMod val="50000"/>
+                  </a:schemeClr>
+                </a:solidFill>
+              </a:rPr>
+              <a:t>Internal Services</a:t>
+            </a:r>
+            <a:endParaRPr lang="en-US" sz="1400" dirty="0">
+              <a:solidFill>
+                <a:schemeClr val="accent1">
+                  <a:lumMod val="50000"/>
+                </a:schemeClr>
+              </a:solidFill>
+            </a:endParaRPr>
+          </a:p>
+        </p:txBody>
+      </p:sp>
+      <p:grpSp>
+        <p:nvGrpSpPr>
+          <p:cNvPr id="182" name="Group 181"/>
+          <p:cNvGrpSpPr/>
+          <p:nvPr/>
+        </p:nvGrpSpPr>
+        <p:grpSpPr>
+          <a:xfrm>
+            <a:off x="9502583" y="5427701"/>
+            <a:ext cx="697627" cy="1191429"/>
+            <a:chOff x="9502583" y="5427701"/>
+            <a:chExt cx="697627" cy="1191429"/>
+          </a:xfrm>
+        </p:grpSpPr>
+        <p:grpSp>
+          <p:nvGrpSpPr>
+            <p:cNvPr id="7" name="Group 6"/>
+            <p:cNvGrpSpPr/>
+            <p:nvPr/>
+          </p:nvGrpSpPr>
+          <p:grpSpPr>
+            <a:xfrm>
+              <a:off x="9558628" y="5427701"/>
+              <a:ext cx="597877" cy="668209"/>
+              <a:chOff x="6901961" y="1863976"/>
+              <a:chExt cx="395654" cy="430820"/>
+            </a:xfrm>
+          </p:grpSpPr>
+          <p:sp>
+            <p:nvSpPr>
+              <p:cNvPr id="5" name="Can 4"/>
+              <p:cNvSpPr/>
+              <p:nvPr/>
+            </p:nvSpPr>
+            <p:spPr>
+              <a:xfrm>
+                <a:off x="6901961" y="2154119"/>
+                <a:ext cx="395653" cy="140677"/>
+              </a:xfrm>
+              <a:prstGeom prst="can">
+                <a:avLst/>
+              </a:prstGeom>
+            </p:spPr>
+            <p:style>
+              <a:lnRef idx="2">
+                <a:schemeClr val="accent1">
+                  <a:shade val="50000"/>
+                </a:schemeClr>
+              </a:lnRef>
+              <a:fillRef idx="1">
+                <a:schemeClr val="accent1"/>
+              </a:fillRef>
+              <a:effectRef idx="0">
+                <a:schemeClr val="accent1"/>
+              </a:effectRef>
+              <a:fontRef idx="minor">
+                <a:schemeClr val="lt1"/>
+              </a:fontRef>
+            </p:style>
+            <p:txBody>
+              <a:bodyPr rtlCol="0" anchor="ctr"/>
+              <a:lstStyle/>
+              <a:p>
+                <a:pPr algn="ctr"/>
+                <a:endParaRPr lang="en-US"/>
+              </a:p>
+            </p:txBody>
+          </p:sp>
+          <p:sp>
+            <p:nvSpPr>
+              <p:cNvPr id="4" name="Can 3"/>
+              <p:cNvSpPr/>
+              <p:nvPr/>
+            </p:nvSpPr>
+            <p:spPr>
+              <a:xfrm>
+                <a:off x="6901962" y="2057402"/>
+                <a:ext cx="395653" cy="140677"/>
+              </a:xfrm>
+              <a:prstGeom prst="can">
+                <a:avLst/>
+              </a:prstGeom>
+            </p:spPr>
+            <p:style>
+              <a:lnRef idx="2">
+                <a:schemeClr val="accent1">
+                  <a:shade val="50000"/>
+                </a:schemeClr>
+              </a:lnRef>
+              <a:fillRef idx="1">
+                <a:schemeClr val="accent1"/>
+              </a:fillRef>
+              <a:effectRef idx="0">
+                <a:schemeClr val="accent1"/>
+              </a:effectRef>
+              <a:fontRef idx="minor">
+                <a:schemeClr val="lt1"/>
+              </a:fontRef>
+            </p:style>
+            <p:txBody>
+              <a:bodyPr rtlCol="0" anchor="ctr"/>
+              <a:lstStyle/>
+              <a:p>
+                <a:pPr algn="ctr"/>
+                <a:endParaRPr lang="en-US"/>
+              </a:p>
+            </p:txBody>
+          </p:sp>
+          <p:sp>
+            <p:nvSpPr>
+              <p:cNvPr id="3" name="Can 2"/>
+              <p:cNvSpPr/>
+              <p:nvPr/>
+            </p:nvSpPr>
+            <p:spPr>
+              <a:xfrm>
+                <a:off x="6901962" y="1960685"/>
+                <a:ext cx="395653" cy="140677"/>
+              </a:xfrm>
+              <a:prstGeom prst="can">
+                <a:avLst/>
+              </a:prstGeom>
+            </p:spPr>
+            <p:style>
+              <a:lnRef idx="2">
+                <a:schemeClr val="accent1">
+                  <a:shade val="50000"/>
+                </a:schemeClr>
+              </a:lnRef>
+              <a:fillRef idx="1">
+                <a:schemeClr val="accent1"/>
+              </a:fillRef>
+              <a:effectRef idx="0">
+                <a:schemeClr val="accent1"/>
+              </a:effectRef>
+              <a:fontRef idx="minor">
+                <a:schemeClr val="lt1"/>
+              </a:fontRef>
+            </p:style>
+            <p:txBody>
+              <a:bodyPr rtlCol="0" anchor="ctr"/>
+              <a:lstStyle/>
+              <a:p>
+                <a:pPr algn="ctr"/>
+                <a:endParaRPr lang="en-US"/>
+              </a:p>
+            </p:txBody>
+          </p:sp>
+          <p:sp>
+            <p:nvSpPr>
+              <p:cNvPr id="6" name="Can 5"/>
+              <p:cNvSpPr/>
+              <p:nvPr/>
+            </p:nvSpPr>
+            <p:spPr>
+              <a:xfrm>
+                <a:off x="6901961" y="1863976"/>
+                <a:ext cx="395653" cy="140677"/>
+              </a:xfrm>
+              <a:prstGeom prst="can">
+                <a:avLst/>
+              </a:prstGeom>
+            </p:spPr>
+            <p:style>
+              <a:lnRef idx="2">
+                <a:schemeClr val="accent1">
+                  <a:shade val="50000"/>
+                </a:schemeClr>
+              </a:lnRef>
+              <a:fillRef idx="1">
+                <a:schemeClr val="accent1"/>
+              </a:fillRef>
+              <a:effectRef idx="0">
+                <a:schemeClr val="accent1"/>
+              </a:effectRef>
+              <a:fontRef idx="minor">
+                <a:schemeClr val="lt1"/>
+              </a:fontRef>
+            </p:style>
+            <p:txBody>
+              <a:bodyPr rtlCol="0" anchor="ctr"/>
+              <a:lstStyle/>
+              <a:p>
+                <a:pPr algn="ctr"/>
+                <a:endParaRPr lang="en-US"/>
+              </a:p>
+            </p:txBody>
+          </p:sp>
+        </p:grpSp>
+        <p:sp>
+          <p:nvSpPr>
+            <p:cNvPr id="13" name="TextBox 12"/>
+            <p:cNvSpPr txBox="1"/>
+            <p:nvPr/>
+          </p:nvSpPr>
+          <p:spPr>
+            <a:xfrm>
+              <a:off x="9502583" y="6095910"/>
+              <a:ext cx="697627" cy="523220"/>
+            </a:xfrm>
+            <a:prstGeom prst="rect">
+              <a:avLst/>
+            </a:prstGeom>
+            <a:noFill/>
+          </p:spPr>
+          <p:txBody>
+            <a:bodyPr wrap="none" rtlCol="0">
+              <a:spAutoFit/>
+            </a:bodyPr>
+            <a:lstStyle/>
+            <a:p>
+              <a:pPr algn="ctr"/>
+              <a:r>
+                <a:rPr lang="en-US" sz="1400" dirty="0" smtClean="0">
+                  <a:solidFill>
+                    <a:schemeClr val="accent1">
+                      <a:lumMod val="75000"/>
+                    </a:schemeClr>
+                  </a:solidFill>
+                </a:rPr>
+                <a:t>Items</a:t>
+              </a:r>
+            </a:p>
+            <a:p>
+              <a:pPr algn="ctr"/>
+              <a:r>
+                <a:rPr lang="en-US" sz="1400" dirty="0" smtClean="0"/>
+                <a:t>MySQL</a:t>
+              </a:r>
+              <a:endParaRPr lang="en-US" sz="1400" dirty="0">
+                <a:solidFill>
+                  <a:schemeClr val="accent1">
+                    <a:lumMod val="75000"/>
+                  </a:schemeClr>
+                </a:solidFill>
+              </a:endParaRPr>
+            </a:p>
+          </p:txBody>
+        </p:sp>
+      </p:grpSp>
+      <p:grpSp>
+        <p:nvGrpSpPr>
+          <p:cNvPr id="72" name="Group 71"/>
+          <p:cNvGrpSpPr/>
+          <p:nvPr/>
+        </p:nvGrpSpPr>
+        <p:grpSpPr>
+          <a:xfrm>
+            <a:off x="10567461" y="5427701"/>
+            <a:ext cx="778290" cy="1191429"/>
+            <a:chOff x="10708974" y="5460359"/>
+            <a:chExt cx="778290" cy="1191429"/>
+          </a:xfrm>
+        </p:grpSpPr>
+        <p:grpSp>
+          <p:nvGrpSpPr>
+            <p:cNvPr id="8" name="Group 7"/>
+            <p:cNvGrpSpPr/>
+            <p:nvPr/>
+          </p:nvGrpSpPr>
+          <p:grpSpPr>
+            <a:xfrm>
+              <a:off x="10799182" y="5460359"/>
+              <a:ext cx="597877" cy="668209"/>
+              <a:chOff x="6901961" y="1863976"/>
+              <a:chExt cx="395654" cy="430820"/>
+            </a:xfrm>
+            <a:solidFill>
+              <a:srgbClr val="7030A0"/>
+            </a:solidFill>
+          </p:grpSpPr>
+          <p:sp>
+            <p:nvSpPr>
+              <p:cNvPr id="9" name="Can 8"/>
+              <p:cNvSpPr/>
+              <p:nvPr/>
+            </p:nvSpPr>
+            <p:spPr>
+              <a:xfrm>
+                <a:off x="6901961" y="2154119"/>
+                <a:ext cx="395653" cy="140677"/>
+              </a:xfrm>
+              <a:prstGeom prst="can">
+                <a:avLst/>
+              </a:prstGeom>
+              <a:grpFill/>
+              <a:ln>
+                <a:solidFill>
+                  <a:srgbClr val="D883FF"/>
+                </a:solidFill>
+              </a:ln>
+            </p:spPr>
+            <p:style>
+              <a:lnRef idx="2">
+                <a:schemeClr val="accent1">
+                  <a:shade val="50000"/>
+                </a:schemeClr>
+              </a:lnRef>
+              <a:fillRef idx="1">
+                <a:schemeClr val="accent1"/>
+              </a:fillRef>
+              <a:effectRef idx="0">
+                <a:schemeClr val="accent1"/>
+              </a:effectRef>
+              <a:fontRef idx="minor">
+                <a:schemeClr val="lt1"/>
+              </a:fontRef>
+            </p:style>
+            <p:txBody>
+              <a:bodyPr rtlCol="0" anchor="ctr"/>
+              <a:lstStyle/>
+              <a:p>
+                <a:pPr algn="ctr"/>
+                <a:endParaRPr lang="en-US">
+                  <a:solidFill>
+                    <a:schemeClr val="accent1">
+                      <a:lumMod val="50000"/>
+                    </a:schemeClr>
+                  </a:solidFill>
+                </a:endParaRPr>
+              </a:p>
+            </p:txBody>
+          </p:sp>
+          <p:sp>
+            <p:nvSpPr>
+              <p:cNvPr id="10" name="Can 9"/>
+              <p:cNvSpPr/>
+              <p:nvPr/>
+            </p:nvSpPr>
+            <p:spPr>
+              <a:xfrm>
+                <a:off x="6901962" y="2057402"/>
+                <a:ext cx="395653" cy="140677"/>
+              </a:xfrm>
+              <a:prstGeom prst="can">
+                <a:avLst/>
+              </a:prstGeom>
+              <a:grpFill/>
+              <a:ln>
+                <a:solidFill>
+                  <a:srgbClr val="D883FF"/>
+                </a:solidFill>
+              </a:ln>
+            </p:spPr>
+            <p:style>
+              <a:lnRef idx="2">
+                <a:schemeClr val="accent1">
+                  <a:shade val="50000"/>
+                </a:schemeClr>
+              </a:lnRef>
+              <a:fillRef idx="1">
+                <a:schemeClr val="accent1"/>
+              </a:fillRef>
+              <a:effectRef idx="0">
+                <a:schemeClr val="accent1"/>
+              </a:effectRef>
+              <a:fontRef idx="minor">
+                <a:schemeClr val="lt1"/>
+              </a:fontRef>
+            </p:style>
+            <p:txBody>
+              <a:bodyPr rtlCol="0" anchor="ctr"/>
+              <a:lstStyle/>
+              <a:p>
+                <a:pPr algn="ctr"/>
+                <a:endParaRPr lang="en-US">
+                  <a:solidFill>
+                    <a:schemeClr val="accent1">
+                      <a:lumMod val="50000"/>
+                    </a:schemeClr>
+                  </a:solidFill>
+                </a:endParaRPr>
+              </a:p>
+            </p:txBody>
+          </p:sp>
+          <p:sp>
+            <p:nvSpPr>
+              <p:cNvPr id="11" name="Can 10"/>
+              <p:cNvSpPr/>
+              <p:nvPr/>
+            </p:nvSpPr>
+            <p:spPr>
+              <a:xfrm>
+                <a:off x="6901962" y="1960685"/>
+                <a:ext cx="395653" cy="140677"/>
+              </a:xfrm>
+              <a:prstGeom prst="can">
+                <a:avLst/>
+              </a:prstGeom>
+              <a:grpFill/>
+              <a:ln>
+                <a:solidFill>
+                  <a:srgbClr val="D883FF"/>
+                </a:solidFill>
+              </a:ln>
+            </p:spPr>
+            <p:style>
+              <a:lnRef idx="2">
+                <a:schemeClr val="accent1">
+                  <a:shade val="50000"/>
+                </a:schemeClr>
+              </a:lnRef>
+              <a:fillRef idx="1">
+                <a:schemeClr val="accent1"/>
+              </a:fillRef>
+              <a:effectRef idx="0">
+                <a:schemeClr val="accent1"/>
+              </a:effectRef>
+              <a:fontRef idx="minor">
+                <a:schemeClr val="lt1"/>
+              </a:fontRef>
+            </p:style>
+            <p:txBody>
+              <a:bodyPr rtlCol="0" anchor="ctr"/>
+              <a:lstStyle/>
+              <a:p>
+                <a:pPr algn="ctr"/>
+                <a:endParaRPr lang="en-US">
+                  <a:solidFill>
+                    <a:schemeClr val="accent1">
+                      <a:lumMod val="50000"/>
+                    </a:schemeClr>
+                  </a:solidFill>
+                </a:endParaRPr>
+              </a:p>
+            </p:txBody>
+          </p:sp>
+          <p:sp>
+            <p:nvSpPr>
+              <p:cNvPr id="12" name="Can 11"/>
+              <p:cNvSpPr/>
+              <p:nvPr/>
+            </p:nvSpPr>
+            <p:spPr>
+              <a:xfrm>
+                <a:off x="6901961" y="1863976"/>
+                <a:ext cx="395653" cy="140677"/>
+              </a:xfrm>
+              <a:prstGeom prst="can">
+                <a:avLst/>
+              </a:prstGeom>
+              <a:grpFill/>
+              <a:ln>
+                <a:solidFill>
+                  <a:srgbClr val="D883FF"/>
+                </a:solidFill>
+              </a:ln>
+            </p:spPr>
+            <p:style>
+              <a:lnRef idx="2">
+                <a:schemeClr val="accent1">
+                  <a:shade val="50000"/>
+                </a:schemeClr>
+              </a:lnRef>
+              <a:fillRef idx="1">
+                <a:schemeClr val="accent1"/>
+              </a:fillRef>
+              <a:effectRef idx="0">
+                <a:schemeClr val="accent1"/>
+              </a:effectRef>
+              <a:fontRef idx="minor">
+                <a:schemeClr val="lt1"/>
+              </a:fontRef>
+            </p:style>
+            <p:txBody>
+              <a:bodyPr rtlCol="0" anchor="ctr"/>
+              <a:lstStyle/>
+              <a:p>
+                <a:pPr algn="ctr"/>
+                <a:endParaRPr lang="en-US">
+                  <a:solidFill>
+                    <a:schemeClr val="accent1">
+                      <a:lumMod val="50000"/>
+                    </a:schemeClr>
+                  </a:solidFill>
+                </a:endParaRPr>
+              </a:p>
+            </p:txBody>
+          </p:sp>
+        </p:grpSp>
+        <p:sp>
+          <p:nvSpPr>
+            <p:cNvPr id="14" name="TextBox 13"/>
+            <p:cNvSpPr txBox="1"/>
+            <p:nvPr/>
+          </p:nvSpPr>
+          <p:spPr>
+            <a:xfrm>
+              <a:off x="10708974" y="6128568"/>
+              <a:ext cx="778290" cy="523220"/>
+            </a:xfrm>
+            <a:prstGeom prst="rect">
+              <a:avLst/>
+            </a:prstGeom>
+            <a:noFill/>
+          </p:spPr>
+          <p:txBody>
+            <a:bodyPr wrap="none" rtlCol="0">
+              <a:spAutoFit/>
+            </a:bodyPr>
+            <a:lstStyle/>
+            <a:p>
+              <a:pPr algn="ctr"/>
+              <a:r>
+                <a:rPr lang="en-US" sz="1400" dirty="0" smtClean="0">
+                  <a:solidFill>
+                    <a:srgbClr val="7030A0"/>
+                  </a:solidFill>
+                </a:rPr>
+                <a:t>Reviews</a:t>
+              </a:r>
+            </a:p>
+            <a:p>
+              <a:pPr algn="ctr"/>
+              <a:r>
+                <a:rPr lang="en-US" sz="1400" dirty="0" smtClean="0"/>
+                <a:t>Mongo</a:t>
+              </a:r>
+            </a:p>
+          </p:txBody>
+        </p:sp>
+      </p:grpSp>
+      <p:grpSp>
+        <p:nvGrpSpPr>
+          <p:cNvPr id="77" name="Group 76"/>
+          <p:cNvGrpSpPr/>
+          <p:nvPr/>
+        </p:nvGrpSpPr>
+        <p:grpSpPr>
+          <a:xfrm>
+            <a:off x="7384172" y="165245"/>
+            <a:ext cx="4663279" cy="1487127"/>
+            <a:chOff x="7384172" y="165245"/>
+            <a:chExt cx="4663279" cy="1487127"/>
+          </a:xfrm>
+        </p:grpSpPr>
+        <p:sp>
+          <p:nvSpPr>
+            <p:cNvPr id="62" name="Rectangle 61"/>
+            <p:cNvSpPr/>
+            <p:nvPr/>
+          </p:nvSpPr>
+          <p:spPr>
+            <a:xfrm>
+              <a:off x="7384172" y="165245"/>
+              <a:ext cx="4663279" cy="1487127"/>
+            </a:xfrm>
+            <a:prstGeom prst="rect">
+              <a:avLst/>
+            </a:prstGeom>
+            <a:solidFill>
+              <a:schemeClr val="bg2"/>
+            </a:solidFill>
+            <a:ln>
+              <a:noFill/>
+            </a:ln>
+          </p:spPr>
+          <p:style>
+            <a:lnRef idx="2">
+              <a:schemeClr val="accent1">
+                <a:shade val="50000"/>
+              </a:schemeClr>
+            </a:lnRef>
+            <a:fillRef idx="1">
+              <a:schemeClr val="accent1"/>
+            </a:fillRef>
+            <a:effectRef idx="0">
+              <a:schemeClr val="accent1"/>
+            </a:effectRef>
+            <a:fontRef idx="minor">
+              <a:schemeClr val="lt1"/>
+            </a:fontRef>
+          </p:style>
+          <p:txBody>
+            <a:bodyPr vert="vert" rtlCol="0" anchor="t" anchorCtr="0"/>
+            <a:lstStyle/>
+            <a:p>
+              <a:pPr algn="ctr"/>
+              <a:r>
+                <a:rPr lang="en-US" sz="1400" dirty="0" smtClean="0">
+                  <a:solidFill>
+                    <a:schemeClr val="tx1">
+                      <a:lumMod val="50000"/>
+                      <a:lumOff val="50000"/>
+                    </a:schemeClr>
+                  </a:solidFill>
+                </a:rPr>
+                <a:t>External Services</a:t>
+              </a:r>
+              <a:endParaRPr lang="en-US" sz="1400" dirty="0">
+                <a:solidFill>
+                  <a:schemeClr val="tx1">
+                    <a:lumMod val="50000"/>
+                    <a:lumOff val="50000"/>
+                  </a:schemeClr>
+                </a:solidFill>
+              </a:endParaRPr>
+            </a:p>
+          </p:txBody>
+        </p:sp>
+        <p:grpSp>
+          <p:nvGrpSpPr>
+            <p:cNvPr id="73" name="Group 72"/>
+            <p:cNvGrpSpPr/>
+            <p:nvPr/>
+          </p:nvGrpSpPr>
+          <p:grpSpPr>
+            <a:xfrm>
+              <a:off x="7677319" y="259972"/>
+              <a:ext cx="1116909" cy="1191429"/>
+              <a:chOff x="7677319" y="581099"/>
+              <a:chExt cx="1116909" cy="1191429"/>
+            </a:xfrm>
+          </p:grpSpPr>
+          <p:sp>
+            <p:nvSpPr>
+              <p:cNvPr id="21" name="Predefined Process 20"/>
+              <p:cNvSpPr/>
+              <p:nvPr/>
+            </p:nvSpPr>
+            <p:spPr>
+              <a:xfrm>
+                <a:off x="7936837" y="1104319"/>
+                <a:ext cx="597875" cy="668209"/>
+              </a:xfrm>
+              <a:prstGeom prst="flowChartPredefinedProcess">
+                <a:avLst/>
+              </a:prstGeom>
+              <a:solidFill>
+                <a:schemeClr val="bg1">
+                  <a:lumMod val="50000"/>
+                </a:schemeClr>
+              </a:solidFill>
+              <a:ln>
+                <a:solidFill>
+                  <a:schemeClr val="bg1">
+                    <a:lumMod val="95000"/>
+                  </a:schemeClr>
+                </a:solidFill>
+              </a:ln>
+            </p:spPr>
+            <p:style>
+              <a:lnRef idx="2">
+                <a:schemeClr val="accent1">
+                  <a:shade val="50000"/>
+                </a:schemeClr>
+              </a:lnRef>
+              <a:fillRef idx="1">
+                <a:schemeClr val="accent1"/>
+              </a:fillRef>
+              <a:effectRef idx="0">
+                <a:schemeClr val="accent1"/>
+              </a:effectRef>
+              <a:fontRef idx="minor">
+                <a:schemeClr val="lt1"/>
+              </a:fontRef>
+            </p:style>
+            <p:txBody>
+              <a:bodyPr rtlCol="0" anchor="ctr"/>
+              <a:lstStyle/>
+              <a:p>
+                <a:pPr algn="ctr"/>
+                <a:endParaRPr lang="en-US">
+                  <a:solidFill>
+                    <a:schemeClr val="tx1"/>
+                  </a:solidFill>
+                </a:endParaRPr>
+              </a:p>
+            </p:txBody>
+          </p:sp>
+          <p:sp>
+            <p:nvSpPr>
+              <p:cNvPr id="22" name="TextBox 21"/>
+              <p:cNvSpPr txBox="1"/>
+              <p:nvPr/>
+            </p:nvSpPr>
+            <p:spPr>
+              <a:xfrm>
+                <a:off x="7677319" y="581099"/>
+                <a:ext cx="1116909" cy="523220"/>
+              </a:xfrm>
+              <a:prstGeom prst="rect">
+                <a:avLst/>
+              </a:prstGeom>
+              <a:noFill/>
+              <a:ln>
+                <a:noFill/>
+              </a:ln>
+            </p:spPr>
+            <p:txBody>
+              <a:bodyPr wrap="none" rtlCol="0">
+                <a:spAutoFit/>
+              </a:bodyPr>
+              <a:lstStyle/>
+              <a:p>
+                <a:pPr algn="ctr"/>
+                <a:r>
+                  <a:rPr lang="en-US" sz="1400" dirty="0" smtClean="0"/>
+                  <a:t>REST</a:t>
+                </a:r>
+              </a:p>
+              <a:p>
+                <a:pPr algn="ctr"/>
+                <a:r>
+                  <a:rPr lang="en-US" sz="1400" dirty="0" smtClean="0">
+                    <a:solidFill>
+                      <a:schemeClr val="bg1">
+                        <a:lumMod val="50000"/>
+                      </a:schemeClr>
+                    </a:solidFill>
+                  </a:rPr>
+                  <a:t>XYZ Shipping</a:t>
+                </a:r>
+                <a:endParaRPr lang="en-US" sz="1400" dirty="0">
+                  <a:solidFill>
+                    <a:schemeClr val="bg1">
+                      <a:lumMod val="50000"/>
+                    </a:schemeClr>
+                  </a:solidFill>
+                </a:endParaRPr>
+              </a:p>
+            </p:txBody>
+          </p:sp>
+        </p:grpSp>
+        <p:grpSp>
+          <p:nvGrpSpPr>
+            <p:cNvPr id="74" name="Group 73"/>
+            <p:cNvGrpSpPr/>
+            <p:nvPr/>
+          </p:nvGrpSpPr>
+          <p:grpSpPr>
+            <a:xfrm>
+              <a:off x="8916884" y="259972"/>
+              <a:ext cx="1130438" cy="1191430"/>
+              <a:chOff x="9150595" y="581099"/>
+              <a:chExt cx="1130438" cy="1191430"/>
+            </a:xfrm>
+          </p:grpSpPr>
+          <p:sp>
+            <p:nvSpPr>
+              <p:cNvPr id="19" name="Predefined Process 18"/>
+              <p:cNvSpPr/>
+              <p:nvPr/>
+            </p:nvSpPr>
+            <p:spPr>
+              <a:xfrm>
+                <a:off x="9416876" y="1104320"/>
+                <a:ext cx="597875" cy="668209"/>
+              </a:xfrm>
+              <a:prstGeom prst="flowChartPredefinedProcess">
+                <a:avLst/>
+              </a:prstGeom>
+              <a:solidFill>
+                <a:schemeClr val="accent4">
+                  <a:lumMod val="75000"/>
+                </a:schemeClr>
+              </a:solidFill>
+              <a:ln>
+                <a:solidFill>
+                  <a:schemeClr val="bg1">
+                    <a:lumMod val="95000"/>
+                  </a:schemeClr>
+                </a:solidFill>
+              </a:ln>
+            </p:spPr>
+            <p:style>
+              <a:lnRef idx="2">
+                <a:schemeClr val="accent1">
+                  <a:shade val="50000"/>
+                </a:schemeClr>
+              </a:lnRef>
+              <a:fillRef idx="1">
+                <a:schemeClr val="accent1"/>
+              </a:fillRef>
+              <a:effectRef idx="0">
+                <a:schemeClr val="accent1"/>
+              </a:effectRef>
+              <a:fontRef idx="minor">
+                <a:schemeClr val="lt1"/>
+              </a:fontRef>
+            </p:style>
+            <p:txBody>
+              <a:bodyPr rtlCol="0" anchor="ctr"/>
+              <a:lstStyle/>
+              <a:p>
+                <a:pPr algn="ctr"/>
+                <a:endParaRPr lang="en-US">
+                  <a:solidFill>
+                    <a:schemeClr val="tx1"/>
+                  </a:solidFill>
+                </a:endParaRPr>
+              </a:p>
+            </p:txBody>
+          </p:sp>
+          <p:sp>
+            <p:nvSpPr>
+              <p:cNvPr id="23" name="TextBox 22"/>
+              <p:cNvSpPr txBox="1"/>
+              <p:nvPr/>
+            </p:nvSpPr>
+            <p:spPr>
+              <a:xfrm>
+                <a:off x="9150595" y="581099"/>
+                <a:ext cx="1130438" cy="523220"/>
+              </a:xfrm>
+              <a:prstGeom prst="rect">
+                <a:avLst/>
+              </a:prstGeom>
+              <a:noFill/>
+              <a:ln>
+                <a:noFill/>
+              </a:ln>
+            </p:spPr>
+            <p:txBody>
+              <a:bodyPr wrap="none" rtlCol="0">
+                <a:spAutoFit/>
+              </a:bodyPr>
+              <a:lstStyle/>
+              <a:p>
+                <a:pPr algn="ctr"/>
+                <a:r>
+                  <a:rPr lang="en-US" sz="1400" dirty="0" smtClean="0"/>
+                  <a:t>REST</a:t>
+                </a:r>
+              </a:p>
+              <a:p>
+                <a:pPr algn="ctr"/>
+                <a:r>
+                  <a:rPr lang="en-US" sz="1400" dirty="0" smtClean="0">
+                    <a:solidFill>
+                      <a:schemeClr val="accent4">
+                        <a:lumMod val="75000"/>
+                      </a:schemeClr>
+                    </a:solidFill>
+                  </a:rPr>
+                  <a:t>CEK Shipping</a:t>
+                </a:r>
+                <a:endParaRPr lang="en-US" sz="1400" dirty="0">
+                  <a:solidFill>
+                    <a:schemeClr val="accent4">
+                      <a:lumMod val="75000"/>
+                    </a:schemeClr>
+                  </a:solidFill>
+                </a:endParaRPr>
+              </a:p>
+            </p:txBody>
+          </p:sp>
+        </p:grpSp>
+        <p:grpSp>
+          <p:nvGrpSpPr>
+            <p:cNvPr id="75" name="Group 74"/>
+            <p:cNvGrpSpPr/>
+            <p:nvPr/>
+          </p:nvGrpSpPr>
+          <p:grpSpPr>
+            <a:xfrm>
+              <a:off x="10195133" y="259972"/>
+              <a:ext cx="1148969" cy="1191430"/>
+              <a:chOff x="10621366" y="581099"/>
+              <a:chExt cx="1148969" cy="1191430"/>
+            </a:xfrm>
+          </p:grpSpPr>
+          <p:sp>
+            <p:nvSpPr>
+              <p:cNvPr id="20" name="Predefined Process 19"/>
+              <p:cNvSpPr/>
+              <p:nvPr/>
+            </p:nvSpPr>
+            <p:spPr>
+              <a:xfrm>
+                <a:off x="10896915" y="1104320"/>
+                <a:ext cx="597875" cy="668209"/>
+              </a:xfrm>
+              <a:prstGeom prst="flowChartPredefinedProcess">
+                <a:avLst/>
+              </a:prstGeom>
+              <a:solidFill>
+                <a:schemeClr val="accent1"/>
+              </a:solidFill>
+              <a:ln>
+                <a:solidFill>
+                  <a:schemeClr val="bg1">
+                    <a:lumMod val="95000"/>
+                  </a:schemeClr>
+                </a:solidFill>
+              </a:ln>
+            </p:spPr>
+            <p:style>
+              <a:lnRef idx="2">
+                <a:schemeClr val="accent1">
+                  <a:shade val="50000"/>
+                </a:schemeClr>
+              </a:lnRef>
+              <a:fillRef idx="1">
+                <a:schemeClr val="accent1"/>
+              </a:fillRef>
+              <a:effectRef idx="0">
+                <a:schemeClr val="accent1"/>
+              </a:effectRef>
+              <a:fontRef idx="minor">
+                <a:schemeClr val="lt1"/>
+              </a:fontRef>
+            </p:style>
+            <p:txBody>
+              <a:bodyPr rtlCol="0" anchor="ctr"/>
+              <a:lstStyle/>
+              <a:p>
+                <a:pPr algn="ctr"/>
+                <a:endParaRPr lang="en-US">
+                  <a:solidFill>
+                    <a:schemeClr val="tx1"/>
+                  </a:solidFill>
+                </a:endParaRPr>
+              </a:p>
+            </p:txBody>
+          </p:sp>
+          <p:sp>
+            <p:nvSpPr>
+              <p:cNvPr id="24" name="TextBox 23"/>
+              <p:cNvSpPr txBox="1"/>
+              <p:nvPr/>
+            </p:nvSpPr>
+            <p:spPr>
+              <a:xfrm>
+                <a:off x="10621366" y="581099"/>
+                <a:ext cx="1148969" cy="523220"/>
+              </a:xfrm>
+              <a:prstGeom prst="rect">
+                <a:avLst/>
+              </a:prstGeom>
+              <a:noFill/>
+              <a:ln>
+                <a:noFill/>
+              </a:ln>
+            </p:spPr>
+            <p:txBody>
+              <a:bodyPr wrap="none" rtlCol="0">
+                <a:spAutoFit/>
+              </a:bodyPr>
+              <a:lstStyle/>
+              <a:p>
+                <a:pPr algn="ctr"/>
+                <a:r>
+                  <a:rPr lang="en-US" sz="1400" dirty="0" smtClean="0"/>
+                  <a:t>REST</a:t>
+                </a:r>
+              </a:p>
+              <a:p>
+                <a:pPr algn="ctr"/>
+                <a:r>
+                  <a:rPr lang="en-US" sz="1400" dirty="0" smtClean="0">
+                    <a:solidFill>
+                      <a:schemeClr val="accent1">
+                        <a:lumMod val="75000"/>
+                      </a:schemeClr>
+                    </a:solidFill>
+                  </a:rPr>
+                  <a:t>G</a:t>
+                </a:r>
+                <a:r>
+                  <a:rPr lang="en-US" sz="1400" dirty="0" smtClean="0">
+                    <a:solidFill>
+                      <a:srgbClr val="FF0000"/>
+                    </a:solidFill>
+                  </a:rPr>
+                  <a:t>o</a:t>
+                </a:r>
+                <a:r>
+                  <a:rPr lang="en-US" sz="1400" dirty="0" smtClean="0">
+                    <a:solidFill>
+                      <a:schemeClr val="accent2"/>
+                    </a:solidFill>
+                  </a:rPr>
+                  <a:t>o</a:t>
+                </a:r>
+                <a:r>
+                  <a:rPr lang="en-US" sz="1400" dirty="0" smtClean="0">
+                    <a:solidFill>
+                      <a:schemeClr val="accent1">
+                        <a:lumMod val="75000"/>
+                      </a:schemeClr>
+                    </a:solidFill>
+                  </a:rPr>
+                  <a:t>g</a:t>
+                </a:r>
+                <a:r>
+                  <a:rPr lang="en-US" sz="1400" dirty="0" smtClean="0">
+                    <a:solidFill>
+                      <a:srgbClr val="00B050"/>
+                    </a:solidFill>
+                  </a:rPr>
+                  <a:t>l</a:t>
+                </a:r>
+                <a:r>
+                  <a:rPr lang="en-US" sz="1400" dirty="0" smtClean="0">
+                    <a:solidFill>
+                      <a:srgbClr val="FF0000"/>
+                    </a:solidFill>
+                  </a:rPr>
+                  <a:t>e</a:t>
+                </a:r>
+                <a:r>
+                  <a:rPr lang="en-US" sz="1400" dirty="0" smtClean="0">
+                    <a:solidFill>
+                      <a:schemeClr val="accent1">
+                        <a:lumMod val="75000"/>
+                      </a:schemeClr>
+                    </a:solidFill>
+                  </a:rPr>
+                  <a:t> Maps</a:t>
+                </a:r>
+                <a:endParaRPr lang="en-US" sz="1400" dirty="0">
+                  <a:solidFill>
+                    <a:schemeClr val="accent1">
+                      <a:lumMod val="75000"/>
+                    </a:schemeClr>
+                  </a:solidFill>
+                </a:endParaRPr>
+              </a:p>
+            </p:txBody>
+          </p:sp>
+        </p:grpSp>
+      </p:grpSp>
+      <p:grpSp>
+        <p:nvGrpSpPr>
+          <p:cNvPr id="69" name="Group 68"/>
+          <p:cNvGrpSpPr/>
+          <p:nvPr/>
+        </p:nvGrpSpPr>
+        <p:grpSpPr>
+          <a:xfrm>
+            <a:off x="8232602" y="2901760"/>
+            <a:ext cx="3117043" cy="1782007"/>
+            <a:chOff x="8232602" y="2988848"/>
+            <a:chExt cx="3117043" cy="1782007"/>
+          </a:xfrm>
+        </p:grpSpPr>
+        <p:grpSp>
+          <p:nvGrpSpPr>
+            <p:cNvPr id="57" name="Group 56"/>
+            <p:cNvGrpSpPr/>
+            <p:nvPr/>
+          </p:nvGrpSpPr>
+          <p:grpSpPr>
+            <a:xfrm>
+              <a:off x="8232602" y="2988848"/>
+              <a:ext cx="3117043" cy="1782007"/>
+              <a:chOff x="8926701" y="3175933"/>
+              <a:chExt cx="3117043" cy="1782007"/>
+            </a:xfrm>
+          </p:grpSpPr>
+          <p:grpSp>
+            <p:nvGrpSpPr>
+              <p:cNvPr id="33" name="Group 32"/>
+              <p:cNvGrpSpPr/>
+              <p:nvPr/>
+            </p:nvGrpSpPr>
+            <p:grpSpPr>
+              <a:xfrm>
+                <a:off x="9432450" y="3178765"/>
+                <a:ext cx="1872761" cy="1779174"/>
+                <a:chOff x="4791808" y="3082972"/>
+                <a:chExt cx="1482975" cy="1535833"/>
+              </a:xfrm>
+            </p:grpSpPr>
+            <p:sp>
+              <p:nvSpPr>
+                <p:cNvPr id="32" name="Rounded Rectangle 31"/>
+                <p:cNvSpPr/>
+                <p:nvPr/>
+              </p:nvSpPr>
+              <p:spPr>
+                <a:xfrm>
+                  <a:off x="4911976" y="3211932"/>
+                  <a:ext cx="1362807" cy="1406873"/>
+                </a:xfrm>
+                <a:prstGeom prst="roundRect">
+                  <a:avLst/>
+                </a:prstGeom>
+                <a:solidFill>
+                  <a:schemeClr val="bg1"/>
+                </a:solidFill>
+              </p:spPr>
+              <p:style>
+                <a:lnRef idx="2">
+                  <a:schemeClr val="accent1">
+                    <a:shade val="50000"/>
+                  </a:schemeClr>
+                </a:lnRef>
+                <a:fillRef idx="1">
+                  <a:schemeClr val="accent1"/>
+                </a:fillRef>
+                <a:effectRef idx="0">
+                  <a:schemeClr val="accent1"/>
+                </a:effectRef>
+                <a:fontRef idx="minor">
+                  <a:schemeClr val="lt1"/>
+                </a:fontRef>
+              </p:style>
+              <p:txBody>
+                <a:bodyPr rtlCol="0" anchor="ctr"/>
+                <a:lstStyle/>
+                <a:p>
+                  <a:pPr algn="ctr"/>
+                  <a:endParaRPr lang="en-US"/>
+                </a:p>
+              </p:txBody>
+            </p:sp>
+            <p:sp>
+              <p:nvSpPr>
+                <p:cNvPr id="31" name="Rounded Rectangle 30"/>
+                <p:cNvSpPr/>
+                <p:nvPr/>
+              </p:nvSpPr>
+              <p:spPr>
+                <a:xfrm>
+                  <a:off x="4856288" y="3147452"/>
+                  <a:ext cx="1362807" cy="1406873"/>
+                </a:xfrm>
+                <a:prstGeom prst="roundRect">
+                  <a:avLst/>
+                </a:prstGeom>
+                <a:solidFill>
+                  <a:schemeClr val="bg1"/>
+                </a:solidFill>
+              </p:spPr>
+              <p:style>
+                <a:lnRef idx="2">
+                  <a:schemeClr val="accent1">
+                    <a:shade val="50000"/>
+                  </a:schemeClr>
+                </a:lnRef>
+                <a:fillRef idx="1">
+                  <a:schemeClr val="accent1"/>
+                </a:fillRef>
+                <a:effectRef idx="0">
+                  <a:schemeClr val="accent1"/>
+                </a:effectRef>
+                <a:fontRef idx="minor">
+                  <a:schemeClr val="lt1"/>
+                </a:fontRef>
+              </p:style>
+              <p:txBody>
+                <a:bodyPr rtlCol="0" anchor="ctr"/>
+                <a:lstStyle/>
+                <a:p>
+                  <a:pPr algn="ctr"/>
+                  <a:endParaRPr lang="en-US"/>
+                </a:p>
+              </p:txBody>
+            </p:sp>
+            <p:sp>
+              <p:nvSpPr>
+                <p:cNvPr id="27" name="Rounded Rectangle 26"/>
+                <p:cNvSpPr/>
+                <p:nvPr/>
+              </p:nvSpPr>
+              <p:spPr>
+                <a:xfrm>
+                  <a:off x="4791808" y="3082972"/>
+                  <a:ext cx="1362807" cy="1406873"/>
+                </a:xfrm>
+                <a:prstGeom prst="roundRect">
+                  <a:avLst/>
+                </a:prstGeom>
+                <a:solidFill>
+                  <a:schemeClr val="bg1"/>
+                </a:solidFill>
+              </p:spPr>
+              <p:style>
+                <a:lnRef idx="2">
+                  <a:schemeClr val="accent1">
+                    <a:shade val="50000"/>
+                  </a:schemeClr>
+                </a:lnRef>
+                <a:fillRef idx="1">
+                  <a:schemeClr val="accent1"/>
+                </a:fillRef>
+                <a:effectRef idx="0">
+                  <a:schemeClr val="accent1"/>
+                </a:effectRef>
+                <a:fontRef idx="minor">
+                  <a:schemeClr val="lt1"/>
+                </a:fontRef>
+              </p:style>
+              <p:txBody>
+                <a:bodyPr rtlCol="0" anchor="ctr"/>
+                <a:lstStyle/>
+                <a:p>
+                  <a:pPr algn="ctr"/>
+                  <a:endParaRPr lang="en-US"/>
+                </a:p>
+              </p:txBody>
+            </p:sp>
+          </p:grpSp>
+          <p:grpSp>
+            <p:nvGrpSpPr>
+              <p:cNvPr id="37" name="Group 36"/>
+              <p:cNvGrpSpPr/>
+              <p:nvPr/>
+            </p:nvGrpSpPr>
+            <p:grpSpPr>
+              <a:xfrm rot="16200000">
+                <a:off x="10818637" y="3732832"/>
+                <a:ext cx="1782006" cy="668209"/>
+                <a:chOff x="3620910" y="4840183"/>
+                <a:chExt cx="1872761" cy="668209"/>
+              </a:xfrm>
+            </p:grpSpPr>
+            <p:sp>
+              <p:nvSpPr>
+                <p:cNvPr id="34" name="Alternate Process 33"/>
+                <p:cNvSpPr/>
+                <p:nvPr/>
+              </p:nvSpPr>
+              <p:spPr>
+                <a:xfrm>
+                  <a:off x="3620910" y="4840183"/>
+                  <a:ext cx="1872761" cy="668209"/>
+                </a:xfrm>
+                <a:prstGeom prst="flowChartAlternateProcess">
+                  <a:avLst/>
+                </a:prstGeom>
+                <a:solidFill>
+                  <a:schemeClr val="bg1"/>
+                </a:solidFill>
+              </p:spPr>
+              <p:style>
+                <a:lnRef idx="2">
+                  <a:schemeClr val="accent1">
+                    <a:shade val="50000"/>
+                  </a:schemeClr>
+                </a:lnRef>
+                <a:fillRef idx="1">
+                  <a:schemeClr val="accent1"/>
+                </a:fillRef>
+                <a:effectRef idx="0">
+                  <a:schemeClr val="accent1"/>
+                </a:effectRef>
+                <a:fontRef idx="minor">
+                  <a:schemeClr val="lt1"/>
+                </a:fontRef>
+              </p:style>
+              <p:txBody>
+                <a:bodyPr rtlCol="0" anchor="ctr"/>
+                <a:lstStyle/>
+                <a:p>
+                  <a:pPr algn="ctr"/>
+                  <a:endParaRPr lang="en-US"/>
+                </a:p>
+              </p:txBody>
+            </p:sp>
+            <p:sp>
+              <p:nvSpPr>
+                <p:cNvPr id="35" name="TextBox 34"/>
+                <p:cNvSpPr txBox="1"/>
+                <p:nvPr/>
+              </p:nvSpPr>
+              <p:spPr>
+                <a:xfrm>
+                  <a:off x="3620910" y="4912677"/>
+                  <a:ext cx="1872761" cy="523220"/>
+                </a:xfrm>
+                <a:prstGeom prst="rect">
+                  <a:avLst/>
+                </a:prstGeom>
+                <a:noFill/>
+              </p:spPr>
+              <p:txBody>
+                <a:bodyPr wrap="square" rtlCol="0">
+                  <a:spAutoFit/>
+                </a:bodyPr>
+                <a:lstStyle/>
+                <a:p>
+                  <a:pPr algn="ctr"/>
+                  <a:r>
+                    <a:rPr lang="en-US" sz="1400" dirty="0" smtClean="0"/>
+                    <a:t>WAS Liberty</a:t>
+                  </a:r>
+                </a:p>
+                <a:p>
+                  <a:pPr algn="ctr"/>
+                  <a:r>
+                    <a:rPr lang="en-US" sz="1400" dirty="0" smtClean="0">
+                      <a:solidFill>
+                        <a:srgbClr val="C00000"/>
+                      </a:solidFill>
+                    </a:rPr>
+                    <a:t>Collective Controller</a:t>
+                  </a:r>
+                  <a:endParaRPr lang="en-US" sz="1400" dirty="0">
+                    <a:solidFill>
+                      <a:srgbClr val="C00000"/>
+                    </a:solidFill>
+                  </a:endParaRPr>
+                </a:p>
+              </p:txBody>
+            </p:sp>
+          </p:grpSp>
+          <p:sp>
+            <p:nvSpPr>
+              <p:cNvPr id="46" name="Alternate Process 45"/>
+              <p:cNvSpPr/>
+              <p:nvPr/>
+            </p:nvSpPr>
+            <p:spPr>
+              <a:xfrm rot="16200000">
+                <a:off x="8259117" y="3843517"/>
+                <a:ext cx="1782006" cy="446838"/>
+              </a:xfrm>
+              <a:prstGeom prst="flowChartAlternateProcess">
+                <a:avLst/>
+              </a:prstGeom>
+              <a:solidFill>
+                <a:schemeClr val="bg1"/>
+              </a:solidFill>
+              <a:ln>
+                <a:solidFill>
+                  <a:schemeClr val="bg1">
+                    <a:lumMod val="75000"/>
+                  </a:schemeClr>
+                </a:solidFill>
+              </a:ln>
+            </p:spPr>
+            <p:style>
+              <a:lnRef idx="2">
+                <a:schemeClr val="accent1">
+                  <a:shade val="50000"/>
+                </a:schemeClr>
+              </a:lnRef>
+              <a:fillRef idx="1">
+                <a:schemeClr val="accent1"/>
+              </a:fillRef>
+              <a:effectRef idx="0">
+                <a:schemeClr val="accent1"/>
+              </a:effectRef>
+              <a:fontRef idx="minor">
+                <a:schemeClr val="lt1"/>
+              </a:fontRef>
+            </p:style>
+            <p:txBody>
+              <a:bodyPr rtlCol="0" anchor="ctr"/>
+              <a:lstStyle/>
+              <a:p>
+                <a:pPr algn="ctr"/>
+                <a:r>
+                  <a:rPr lang="en-US" sz="1400" dirty="0" smtClean="0">
+                    <a:solidFill>
+                      <a:schemeClr val="bg1">
+                        <a:lumMod val="75000"/>
+                      </a:schemeClr>
+                    </a:solidFill>
+                  </a:rPr>
+                  <a:t>IBM HTTP Server</a:t>
+                </a:r>
+                <a:endParaRPr lang="en-US" sz="1400" dirty="0">
+                  <a:solidFill>
+                    <a:schemeClr val="bg1">
+                      <a:lumMod val="75000"/>
+                    </a:schemeClr>
+                  </a:solidFill>
+                </a:endParaRPr>
+              </a:p>
+            </p:txBody>
+          </p:sp>
+        </p:grpSp>
+        <p:sp>
+          <p:nvSpPr>
+            <p:cNvPr id="28" name="TextBox 27"/>
+            <p:cNvSpPr txBox="1"/>
+            <p:nvPr/>
+          </p:nvSpPr>
+          <p:spPr>
+            <a:xfrm>
+              <a:off x="8822244" y="3065935"/>
+              <a:ext cx="1637115" cy="523220"/>
+            </a:xfrm>
+            <a:prstGeom prst="rect">
+              <a:avLst/>
+            </a:prstGeom>
+            <a:noFill/>
+          </p:spPr>
+          <p:txBody>
+            <a:bodyPr wrap="none" rtlCol="0">
+              <a:spAutoFit/>
+            </a:bodyPr>
+            <a:lstStyle/>
+            <a:p>
+              <a:pPr algn="ctr"/>
+              <a:r>
+                <a:rPr lang="en-US" sz="1400" dirty="0" smtClean="0"/>
+                <a:t>WAS Liberty</a:t>
+              </a:r>
+            </a:p>
+            <a:p>
+              <a:pPr algn="ctr"/>
+              <a:r>
+                <a:rPr lang="en-US" sz="1400" dirty="0" smtClean="0">
+                  <a:solidFill>
+                    <a:srgbClr val="C00000"/>
+                  </a:solidFill>
+                </a:rPr>
+                <a:t>Collective Members</a:t>
+              </a:r>
+              <a:endParaRPr lang="en-US" sz="1400" dirty="0">
+                <a:solidFill>
+                  <a:srgbClr val="C00000"/>
+                </a:solidFill>
+              </a:endParaRPr>
+            </a:p>
+          </p:txBody>
+        </p:sp>
+      </p:grpSp>
+      <p:grpSp>
+        <p:nvGrpSpPr>
+          <p:cNvPr id="49" name="Group 48"/>
+          <p:cNvGrpSpPr/>
+          <p:nvPr/>
+        </p:nvGrpSpPr>
+        <p:grpSpPr>
+          <a:xfrm>
+            <a:off x="9192752" y="3474521"/>
+            <a:ext cx="882998" cy="975986"/>
+            <a:chOff x="1092757" y="2034374"/>
+            <a:chExt cx="882998" cy="975986"/>
+          </a:xfrm>
+        </p:grpSpPr>
+        <p:sp>
+          <p:nvSpPr>
+            <p:cNvPr id="25" name="Predefined Process 24"/>
+            <p:cNvSpPr/>
+            <p:nvPr/>
+          </p:nvSpPr>
+          <p:spPr>
+            <a:xfrm>
+              <a:off x="1235319" y="2342151"/>
+              <a:ext cx="597875" cy="668209"/>
+            </a:xfrm>
+            <a:prstGeom prst="flowChartPredefinedProcess">
+              <a:avLst/>
+            </a:prstGeom>
+            <a:solidFill>
+              <a:schemeClr val="accent6">
+                <a:lumMod val="60000"/>
+                <a:lumOff val="40000"/>
+              </a:schemeClr>
+            </a:solidFill>
+            <a:ln>
+              <a:solidFill>
+                <a:schemeClr val="tx1"/>
+              </a:solidFill>
+            </a:ln>
+          </p:spPr>
+          <p:style>
+            <a:lnRef idx="2">
+              <a:schemeClr val="accent1">
+                <a:shade val="50000"/>
+              </a:schemeClr>
+            </a:lnRef>
+            <a:fillRef idx="1">
+              <a:schemeClr val="accent1"/>
+            </a:fillRef>
+            <a:effectRef idx="0">
+              <a:schemeClr val="accent1"/>
+            </a:effectRef>
+            <a:fontRef idx="minor">
+              <a:schemeClr val="lt1"/>
+            </a:fontRef>
+          </p:style>
+          <p:txBody>
+            <a:bodyPr rtlCol="0" anchor="ctr"/>
+            <a:lstStyle/>
+            <a:p>
+              <a:pPr algn="ctr"/>
+              <a:endParaRPr lang="en-US">
+                <a:solidFill>
+                  <a:schemeClr val="tx1"/>
+                </a:solidFill>
+              </a:endParaRPr>
+            </a:p>
+          </p:txBody>
+        </p:sp>
+        <p:sp>
+          <p:nvSpPr>
+            <p:cNvPr id="26" name="TextBox 25"/>
+            <p:cNvSpPr txBox="1"/>
+            <p:nvPr/>
+          </p:nvSpPr>
+          <p:spPr>
+            <a:xfrm>
+              <a:off x="1092757" y="2034374"/>
+              <a:ext cx="882998" cy="307777"/>
+            </a:xfrm>
+            <a:prstGeom prst="rect">
+              <a:avLst/>
+            </a:prstGeom>
+            <a:noFill/>
+          </p:spPr>
+          <p:txBody>
+            <a:bodyPr wrap="none" rtlCol="0">
+              <a:spAutoFit/>
+            </a:bodyPr>
+            <a:lstStyle/>
+            <a:p>
+              <a:pPr algn="ctr"/>
+              <a:r>
+                <a:rPr lang="en-US" sz="1400" dirty="0" smtClean="0">
+                  <a:solidFill>
+                    <a:schemeClr val="accent6"/>
+                  </a:solidFill>
+                </a:rPr>
+                <a:t>Inventory</a:t>
+              </a:r>
+              <a:endParaRPr lang="en-US" sz="1400" dirty="0">
+                <a:solidFill>
+                  <a:schemeClr val="accent6"/>
+                </a:solidFill>
+              </a:endParaRPr>
+            </a:p>
+          </p:txBody>
+        </p:sp>
+      </p:grpSp>
+      <p:sp>
+        <p:nvSpPr>
+          <p:cNvPr id="54" name="Octagon 53"/>
+          <p:cNvSpPr/>
+          <p:nvPr/>
+        </p:nvSpPr>
+        <p:spPr>
+          <a:xfrm rot="16200000">
+            <a:off x="931553" y="4313581"/>
+            <a:ext cx="4325589" cy="475817"/>
+          </a:xfrm>
+          <a:prstGeom prst="octagon">
+            <a:avLst/>
+          </a:prstGeom>
+          <a:solidFill>
+            <a:schemeClr val="bg1"/>
+          </a:solidFill>
+          <a:ln>
+            <a:solidFill>
+              <a:srgbClr val="FF0000"/>
+            </a:solidFill>
+          </a:ln>
+        </p:spPr>
+        <p:style>
+          <a:lnRef idx="2">
+            <a:schemeClr val="accent1">
+              <a:shade val="50000"/>
+            </a:schemeClr>
+          </a:lnRef>
+          <a:fillRef idx="1">
+            <a:schemeClr val="accent1"/>
+          </a:fillRef>
+          <a:effectRef idx="0">
+            <a:schemeClr val="accent1"/>
+          </a:effectRef>
+          <a:fontRef idx="minor">
+            <a:schemeClr val="lt1"/>
+          </a:fontRef>
+        </p:style>
+        <p:txBody>
+          <a:bodyPr rtlCol="0" anchor="ctr"/>
+          <a:lstStyle/>
+          <a:p>
+            <a:pPr algn="ctr"/>
+            <a:r>
+              <a:rPr lang="en-US" sz="1400" b="1" dirty="0" smtClean="0">
+                <a:solidFill>
+                  <a:srgbClr val="FF0000"/>
+                </a:solidFill>
+              </a:rPr>
+              <a:t>API Gateway</a:t>
+            </a:r>
+            <a:endParaRPr lang="en-US" sz="1400" b="1" dirty="0">
+              <a:solidFill>
+                <a:srgbClr val="FF0000"/>
+              </a:solidFill>
+            </a:endParaRPr>
+          </a:p>
+        </p:txBody>
+      </p:sp>
+      <p:grpSp>
+        <p:nvGrpSpPr>
+          <p:cNvPr id="67" name="Group 66"/>
+          <p:cNvGrpSpPr/>
+          <p:nvPr/>
+        </p:nvGrpSpPr>
+        <p:grpSpPr>
+          <a:xfrm>
+            <a:off x="7792418" y="5427701"/>
+            <a:ext cx="880369" cy="1195412"/>
+            <a:chOff x="7043008" y="4744540"/>
+            <a:chExt cx="880369" cy="1195412"/>
+          </a:xfrm>
+        </p:grpSpPr>
+        <p:sp>
+          <p:nvSpPr>
+            <p:cNvPr id="64" name="Predefined Process 63"/>
+            <p:cNvSpPr/>
+            <p:nvPr/>
+          </p:nvSpPr>
+          <p:spPr>
+            <a:xfrm>
+              <a:off x="7184256" y="4744540"/>
+              <a:ext cx="597875" cy="668209"/>
+            </a:xfrm>
+            <a:prstGeom prst="flowChartPredefinedProcess">
+              <a:avLst/>
+            </a:prstGeom>
+            <a:solidFill>
+              <a:schemeClr val="accent2"/>
+            </a:solidFill>
+            <a:ln>
+              <a:solidFill>
+                <a:schemeClr val="bg1">
+                  <a:lumMod val="95000"/>
+                </a:schemeClr>
+              </a:solidFill>
+            </a:ln>
+          </p:spPr>
+          <p:style>
+            <a:lnRef idx="2">
+              <a:schemeClr val="accent1">
+                <a:shade val="50000"/>
+              </a:schemeClr>
+            </a:lnRef>
+            <a:fillRef idx="1">
+              <a:schemeClr val="accent1"/>
+            </a:fillRef>
+            <a:effectRef idx="0">
+              <a:schemeClr val="accent1"/>
+            </a:effectRef>
+            <a:fontRef idx="minor">
+              <a:schemeClr val="lt1"/>
+            </a:fontRef>
+          </p:style>
+          <p:txBody>
+            <a:bodyPr rtlCol="0" anchor="ctr"/>
+            <a:lstStyle/>
+            <a:p>
+              <a:pPr algn="ctr"/>
+              <a:endParaRPr lang="en-US">
+                <a:solidFill>
+                  <a:schemeClr val="tx1"/>
+                </a:solidFill>
+              </a:endParaRPr>
+            </a:p>
+          </p:txBody>
+        </p:sp>
+        <p:sp>
+          <p:nvSpPr>
+            <p:cNvPr id="65" name="TextBox 64"/>
+            <p:cNvSpPr txBox="1"/>
+            <p:nvPr/>
+          </p:nvSpPr>
+          <p:spPr>
+            <a:xfrm>
+              <a:off x="7043008" y="5416732"/>
+              <a:ext cx="880369" cy="523220"/>
+            </a:xfrm>
+            <a:prstGeom prst="rect">
+              <a:avLst/>
+            </a:prstGeom>
+            <a:noFill/>
+          </p:spPr>
+          <p:txBody>
+            <a:bodyPr wrap="none" rtlCol="0">
+              <a:spAutoFit/>
+            </a:bodyPr>
+            <a:lstStyle/>
+            <a:p>
+              <a:pPr algn="ctr"/>
+              <a:r>
+                <a:rPr lang="en-US" sz="1400" dirty="0" smtClean="0">
+                  <a:solidFill>
+                    <a:schemeClr val="accent2"/>
+                  </a:solidFill>
+                </a:rPr>
+                <a:t>Financing</a:t>
+              </a:r>
+            </a:p>
+            <a:p>
+              <a:pPr algn="ctr"/>
+              <a:r>
+                <a:rPr lang="en-US" sz="1400" dirty="0" smtClean="0"/>
+                <a:t>SOAP</a:t>
+              </a:r>
+              <a:endParaRPr lang="en-US" sz="1400" dirty="0">
+                <a:solidFill>
+                  <a:schemeClr val="accent2"/>
+                </a:solidFill>
+              </a:endParaRPr>
+            </a:p>
+          </p:txBody>
+        </p:sp>
+      </p:grpSp>
+      <p:sp>
+        <p:nvSpPr>
+          <p:cNvPr id="80" name="Octagon 79"/>
+          <p:cNvSpPr/>
+          <p:nvPr/>
+        </p:nvSpPr>
+        <p:spPr>
+          <a:xfrm rot="16200000">
+            <a:off x="2051556" y="967316"/>
+            <a:ext cx="2085588" cy="475817"/>
+          </a:xfrm>
+          <a:prstGeom prst="octagon">
+            <a:avLst/>
+          </a:prstGeom>
+          <a:solidFill>
+            <a:schemeClr val="bg1"/>
+          </a:solidFill>
+          <a:ln>
+            <a:solidFill>
+              <a:srgbClr val="FF0000"/>
+            </a:solidFill>
+          </a:ln>
+        </p:spPr>
+        <p:style>
+          <a:lnRef idx="2">
+            <a:schemeClr val="accent1">
+              <a:shade val="50000"/>
+            </a:schemeClr>
+          </a:lnRef>
+          <a:fillRef idx="1">
+            <a:schemeClr val="accent1"/>
+          </a:fillRef>
+          <a:effectRef idx="0">
+            <a:schemeClr val="accent1"/>
+          </a:effectRef>
+          <a:fontRef idx="minor">
+            <a:schemeClr val="lt1"/>
+          </a:fontRef>
+        </p:style>
+        <p:txBody>
+          <a:bodyPr rtlCol="0" anchor="ctr"/>
+          <a:lstStyle/>
+          <a:p>
+            <a:pPr algn="ctr"/>
+            <a:r>
+              <a:rPr lang="en-US" sz="1400" b="1" smtClean="0">
+                <a:solidFill>
+                  <a:srgbClr val="FF0000"/>
+                </a:solidFill>
+              </a:rPr>
+              <a:t>Developer Portal</a:t>
+            </a:r>
+            <a:endParaRPr lang="en-US" sz="1400" b="1" dirty="0">
+              <a:solidFill>
+                <a:srgbClr val="FF0000"/>
+              </a:solidFill>
+            </a:endParaRPr>
+          </a:p>
+        </p:txBody>
+      </p:sp>
+      <p:sp>
+        <p:nvSpPr>
+          <p:cNvPr id="81" name="Octagon 80"/>
+          <p:cNvSpPr/>
+          <p:nvPr/>
+        </p:nvSpPr>
+        <p:spPr>
+          <a:xfrm>
+            <a:off x="3332256" y="2107342"/>
+            <a:ext cx="1361449" cy="413238"/>
+          </a:xfrm>
+          <a:prstGeom prst="octagon">
+            <a:avLst/>
+          </a:prstGeom>
+          <a:solidFill>
+            <a:schemeClr val="bg1"/>
+          </a:solidFill>
+          <a:ln>
+            <a:solidFill>
+              <a:srgbClr val="FF0000"/>
+            </a:solidFill>
+          </a:ln>
+        </p:spPr>
+        <p:style>
+          <a:lnRef idx="2">
+            <a:schemeClr val="accent1">
+              <a:shade val="50000"/>
+            </a:schemeClr>
+          </a:lnRef>
+          <a:fillRef idx="1">
+            <a:schemeClr val="accent1"/>
+          </a:fillRef>
+          <a:effectRef idx="0">
+            <a:schemeClr val="accent1"/>
+          </a:effectRef>
+          <a:fontRef idx="minor">
+            <a:schemeClr val="lt1"/>
+          </a:fontRef>
+        </p:style>
+        <p:txBody>
+          <a:bodyPr rtlCol="0" anchor="ctr"/>
+          <a:lstStyle/>
+          <a:p>
+            <a:pPr algn="ctr"/>
+            <a:r>
+              <a:rPr lang="en-US" sz="1400" b="1" dirty="0" smtClean="0">
+                <a:solidFill>
+                  <a:srgbClr val="FF0000"/>
+                </a:solidFill>
+              </a:rPr>
+              <a:t>API Manager</a:t>
+            </a:r>
+            <a:endParaRPr lang="en-US" sz="1400" b="1" dirty="0">
+              <a:solidFill>
+                <a:srgbClr val="FF0000"/>
+              </a:solidFill>
+            </a:endParaRPr>
+          </a:p>
+        </p:txBody>
+      </p:sp>
+      <p:grpSp>
+        <p:nvGrpSpPr>
+          <p:cNvPr id="89" name="Group 88"/>
+          <p:cNvGrpSpPr/>
+          <p:nvPr/>
+        </p:nvGrpSpPr>
+        <p:grpSpPr>
+          <a:xfrm>
+            <a:off x="719244" y="2978847"/>
+            <a:ext cx="977127" cy="1438792"/>
+            <a:chOff x="744013" y="1828209"/>
+            <a:chExt cx="977127" cy="1438792"/>
+          </a:xfrm>
+        </p:grpSpPr>
+        <p:pic>
+          <p:nvPicPr>
+            <p:cNvPr id="86" name="Picture 85"/>
+            <p:cNvPicPr>
+              <a:picLocks noChangeAspect="1"/>
+            </p:cNvPicPr>
+            <p:nvPr/>
+          </p:nvPicPr>
+          <p:blipFill>
+            <a:blip r:embed="rId3">
+              <a:extLst>
+                <a:ext uri="{28A0092B-C50C-407E-A947-70E740481C1C}">
+                  <a14:useLocalDpi xmlns:a14="http://schemas.microsoft.com/office/drawing/2010/main" val="0"/>
+                </a:ext>
+              </a:extLst>
+            </a:blip>
+            <a:stretch>
+              <a:fillRect/>
+            </a:stretch>
+          </p:blipFill>
+          <p:spPr>
+            <a:xfrm>
+              <a:off x="744013" y="1828209"/>
+              <a:ext cx="977127" cy="977127"/>
+            </a:xfrm>
+            <a:prstGeom prst="rect">
+              <a:avLst/>
+            </a:prstGeom>
+          </p:spPr>
+        </p:pic>
+        <p:sp>
+          <p:nvSpPr>
+            <p:cNvPr id="88" name="TextBox 87"/>
+            <p:cNvSpPr txBox="1"/>
+            <p:nvPr/>
+          </p:nvSpPr>
+          <p:spPr>
+            <a:xfrm>
+              <a:off x="787293" y="2805336"/>
+              <a:ext cx="890565" cy="461665"/>
+            </a:xfrm>
+            <a:prstGeom prst="rect">
+              <a:avLst/>
+            </a:prstGeom>
+            <a:noFill/>
+          </p:spPr>
+          <p:txBody>
+            <a:bodyPr wrap="none" rtlCol="0">
+              <a:spAutoFit/>
+            </a:bodyPr>
+            <a:lstStyle/>
+            <a:p>
+              <a:pPr algn="ctr"/>
+              <a:r>
+                <a:rPr lang="en-US" sz="1200" dirty="0" smtClean="0"/>
+                <a:t>Consumer</a:t>
+              </a:r>
+            </a:p>
+            <a:p>
+              <a:pPr algn="ctr"/>
+              <a:r>
+                <a:rPr lang="en-US" sz="1200" dirty="0" smtClean="0"/>
+                <a:t>Application</a:t>
+              </a:r>
+              <a:endParaRPr lang="en-US" sz="1200" dirty="0"/>
+            </a:p>
+          </p:txBody>
+        </p:sp>
+      </p:grpSp>
       <p:grpSp>
         <p:nvGrpSpPr>
           <p:cNvPr id="172" name="Group 171"/>
@@ -8320,7 +11880,7 @@
 </p:sld>
 </file>
 
-<file path=ppt/slides/slide11.xml><?xml version="1.0" encoding="utf-8"?>
+<file path=ppt/slides/slide12.xml><?xml version="1.0" encoding="utf-8"?>
 <p:sld xmlns:a="http://schemas.openxmlformats.org/drawingml/2006/main" xmlns:r="http://schemas.openxmlformats.org/officeDocument/2006/relationships" xmlns:p="http://schemas.openxmlformats.org/presentationml/2006/main">
   <p:cSld>
     <p:spTree>
@@ -11397,6 +14957,156 @@
       </p:grpSpPr>
       <p:sp>
         <p:nvSpPr>
+          <p:cNvPr id="2" name="Title 1"/>
+          <p:cNvSpPr>
+            <a:spLocks noGrp="1"/>
+          </p:cNvSpPr>
+          <p:nvPr>
+            <p:ph type="title"/>
+          </p:nvPr>
+        </p:nvSpPr>
+        <p:spPr/>
+        <p:txBody>
+          <a:bodyPr/>
+          <a:lstStyle/>
+          <a:p>
+            <a:r>
+              <a:rPr lang="en-US" dirty="0" smtClean="0"/>
+              <a:t>Important Links</a:t>
+            </a:r>
+            <a:endParaRPr lang="en-US" dirty="0"/>
+          </a:p>
+        </p:txBody>
+      </p:sp>
+      <p:sp>
+        <p:nvSpPr>
+          <p:cNvPr id="3" name="Content Placeholder 2"/>
+          <p:cNvSpPr>
+            <a:spLocks noGrp="1"/>
+          </p:cNvSpPr>
+          <p:nvPr>
+            <p:ph sz="half" idx="1"/>
+          </p:nvPr>
+        </p:nvSpPr>
+        <p:spPr/>
+        <p:txBody>
+          <a:bodyPr/>
+          <a:lstStyle/>
+          <a:p>
+            <a:pPr marL="0" indent="0">
+              <a:buNone/>
+            </a:pPr>
+            <a:r>
+              <a:rPr lang="en-US" sz="2000" dirty="0" smtClean="0"/>
+              <a:t>Developer </a:t>
+            </a:r>
+            <a:r>
+              <a:rPr lang="en-US" sz="2000" dirty="0" smtClean="0"/>
+              <a:t>Works</a:t>
+            </a:r>
+            <a:endParaRPr lang="en-US" sz="2000" dirty="0"/>
+          </a:p>
+          <a:p>
+            <a:r>
+              <a:rPr lang="en-US" sz="2000" dirty="0" smtClean="0"/>
+              <a:t>https</a:t>
+            </a:r>
+            <a:r>
+              <a:rPr lang="en-US" sz="2000" dirty="0"/>
+              <a:t>://developer.ibm.com/apiconnect</a:t>
+            </a:r>
+            <a:r>
+              <a:rPr lang="en-US" sz="2000" dirty="0" smtClean="0"/>
+              <a:t>/</a:t>
+            </a:r>
+          </a:p>
+          <a:p>
+            <a:endParaRPr lang="en-US" sz="2000" dirty="0"/>
+          </a:p>
+          <a:p>
+            <a:pPr marL="0" indent="0">
+              <a:buNone/>
+            </a:pPr>
+            <a:r>
+              <a:rPr lang="en-US" sz="2000" dirty="0" smtClean="0"/>
+              <a:t>GitHub</a:t>
+            </a:r>
+          </a:p>
+          <a:p>
+            <a:r>
+              <a:rPr lang="en-US" sz="2000" dirty="0"/>
+              <a:t>https://</a:t>
+            </a:r>
+            <a:r>
+              <a:rPr lang="en-US" sz="2000" dirty="0" smtClean="0"/>
+              <a:t>github.com/ibm-apiconnect</a:t>
+            </a:r>
+          </a:p>
+          <a:p>
+            <a:endParaRPr lang="en-US" sz="2000" dirty="0" smtClean="0"/>
+          </a:p>
+          <a:p>
+            <a:pPr marL="0" indent="0">
+              <a:buNone/>
+            </a:pPr>
+            <a:r>
+              <a:rPr lang="en-US" sz="2000" dirty="0" smtClean="0"/>
+              <a:t>Twitter</a:t>
+            </a:r>
+          </a:p>
+          <a:p>
+            <a:r>
+              <a:rPr lang="en-US" sz="2000" dirty="0"/>
+              <a:t>https://</a:t>
+            </a:r>
+            <a:r>
+              <a:rPr lang="en-US" sz="2000" dirty="0" err="1"/>
+              <a:t>twitter.com</a:t>
+            </a:r>
+            <a:r>
+              <a:rPr lang="en-US" sz="2000" dirty="0"/>
+              <a:t>/</a:t>
+            </a:r>
+            <a:r>
+              <a:rPr lang="en-US" sz="2000" dirty="0" err="1"/>
+              <a:t>ibmapiconnect</a:t>
+            </a:r>
+            <a:endParaRPr lang="en-US" sz="2000" dirty="0"/>
+          </a:p>
+        </p:txBody>
+      </p:sp>
+    </p:spTree>
+    <p:extLst>
+      <p:ext uri="{BB962C8B-B14F-4D97-AF65-F5344CB8AC3E}">
+        <p14:creationId xmlns:p14="http://schemas.microsoft.com/office/powerpoint/2010/main" val="1850247771"/>
+      </p:ext>
+    </p:extLst>
+  </p:cSld>
+  <p:clrMapOvr>
+    <a:masterClrMapping/>
+  </p:clrMapOvr>
+</p:sld>
+</file>
+
+<file path=ppt/slides/slide3.xml><?xml version="1.0" encoding="utf-8"?>
+<p:sld xmlns:a="http://schemas.openxmlformats.org/drawingml/2006/main" xmlns:r="http://schemas.openxmlformats.org/officeDocument/2006/relationships" xmlns:p="http://schemas.openxmlformats.org/presentationml/2006/main">
+  <p:cSld>
+    <p:spTree>
+      <p:nvGrpSpPr>
+        <p:cNvPr id="1" name=""/>
+        <p:cNvGrpSpPr/>
+        <p:nvPr/>
+      </p:nvGrpSpPr>
+      <p:grpSpPr>
+        <a:xfrm>
+          <a:off x="0" y="0"/>
+          <a:ext cx="0" cy="0"/>
+          <a:chOff x="0" y="0"/>
+          <a:chExt cx="0" cy="0"/>
+        </a:xfrm>
+      </p:grpSpPr>
+      <p:sp>
+        <p:nvSpPr>
           <p:cNvPr id="2" name="TextBox 1"/>
           <p:cNvSpPr txBox="1"/>
           <p:nvPr/>
@@ -11446,7 +15156,7 @@
 </p:sld>
 </file>
 
-<file path=ppt/slides/slide3.xml><?xml version="1.0" encoding="utf-8"?>
+<file path=ppt/slides/slide4.xml><?xml version="1.0" encoding="utf-8"?>
 <p:sld xmlns:a="http://schemas.openxmlformats.org/drawingml/2006/main" xmlns:r="http://schemas.openxmlformats.org/officeDocument/2006/relationships" xmlns:p="http://schemas.openxmlformats.org/presentationml/2006/main">
   <p:cSld>
     <p:spTree>
@@ -15363,7 +19073,7 @@
 </p:sld>
 </file>
 
-<file path=ppt/slides/slide4.xml><?xml version="1.0" encoding="utf-8"?>
+<file path=ppt/slides/slide5.xml><?xml version="1.0" encoding="utf-8"?>
 <p:sld xmlns:a="http://schemas.openxmlformats.org/drawingml/2006/main" xmlns:r="http://schemas.openxmlformats.org/officeDocument/2006/relationships" xmlns:p="http://schemas.openxmlformats.org/presentationml/2006/main">
   <p:cSld>
     <p:spTree>
@@ -17333,7 +21043,7 @@
 </p:sld>
 </file>
 
-<file path=ppt/slides/slide5.xml><?xml version="1.0" encoding="utf-8"?>
+<file path=ppt/slides/slide6.xml><?xml version="1.0" encoding="utf-8"?>
 <p:sld xmlns:a="http://schemas.openxmlformats.org/drawingml/2006/main" xmlns:r="http://schemas.openxmlformats.org/officeDocument/2006/relationships" xmlns:p="http://schemas.openxmlformats.org/presentationml/2006/main">
   <p:cSld>
     <p:spTree>
@@ -19090,6 +22800,9 @@
                     <p:cTn id="3" fill="hold">
                       <p:stCondLst>
                         <p:cond delay="indefinite"/>
+                        <p:cond evt="onBegin" delay="0">
+                          <p:tn val="2"/>
+                        </p:cond>
                       </p:stCondLst>
                       <p:childTnLst>
                         <p:par>
@@ -19099,7 +22812,7 @@
                             </p:stCondLst>
                             <p:childTnLst>
                               <p:par>
-                                <p:cTn id="5" presetID="9" presetClass="entr" presetSubtype="0" fill="hold" grpId="0" nodeType="clickEffect">
+                                <p:cTn id="5" presetID="9" presetClass="entr" presetSubtype="0" fill="hold" grpId="0" nodeType="afterEffect">
                                   <p:stCondLst>
                                     <p:cond delay="0"/>
                                   </p:stCondLst>
@@ -19136,30 +22849,21 @@
                             </p:childTnLst>
                           </p:cTn>
                         </p:par>
-                      </p:childTnLst>
-                    </p:cTn>
-                  </p:par>
-                  <p:par>
-                    <p:cTn id="8" fill="hold">
-                      <p:stCondLst>
-                        <p:cond delay="indefinite"/>
-                      </p:stCondLst>
-                      <p:childTnLst>
                         <p:par>
-                          <p:cTn id="9" fill="hold">
+                          <p:cTn id="8" fill="hold">
                             <p:stCondLst>
-                              <p:cond delay="0"/>
+                              <p:cond delay="500"/>
                             </p:stCondLst>
                             <p:childTnLst>
                               <p:par>
-                                <p:cTn id="10" presetID="42" presetClass="path" presetSubtype="0" accel="50000" decel="50000" fill="hold" grpId="1" nodeType="clickEffect">
+                                <p:cTn id="9" presetID="42" presetClass="path" presetSubtype="0" accel="50000" decel="50000" fill="hold" grpId="1" nodeType="afterEffect">
                                   <p:stCondLst>
                                     <p:cond delay="0"/>
                                   </p:stCondLst>
                                   <p:childTnLst>
                                     <p:animMotion origin="layout" path="M -1.25E-6 -1.11111E-6 L -0.02578 -0.00092 " pathEditMode="relative" rAng="0" ptsTypes="AA">
                                       <p:cBhvr>
-                                        <p:cTn id="11" dur="2000" fill="hold"/>
+                                        <p:cTn id="10" dur="2000" fill="hold"/>
                                         <p:tgtEl>
                                           <p:spTgt spid="93"/>
                                         </p:tgtEl>
@@ -19176,30 +22880,21 @@
                             </p:childTnLst>
                           </p:cTn>
                         </p:par>
-                      </p:childTnLst>
-                    </p:cTn>
-                  </p:par>
-                  <p:par>
-                    <p:cTn id="12" fill="hold">
-                      <p:stCondLst>
-                        <p:cond delay="indefinite"/>
-                      </p:stCondLst>
-                      <p:childTnLst>
                         <p:par>
-                          <p:cTn id="13" fill="hold">
+                          <p:cTn id="11" fill="hold">
                             <p:stCondLst>
-                              <p:cond delay="0"/>
+                              <p:cond delay="2500"/>
                             </p:stCondLst>
                             <p:childTnLst>
                               <p:par>
-                                <p:cTn id="14" presetID="53" presetClass="entr" presetSubtype="16" fill="hold" nodeType="clickEffect">
+                                <p:cTn id="12" presetID="53" presetClass="entr" presetSubtype="16" fill="hold" nodeType="afterEffect">
                                   <p:stCondLst>
                                     <p:cond delay="0"/>
                                   </p:stCondLst>
                                   <p:childTnLst>
                                     <p:set>
                                       <p:cBhvr>
-                                        <p:cTn id="15" dur="1" fill="hold">
+                                        <p:cTn id="13" dur="1" fill="hold">
                                           <p:stCondLst>
                                             <p:cond delay="0"/>
                                           </p:stCondLst>
@@ -19217,7 +22912,7 @@
                                     </p:set>
                                     <p:anim calcmode="lin" valueType="num">
                                       <p:cBhvr>
-                                        <p:cTn id="16" dur="500" fill="hold"/>
+                                        <p:cTn id="14" dur="500" fill="hold"/>
                                         <p:tgtEl>
                                           <p:spTgt spid="67"/>
                                         </p:tgtEl>
@@ -19240,7 +22935,7 @@
                                     </p:anim>
                                     <p:anim calcmode="lin" valueType="num">
                                       <p:cBhvr>
-                                        <p:cTn id="17" dur="500" fill="hold"/>
+                                        <p:cTn id="15" dur="500" fill="hold"/>
                                         <p:tgtEl>
                                           <p:spTgt spid="67"/>
                                         </p:tgtEl>
@@ -19263,7 +22958,7 @@
                                     </p:anim>
                                     <p:animEffect transition="in" filter="fade">
                                       <p:cBhvr>
-                                        <p:cTn id="18" dur="500"/>
+                                        <p:cTn id="16" dur="500"/>
                                         <p:tgtEl>
                                           <p:spTgt spid="67"/>
                                         </p:tgtEl>
@@ -19275,30 +22970,21 @@
                             </p:childTnLst>
                           </p:cTn>
                         </p:par>
-                      </p:childTnLst>
-                    </p:cTn>
-                  </p:par>
-                  <p:par>
-                    <p:cTn id="19" fill="hold">
-                      <p:stCondLst>
-                        <p:cond delay="indefinite"/>
-                      </p:stCondLst>
-                      <p:childTnLst>
                         <p:par>
-                          <p:cTn id="20" fill="hold">
+                          <p:cTn id="17" fill="hold">
                             <p:stCondLst>
-                              <p:cond delay="0"/>
+                              <p:cond delay="3000"/>
                             </p:stCondLst>
                             <p:childTnLst>
                               <p:par>
-                                <p:cTn id="21" presetID="9" presetClass="entr" presetSubtype="0" fill="hold" grpId="0" nodeType="clickEffect">
+                                <p:cTn id="18" presetID="9" presetClass="entr" presetSubtype="0" fill="hold" grpId="0" nodeType="afterEffect">
                                   <p:stCondLst>
                                     <p:cond delay="0"/>
                                   </p:stCondLst>
                                   <p:childTnLst>
                                     <p:set>
                                       <p:cBhvr>
-                                        <p:cTn id="22" dur="1" fill="hold">
+                                        <p:cTn id="19" dur="1" fill="hold">
                                           <p:stCondLst>
                                             <p:cond delay="0"/>
                                           </p:stCondLst>
@@ -19316,7 +23002,7 @@
                                     </p:set>
                                     <p:animEffect transition="in" filter="dissolve">
                                       <p:cBhvr>
-                                        <p:cTn id="23" dur="500"/>
+                                        <p:cTn id="20" dur="500"/>
                                         <p:tgtEl>
                                           <p:spTgt spid="92"/>
                                         </p:tgtEl>
@@ -19329,20 +23015,20 @@
                           </p:cTn>
                         </p:par>
                         <p:par>
-                          <p:cTn id="24" fill="hold">
+                          <p:cTn id="21" fill="hold">
                             <p:stCondLst>
-                              <p:cond delay="500"/>
+                              <p:cond delay="3500"/>
                             </p:stCondLst>
                             <p:childTnLst>
                               <p:par>
-                                <p:cTn id="25" presetID="22" presetClass="entr" presetSubtype="8" fill="hold" nodeType="afterEffect">
+                                <p:cTn id="22" presetID="22" presetClass="entr" presetSubtype="8" fill="hold" nodeType="afterEffect">
                                   <p:stCondLst>
                                     <p:cond delay="0"/>
                                   </p:stCondLst>
                                   <p:childTnLst>
                                     <p:set>
                                       <p:cBhvr>
-                                        <p:cTn id="26" dur="1" fill="hold">
+                                        <p:cTn id="23" dur="1" fill="hold">
                                           <p:stCondLst>
                                             <p:cond delay="0"/>
                                           </p:stCondLst>
@@ -19360,7 +23046,7 @@
                                     </p:set>
                                     <p:animEffect transition="in" filter="wipe(left)">
                                       <p:cBhvr>
-                                        <p:cTn id="27" dur="500"/>
+                                        <p:cTn id="24" dur="500"/>
                                         <p:tgtEl>
                                           <p:spTgt spid="15"/>
                                         </p:tgtEl>
@@ -19405,7 +23091,7 @@
 </p:sld>
 </file>
 
-<file path=ppt/slides/slide6.xml><?xml version="1.0" encoding="utf-8"?>
+<file path=ppt/slides/slide7.xml><?xml version="1.0" encoding="utf-8"?>
 <p:sld xmlns:a="http://schemas.openxmlformats.org/drawingml/2006/main" xmlns:r="http://schemas.openxmlformats.org/officeDocument/2006/relationships" xmlns:p="http://schemas.openxmlformats.org/presentationml/2006/main">
   <p:cSld>
     <p:spTree>
@@ -22151,7 +25837,7 @@
 </p:sld>
 </file>
 
-<file path=ppt/slides/slide7.xml><?xml version="1.0" encoding="utf-8"?>
+<file path=ppt/slides/slide8.xml><?xml version="1.0" encoding="utf-8"?>
 <p:sld xmlns:a="http://schemas.openxmlformats.org/drawingml/2006/main" xmlns:r="http://schemas.openxmlformats.org/officeDocument/2006/relationships" xmlns:p="http://schemas.openxmlformats.org/presentationml/2006/main">
   <p:cSld>
     <p:spTree>
@@ -24857,7 +28543,7 @@
 </p:sld>
 </file>
 
-<file path=ppt/slides/slide8.xml><?xml version="1.0" encoding="utf-8"?>
+<file path=ppt/slides/slide9.xml><?xml version="1.0" encoding="utf-8"?>
 <p:sld xmlns:a="http://schemas.openxmlformats.org/drawingml/2006/main" xmlns:r="http://schemas.openxmlformats.org/officeDocument/2006/relationships" xmlns:p="http://schemas.openxmlformats.org/presentationml/2006/main">
   <p:cSld>
     <p:spTree>
@@ -29030,3481 +32716,6 @@
 </p:sld>
 </file>
 
-<file path=ppt/slides/slide9.xml><?xml version="1.0" encoding="utf-8"?>
-<p:sld xmlns:a="http://schemas.openxmlformats.org/drawingml/2006/main" xmlns:r="http://schemas.openxmlformats.org/officeDocument/2006/relationships" xmlns:p="http://schemas.openxmlformats.org/presentationml/2006/main">
-  <p:cSld>
-    <p:spTree>
-      <p:nvGrpSpPr>
-        <p:cNvPr id="1" name=""/>
-        <p:cNvGrpSpPr/>
-        <p:nvPr/>
-      </p:nvGrpSpPr>
-      <p:grpSpPr>
-        <a:xfrm>
-          <a:off x="0" y="0"/>
-          <a:ext cx="0" cy="0"/>
-          <a:chOff x="0" y="0"/>
-          <a:chExt cx="0" cy="0"/>
-        </a:xfrm>
-      </p:grpSpPr>
-      <p:sp>
-        <p:nvSpPr>
-          <p:cNvPr id="71" name="Rectangle 70"/>
-          <p:cNvSpPr/>
-          <p:nvPr/>
-        </p:nvSpPr>
-        <p:spPr>
-          <a:xfrm>
-            <a:off x="9049470" y="5002449"/>
-            <a:ext cx="2997982" cy="1714649"/>
-          </a:xfrm>
-          <a:prstGeom prst="rect">
-            <a:avLst/>
-          </a:prstGeom>
-          <a:solidFill>
-            <a:schemeClr val="accent2">
-              <a:lumMod val="40000"/>
-              <a:lumOff val="60000"/>
-            </a:schemeClr>
-          </a:solidFill>
-          <a:ln>
-            <a:noFill/>
-          </a:ln>
-        </p:spPr>
-        <p:style>
-          <a:lnRef idx="2">
-            <a:schemeClr val="accent1">
-              <a:shade val="50000"/>
-            </a:schemeClr>
-          </a:lnRef>
-          <a:fillRef idx="1">
-            <a:schemeClr val="accent1"/>
-          </a:fillRef>
-          <a:effectRef idx="0">
-            <a:schemeClr val="accent1"/>
-          </a:effectRef>
-          <a:fontRef idx="minor">
-            <a:schemeClr val="lt1"/>
-          </a:fontRef>
-        </p:style>
-        <p:txBody>
-          <a:bodyPr vert="vert" rtlCol="0" anchor="t" anchorCtr="0"/>
-          <a:lstStyle/>
-          <a:p>
-            <a:pPr algn="ctr"/>
-            <a:r>
-              <a:rPr lang="en-US" sz="1400" dirty="0" smtClean="0">
-                <a:solidFill>
-                  <a:schemeClr val="accent2">
-                    <a:lumMod val="75000"/>
-                  </a:schemeClr>
-                </a:solidFill>
-              </a:rPr>
-              <a:t>Data Sources</a:t>
-            </a:r>
-            <a:endParaRPr lang="en-US" sz="1400" dirty="0">
-              <a:solidFill>
-                <a:schemeClr val="accent2">
-                  <a:lumMod val="75000"/>
-                </a:schemeClr>
-              </a:solidFill>
-            </a:endParaRPr>
-          </a:p>
-        </p:txBody>
-      </p:sp>
-      <p:sp>
-        <p:nvSpPr>
-          <p:cNvPr id="70" name="Rectangle 69"/>
-          <p:cNvSpPr/>
-          <p:nvPr/>
-        </p:nvSpPr>
-        <p:spPr>
-          <a:xfrm>
-            <a:off x="7384172" y="5002449"/>
-            <a:ext cx="1666019" cy="1714649"/>
-          </a:xfrm>
-          <a:prstGeom prst="rect">
-            <a:avLst/>
-          </a:prstGeom>
-          <a:solidFill>
-            <a:schemeClr val="accent1">
-              <a:lumMod val="40000"/>
-              <a:lumOff val="60000"/>
-            </a:schemeClr>
-          </a:solidFill>
-          <a:ln>
-            <a:noFill/>
-          </a:ln>
-        </p:spPr>
-        <p:style>
-          <a:lnRef idx="2">
-            <a:schemeClr val="accent1">
-              <a:shade val="50000"/>
-            </a:schemeClr>
-          </a:lnRef>
-          <a:fillRef idx="1">
-            <a:schemeClr val="accent1"/>
-          </a:fillRef>
-          <a:effectRef idx="0">
-            <a:schemeClr val="accent1"/>
-          </a:effectRef>
-          <a:fontRef idx="minor">
-            <a:schemeClr val="lt1"/>
-          </a:fontRef>
-        </p:style>
-        <p:txBody>
-          <a:bodyPr rtlCol="0" anchor="t" anchorCtr="0"/>
-          <a:lstStyle/>
-          <a:p>
-            <a:pPr algn="ctr"/>
-            <a:endParaRPr lang="en-US" dirty="0"/>
-          </a:p>
-        </p:txBody>
-      </p:sp>
-      <p:sp>
-        <p:nvSpPr>
-          <p:cNvPr id="68" name="Rectangle 67"/>
-          <p:cNvSpPr/>
-          <p:nvPr/>
-        </p:nvSpPr>
-        <p:spPr>
-          <a:xfrm>
-            <a:off x="7384172" y="2639021"/>
-            <a:ext cx="4663279" cy="2378993"/>
-          </a:xfrm>
-          <a:prstGeom prst="rect">
-            <a:avLst/>
-          </a:prstGeom>
-          <a:solidFill>
-            <a:schemeClr val="accent1">
-              <a:lumMod val="40000"/>
-              <a:lumOff val="60000"/>
-            </a:schemeClr>
-          </a:solidFill>
-          <a:ln>
-            <a:noFill/>
-          </a:ln>
-        </p:spPr>
-        <p:style>
-          <a:lnRef idx="2">
-            <a:schemeClr val="accent1">
-              <a:shade val="50000"/>
-            </a:schemeClr>
-          </a:lnRef>
-          <a:fillRef idx="1">
-            <a:schemeClr val="accent1"/>
-          </a:fillRef>
-          <a:effectRef idx="0">
-            <a:schemeClr val="accent1"/>
-          </a:effectRef>
-          <a:fontRef idx="minor">
-            <a:schemeClr val="lt1"/>
-          </a:fontRef>
-        </p:style>
-        <p:txBody>
-          <a:bodyPr vert="vert" rtlCol="0" anchor="t" anchorCtr="0"/>
-          <a:lstStyle/>
-          <a:p>
-            <a:pPr algn="ctr"/>
-            <a:r>
-              <a:rPr lang="en-US" sz="1400" dirty="0" smtClean="0">
-                <a:solidFill>
-                  <a:schemeClr val="accent1">
-                    <a:lumMod val="50000"/>
-                  </a:schemeClr>
-                </a:solidFill>
-              </a:rPr>
-              <a:t>Internal Services</a:t>
-            </a:r>
-            <a:endParaRPr lang="en-US" sz="1400" dirty="0">
-              <a:solidFill>
-                <a:schemeClr val="accent1">
-                  <a:lumMod val="50000"/>
-                </a:schemeClr>
-              </a:solidFill>
-            </a:endParaRPr>
-          </a:p>
-        </p:txBody>
-      </p:sp>
-      <p:grpSp>
-        <p:nvGrpSpPr>
-          <p:cNvPr id="182" name="Group 181"/>
-          <p:cNvGrpSpPr/>
-          <p:nvPr/>
-        </p:nvGrpSpPr>
-        <p:grpSpPr>
-          <a:xfrm>
-            <a:off x="9502583" y="5427701"/>
-            <a:ext cx="697627" cy="1191429"/>
-            <a:chOff x="9502583" y="5427701"/>
-            <a:chExt cx="697627" cy="1191429"/>
-          </a:xfrm>
-        </p:grpSpPr>
-        <p:grpSp>
-          <p:nvGrpSpPr>
-            <p:cNvPr id="7" name="Group 6"/>
-            <p:cNvGrpSpPr/>
-            <p:nvPr/>
-          </p:nvGrpSpPr>
-          <p:grpSpPr>
-            <a:xfrm>
-              <a:off x="9558628" y="5427701"/>
-              <a:ext cx="597877" cy="668209"/>
-              <a:chOff x="6901961" y="1863976"/>
-              <a:chExt cx="395654" cy="430820"/>
-            </a:xfrm>
-          </p:grpSpPr>
-          <p:sp>
-            <p:nvSpPr>
-              <p:cNvPr id="5" name="Can 4"/>
-              <p:cNvSpPr/>
-              <p:nvPr/>
-            </p:nvSpPr>
-            <p:spPr>
-              <a:xfrm>
-                <a:off x="6901961" y="2154119"/>
-                <a:ext cx="395653" cy="140677"/>
-              </a:xfrm>
-              <a:prstGeom prst="can">
-                <a:avLst/>
-              </a:prstGeom>
-            </p:spPr>
-            <p:style>
-              <a:lnRef idx="2">
-                <a:schemeClr val="accent1">
-                  <a:shade val="50000"/>
-                </a:schemeClr>
-              </a:lnRef>
-              <a:fillRef idx="1">
-                <a:schemeClr val="accent1"/>
-              </a:fillRef>
-              <a:effectRef idx="0">
-                <a:schemeClr val="accent1"/>
-              </a:effectRef>
-              <a:fontRef idx="minor">
-                <a:schemeClr val="lt1"/>
-              </a:fontRef>
-            </p:style>
-            <p:txBody>
-              <a:bodyPr rtlCol="0" anchor="ctr"/>
-              <a:lstStyle/>
-              <a:p>
-                <a:pPr algn="ctr"/>
-                <a:endParaRPr lang="en-US"/>
-              </a:p>
-            </p:txBody>
-          </p:sp>
-          <p:sp>
-            <p:nvSpPr>
-              <p:cNvPr id="4" name="Can 3"/>
-              <p:cNvSpPr/>
-              <p:nvPr/>
-            </p:nvSpPr>
-            <p:spPr>
-              <a:xfrm>
-                <a:off x="6901962" y="2057402"/>
-                <a:ext cx="395653" cy="140677"/>
-              </a:xfrm>
-              <a:prstGeom prst="can">
-                <a:avLst/>
-              </a:prstGeom>
-            </p:spPr>
-            <p:style>
-              <a:lnRef idx="2">
-                <a:schemeClr val="accent1">
-                  <a:shade val="50000"/>
-                </a:schemeClr>
-              </a:lnRef>
-              <a:fillRef idx="1">
-                <a:schemeClr val="accent1"/>
-              </a:fillRef>
-              <a:effectRef idx="0">
-                <a:schemeClr val="accent1"/>
-              </a:effectRef>
-              <a:fontRef idx="minor">
-                <a:schemeClr val="lt1"/>
-              </a:fontRef>
-            </p:style>
-            <p:txBody>
-              <a:bodyPr rtlCol="0" anchor="ctr"/>
-              <a:lstStyle/>
-              <a:p>
-                <a:pPr algn="ctr"/>
-                <a:endParaRPr lang="en-US"/>
-              </a:p>
-            </p:txBody>
-          </p:sp>
-          <p:sp>
-            <p:nvSpPr>
-              <p:cNvPr id="3" name="Can 2"/>
-              <p:cNvSpPr/>
-              <p:nvPr/>
-            </p:nvSpPr>
-            <p:spPr>
-              <a:xfrm>
-                <a:off x="6901962" y="1960685"/>
-                <a:ext cx="395653" cy="140677"/>
-              </a:xfrm>
-              <a:prstGeom prst="can">
-                <a:avLst/>
-              </a:prstGeom>
-            </p:spPr>
-            <p:style>
-              <a:lnRef idx="2">
-                <a:schemeClr val="accent1">
-                  <a:shade val="50000"/>
-                </a:schemeClr>
-              </a:lnRef>
-              <a:fillRef idx="1">
-                <a:schemeClr val="accent1"/>
-              </a:fillRef>
-              <a:effectRef idx="0">
-                <a:schemeClr val="accent1"/>
-              </a:effectRef>
-              <a:fontRef idx="minor">
-                <a:schemeClr val="lt1"/>
-              </a:fontRef>
-            </p:style>
-            <p:txBody>
-              <a:bodyPr rtlCol="0" anchor="ctr"/>
-              <a:lstStyle/>
-              <a:p>
-                <a:pPr algn="ctr"/>
-                <a:endParaRPr lang="en-US"/>
-              </a:p>
-            </p:txBody>
-          </p:sp>
-          <p:sp>
-            <p:nvSpPr>
-              <p:cNvPr id="6" name="Can 5"/>
-              <p:cNvSpPr/>
-              <p:nvPr/>
-            </p:nvSpPr>
-            <p:spPr>
-              <a:xfrm>
-                <a:off x="6901961" y="1863976"/>
-                <a:ext cx="395653" cy="140677"/>
-              </a:xfrm>
-              <a:prstGeom prst="can">
-                <a:avLst/>
-              </a:prstGeom>
-            </p:spPr>
-            <p:style>
-              <a:lnRef idx="2">
-                <a:schemeClr val="accent1">
-                  <a:shade val="50000"/>
-                </a:schemeClr>
-              </a:lnRef>
-              <a:fillRef idx="1">
-                <a:schemeClr val="accent1"/>
-              </a:fillRef>
-              <a:effectRef idx="0">
-                <a:schemeClr val="accent1"/>
-              </a:effectRef>
-              <a:fontRef idx="minor">
-                <a:schemeClr val="lt1"/>
-              </a:fontRef>
-            </p:style>
-            <p:txBody>
-              <a:bodyPr rtlCol="0" anchor="ctr"/>
-              <a:lstStyle/>
-              <a:p>
-                <a:pPr algn="ctr"/>
-                <a:endParaRPr lang="en-US"/>
-              </a:p>
-            </p:txBody>
-          </p:sp>
-        </p:grpSp>
-        <p:sp>
-          <p:nvSpPr>
-            <p:cNvPr id="13" name="TextBox 12"/>
-            <p:cNvSpPr txBox="1"/>
-            <p:nvPr/>
-          </p:nvSpPr>
-          <p:spPr>
-            <a:xfrm>
-              <a:off x="9502583" y="6095910"/>
-              <a:ext cx="697627" cy="523220"/>
-            </a:xfrm>
-            <a:prstGeom prst="rect">
-              <a:avLst/>
-            </a:prstGeom>
-            <a:noFill/>
-          </p:spPr>
-          <p:txBody>
-            <a:bodyPr wrap="none" rtlCol="0">
-              <a:spAutoFit/>
-            </a:bodyPr>
-            <a:lstStyle/>
-            <a:p>
-              <a:pPr algn="ctr"/>
-              <a:r>
-                <a:rPr lang="en-US" sz="1400" dirty="0" smtClean="0">
-                  <a:solidFill>
-                    <a:schemeClr val="accent1">
-                      <a:lumMod val="75000"/>
-                    </a:schemeClr>
-                  </a:solidFill>
-                </a:rPr>
-                <a:t>Items</a:t>
-              </a:r>
-            </a:p>
-            <a:p>
-              <a:pPr algn="ctr"/>
-              <a:r>
-                <a:rPr lang="en-US" sz="1400" dirty="0" smtClean="0"/>
-                <a:t>MySQL</a:t>
-              </a:r>
-              <a:endParaRPr lang="en-US" sz="1400" dirty="0">
-                <a:solidFill>
-                  <a:schemeClr val="accent1">
-                    <a:lumMod val="75000"/>
-                  </a:schemeClr>
-                </a:solidFill>
-              </a:endParaRPr>
-            </a:p>
-          </p:txBody>
-        </p:sp>
-      </p:grpSp>
-      <p:grpSp>
-        <p:nvGrpSpPr>
-          <p:cNvPr id="72" name="Group 71"/>
-          <p:cNvGrpSpPr/>
-          <p:nvPr/>
-        </p:nvGrpSpPr>
-        <p:grpSpPr>
-          <a:xfrm>
-            <a:off x="10567461" y="5427701"/>
-            <a:ext cx="778290" cy="1191429"/>
-            <a:chOff x="10708974" y="5460359"/>
-            <a:chExt cx="778290" cy="1191429"/>
-          </a:xfrm>
-        </p:grpSpPr>
-        <p:grpSp>
-          <p:nvGrpSpPr>
-            <p:cNvPr id="8" name="Group 7"/>
-            <p:cNvGrpSpPr/>
-            <p:nvPr/>
-          </p:nvGrpSpPr>
-          <p:grpSpPr>
-            <a:xfrm>
-              <a:off x="10799182" y="5460359"/>
-              <a:ext cx="597877" cy="668209"/>
-              <a:chOff x="6901961" y="1863976"/>
-              <a:chExt cx="395654" cy="430820"/>
-            </a:xfrm>
-            <a:solidFill>
-              <a:srgbClr val="7030A0"/>
-            </a:solidFill>
-          </p:grpSpPr>
-          <p:sp>
-            <p:nvSpPr>
-              <p:cNvPr id="9" name="Can 8"/>
-              <p:cNvSpPr/>
-              <p:nvPr/>
-            </p:nvSpPr>
-            <p:spPr>
-              <a:xfrm>
-                <a:off x="6901961" y="2154119"/>
-                <a:ext cx="395653" cy="140677"/>
-              </a:xfrm>
-              <a:prstGeom prst="can">
-                <a:avLst/>
-              </a:prstGeom>
-              <a:grpFill/>
-              <a:ln>
-                <a:solidFill>
-                  <a:srgbClr val="D883FF"/>
-                </a:solidFill>
-              </a:ln>
-            </p:spPr>
-            <p:style>
-              <a:lnRef idx="2">
-                <a:schemeClr val="accent1">
-                  <a:shade val="50000"/>
-                </a:schemeClr>
-              </a:lnRef>
-              <a:fillRef idx="1">
-                <a:schemeClr val="accent1"/>
-              </a:fillRef>
-              <a:effectRef idx="0">
-                <a:schemeClr val="accent1"/>
-              </a:effectRef>
-              <a:fontRef idx="minor">
-                <a:schemeClr val="lt1"/>
-              </a:fontRef>
-            </p:style>
-            <p:txBody>
-              <a:bodyPr rtlCol="0" anchor="ctr"/>
-              <a:lstStyle/>
-              <a:p>
-                <a:pPr algn="ctr"/>
-                <a:endParaRPr lang="en-US">
-                  <a:solidFill>
-                    <a:schemeClr val="accent1">
-                      <a:lumMod val="50000"/>
-                    </a:schemeClr>
-                  </a:solidFill>
-                </a:endParaRPr>
-              </a:p>
-            </p:txBody>
-          </p:sp>
-          <p:sp>
-            <p:nvSpPr>
-              <p:cNvPr id="10" name="Can 9"/>
-              <p:cNvSpPr/>
-              <p:nvPr/>
-            </p:nvSpPr>
-            <p:spPr>
-              <a:xfrm>
-                <a:off x="6901962" y="2057402"/>
-                <a:ext cx="395653" cy="140677"/>
-              </a:xfrm>
-              <a:prstGeom prst="can">
-                <a:avLst/>
-              </a:prstGeom>
-              <a:grpFill/>
-              <a:ln>
-                <a:solidFill>
-                  <a:srgbClr val="D883FF"/>
-                </a:solidFill>
-              </a:ln>
-            </p:spPr>
-            <p:style>
-              <a:lnRef idx="2">
-                <a:schemeClr val="accent1">
-                  <a:shade val="50000"/>
-                </a:schemeClr>
-              </a:lnRef>
-              <a:fillRef idx="1">
-                <a:schemeClr val="accent1"/>
-              </a:fillRef>
-              <a:effectRef idx="0">
-                <a:schemeClr val="accent1"/>
-              </a:effectRef>
-              <a:fontRef idx="minor">
-                <a:schemeClr val="lt1"/>
-              </a:fontRef>
-            </p:style>
-            <p:txBody>
-              <a:bodyPr rtlCol="0" anchor="ctr"/>
-              <a:lstStyle/>
-              <a:p>
-                <a:pPr algn="ctr"/>
-                <a:endParaRPr lang="en-US">
-                  <a:solidFill>
-                    <a:schemeClr val="accent1">
-                      <a:lumMod val="50000"/>
-                    </a:schemeClr>
-                  </a:solidFill>
-                </a:endParaRPr>
-              </a:p>
-            </p:txBody>
-          </p:sp>
-          <p:sp>
-            <p:nvSpPr>
-              <p:cNvPr id="11" name="Can 10"/>
-              <p:cNvSpPr/>
-              <p:nvPr/>
-            </p:nvSpPr>
-            <p:spPr>
-              <a:xfrm>
-                <a:off x="6901962" y="1960685"/>
-                <a:ext cx="395653" cy="140677"/>
-              </a:xfrm>
-              <a:prstGeom prst="can">
-                <a:avLst/>
-              </a:prstGeom>
-              <a:grpFill/>
-              <a:ln>
-                <a:solidFill>
-                  <a:srgbClr val="D883FF"/>
-                </a:solidFill>
-              </a:ln>
-            </p:spPr>
-            <p:style>
-              <a:lnRef idx="2">
-                <a:schemeClr val="accent1">
-                  <a:shade val="50000"/>
-                </a:schemeClr>
-              </a:lnRef>
-              <a:fillRef idx="1">
-                <a:schemeClr val="accent1"/>
-              </a:fillRef>
-              <a:effectRef idx="0">
-                <a:schemeClr val="accent1"/>
-              </a:effectRef>
-              <a:fontRef idx="minor">
-                <a:schemeClr val="lt1"/>
-              </a:fontRef>
-            </p:style>
-            <p:txBody>
-              <a:bodyPr rtlCol="0" anchor="ctr"/>
-              <a:lstStyle/>
-              <a:p>
-                <a:pPr algn="ctr"/>
-                <a:endParaRPr lang="en-US">
-                  <a:solidFill>
-                    <a:schemeClr val="accent1">
-                      <a:lumMod val="50000"/>
-                    </a:schemeClr>
-                  </a:solidFill>
-                </a:endParaRPr>
-              </a:p>
-            </p:txBody>
-          </p:sp>
-          <p:sp>
-            <p:nvSpPr>
-              <p:cNvPr id="12" name="Can 11"/>
-              <p:cNvSpPr/>
-              <p:nvPr/>
-            </p:nvSpPr>
-            <p:spPr>
-              <a:xfrm>
-                <a:off x="6901961" y="1863976"/>
-                <a:ext cx="395653" cy="140677"/>
-              </a:xfrm>
-              <a:prstGeom prst="can">
-                <a:avLst/>
-              </a:prstGeom>
-              <a:grpFill/>
-              <a:ln>
-                <a:solidFill>
-                  <a:srgbClr val="D883FF"/>
-                </a:solidFill>
-              </a:ln>
-            </p:spPr>
-            <p:style>
-              <a:lnRef idx="2">
-                <a:schemeClr val="accent1">
-                  <a:shade val="50000"/>
-                </a:schemeClr>
-              </a:lnRef>
-              <a:fillRef idx="1">
-                <a:schemeClr val="accent1"/>
-              </a:fillRef>
-              <a:effectRef idx="0">
-                <a:schemeClr val="accent1"/>
-              </a:effectRef>
-              <a:fontRef idx="minor">
-                <a:schemeClr val="lt1"/>
-              </a:fontRef>
-            </p:style>
-            <p:txBody>
-              <a:bodyPr rtlCol="0" anchor="ctr"/>
-              <a:lstStyle/>
-              <a:p>
-                <a:pPr algn="ctr"/>
-                <a:endParaRPr lang="en-US">
-                  <a:solidFill>
-                    <a:schemeClr val="accent1">
-                      <a:lumMod val="50000"/>
-                    </a:schemeClr>
-                  </a:solidFill>
-                </a:endParaRPr>
-              </a:p>
-            </p:txBody>
-          </p:sp>
-        </p:grpSp>
-        <p:sp>
-          <p:nvSpPr>
-            <p:cNvPr id="14" name="TextBox 13"/>
-            <p:cNvSpPr txBox="1"/>
-            <p:nvPr/>
-          </p:nvSpPr>
-          <p:spPr>
-            <a:xfrm>
-              <a:off x="10708974" y="6128568"/>
-              <a:ext cx="778290" cy="523220"/>
-            </a:xfrm>
-            <a:prstGeom prst="rect">
-              <a:avLst/>
-            </a:prstGeom>
-            <a:noFill/>
-          </p:spPr>
-          <p:txBody>
-            <a:bodyPr wrap="none" rtlCol="0">
-              <a:spAutoFit/>
-            </a:bodyPr>
-            <a:lstStyle/>
-            <a:p>
-              <a:pPr algn="ctr"/>
-              <a:r>
-                <a:rPr lang="en-US" sz="1400" dirty="0" smtClean="0">
-                  <a:solidFill>
-                    <a:srgbClr val="7030A0"/>
-                  </a:solidFill>
-                </a:rPr>
-                <a:t>Reviews</a:t>
-              </a:r>
-            </a:p>
-            <a:p>
-              <a:pPr algn="ctr"/>
-              <a:r>
-                <a:rPr lang="en-US" sz="1400" dirty="0" smtClean="0"/>
-                <a:t>Mongo</a:t>
-              </a:r>
-            </a:p>
-          </p:txBody>
-        </p:sp>
-      </p:grpSp>
-      <p:grpSp>
-        <p:nvGrpSpPr>
-          <p:cNvPr id="77" name="Group 76"/>
-          <p:cNvGrpSpPr/>
-          <p:nvPr/>
-        </p:nvGrpSpPr>
-        <p:grpSpPr>
-          <a:xfrm>
-            <a:off x="7384172" y="165245"/>
-            <a:ext cx="4663279" cy="1487127"/>
-            <a:chOff x="7384172" y="165245"/>
-            <a:chExt cx="4663279" cy="1487127"/>
-          </a:xfrm>
-        </p:grpSpPr>
-        <p:sp>
-          <p:nvSpPr>
-            <p:cNvPr id="62" name="Rectangle 61"/>
-            <p:cNvSpPr/>
-            <p:nvPr/>
-          </p:nvSpPr>
-          <p:spPr>
-            <a:xfrm>
-              <a:off x="7384172" y="165245"/>
-              <a:ext cx="4663279" cy="1487127"/>
-            </a:xfrm>
-            <a:prstGeom prst="rect">
-              <a:avLst/>
-            </a:prstGeom>
-            <a:solidFill>
-              <a:schemeClr val="bg2"/>
-            </a:solidFill>
-            <a:ln>
-              <a:noFill/>
-            </a:ln>
-          </p:spPr>
-          <p:style>
-            <a:lnRef idx="2">
-              <a:schemeClr val="accent1">
-                <a:shade val="50000"/>
-              </a:schemeClr>
-            </a:lnRef>
-            <a:fillRef idx="1">
-              <a:schemeClr val="accent1"/>
-            </a:fillRef>
-            <a:effectRef idx="0">
-              <a:schemeClr val="accent1"/>
-            </a:effectRef>
-            <a:fontRef idx="minor">
-              <a:schemeClr val="lt1"/>
-            </a:fontRef>
-          </p:style>
-          <p:txBody>
-            <a:bodyPr vert="vert" rtlCol="0" anchor="t" anchorCtr="0"/>
-            <a:lstStyle/>
-            <a:p>
-              <a:pPr algn="ctr"/>
-              <a:r>
-                <a:rPr lang="en-US" sz="1400" dirty="0" smtClean="0">
-                  <a:solidFill>
-                    <a:schemeClr val="tx1">
-                      <a:lumMod val="50000"/>
-                      <a:lumOff val="50000"/>
-                    </a:schemeClr>
-                  </a:solidFill>
-                </a:rPr>
-                <a:t>External Services</a:t>
-              </a:r>
-              <a:endParaRPr lang="en-US" sz="1400" dirty="0">
-                <a:solidFill>
-                  <a:schemeClr val="tx1">
-                    <a:lumMod val="50000"/>
-                    <a:lumOff val="50000"/>
-                  </a:schemeClr>
-                </a:solidFill>
-              </a:endParaRPr>
-            </a:p>
-          </p:txBody>
-        </p:sp>
-        <p:grpSp>
-          <p:nvGrpSpPr>
-            <p:cNvPr id="73" name="Group 72"/>
-            <p:cNvGrpSpPr/>
-            <p:nvPr/>
-          </p:nvGrpSpPr>
-          <p:grpSpPr>
-            <a:xfrm>
-              <a:off x="7677319" y="259972"/>
-              <a:ext cx="1116909" cy="1191429"/>
-              <a:chOff x="7677319" y="581099"/>
-              <a:chExt cx="1116909" cy="1191429"/>
-            </a:xfrm>
-          </p:grpSpPr>
-          <p:sp>
-            <p:nvSpPr>
-              <p:cNvPr id="21" name="Predefined Process 20"/>
-              <p:cNvSpPr/>
-              <p:nvPr/>
-            </p:nvSpPr>
-            <p:spPr>
-              <a:xfrm>
-                <a:off x="7936837" y="1104319"/>
-                <a:ext cx="597875" cy="668209"/>
-              </a:xfrm>
-              <a:prstGeom prst="flowChartPredefinedProcess">
-                <a:avLst/>
-              </a:prstGeom>
-              <a:solidFill>
-                <a:schemeClr val="bg1">
-                  <a:lumMod val="50000"/>
-                </a:schemeClr>
-              </a:solidFill>
-              <a:ln>
-                <a:solidFill>
-                  <a:schemeClr val="bg1">
-                    <a:lumMod val="95000"/>
-                  </a:schemeClr>
-                </a:solidFill>
-              </a:ln>
-            </p:spPr>
-            <p:style>
-              <a:lnRef idx="2">
-                <a:schemeClr val="accent1">
-                  <a:shade val="50000"/>
-                </a:schemeClr>
-              </a:lnRef>
-              <a:fillRef idx="1">
-                <a:schemeClr val="accent1"/>
-              </a:fillRef>
-              <a:effectRef idx="0">
-                <a:schemeClr val="accent1"/>
-              </a:effectRef>
-              <a:fontRef idx="minor">
-                <a:schemeClr val="lt1"/>
-              </a:fontRef>
-            </p:style>
-            <p:txBody>
-              <a:bodyPr rtlCol="0" anchor="ctr"/>
-              <a:lstStyle/>
-              <a:p>
-                <a:pPr algn="ctr"/>
-                <a:endParaRPr lang="en-US">
-                  <a:solidFill>
-                    <a:schemeClr val="tx1"/>
-                  </a:solidFill>
-                </a:endParaRPr>
-              </a:p>
-            </p:txBody>
-          </p:sp>
-          <p:sp>
-            <p:nvSpPr>
-              <p:cNvPr id="22" name="TextBox 21"/>
-              <p:cNvSpPr txBox="1"/>
-              <p:nvPr/>
-            </p:nvSpPr>
-            <p:spPr>
-              <a:xfrm>
-                <a:off x="7677319" y="581099"/>
-                <a:ext cx="1116909" cy="523220"/>
-              </a:xfrm>
-              <a:prstGeom prst="rect">
-                <a:avLst/>
-              </a:prstGeom>
-              <a:noFill/>
-              <a:ln>
-                <a:noFill/>
-              </a:ln>
-            </p:spPr>
-            <p:txBody>
-              <a:bodyPr wrap="none" rtlCol="0">
-                <a:spAutoFit/>
-              </a:bodyPr>
-              <a:lstStyle/>
-              <a:p>
-                <a:pPr algn="ctr"/>
-                <a:r>
-                  <a:rPr lang="en-US" sz="1400" dirty="0" smtClean="0"/>
-                  <a:t>REST</a:t>
-                </a:r>
-              </a:p>
-              <a:p>
-                <a:pPr algn="ctr"/>
-                <a:r>
-                  <a:rPr lang="en-US" sz="1400" dirty="0" smtClean="0">
-                    <a:solidFill>
-                      <a:schemeClr val="bg1">
-                        <a:lumMod val="50000"/>
-                      </a:schemeClr>
-                    </a:solidFill>
-                  </a:rPr>
-                  <a:t>XYZ Shipping</a:t>
-                </a:r>
-                <a:endParaRPr lang="en-US" sz="1400" dirty="0">
-                  <a:solidFill>
-                    <a:schemeClr val="bg1">
-                      <a:lumMod val="50000"/>
-                    </a:schemeClr>
-                  </a:solidFill>
-                </a:endParaRPr>
-              </a:p>
-            </p:txBody>
-          </p:sp>
-        </p:grpSp>
-        <p:grpSp>
-          <p:nvGrpSpPr>
-            <p:cNvPr id="74" name="Group 73"/>
-            <p:cNvGrpSpPr/>
-            <p:nvPr/>
-          </p:nvGrpSpPr>
-          <p:grpSpPr>
-            <a:xfrm>
-              <a:off x="8916884" y="259972"/>
-              <a:ext cx="1130438" cy="1191430"/>
-              <a:chOff x="9150595" y="581099"/>
-              <a:chExt cx="1130438" cy="1191430"/>
-            </a:xfrm>
-          </p:grpSpPr>
-          <p:sp>
-            <p:nvSpPr>
-              <p:cNvPr id="19" name="Predefined Process 18"/>
-              <p:cNvSpPr/>
-              <p:nvPr/>
-            </p:nvSpPr>
-            <p:spPr>
-              <a:xfrm>
-                <a:off x="9416876" y="1104320"/>
-                <a:ext cx="597875" cy="668209"/>
-              </a:xfrm>
-              <a:prstGeom prst="flowChartPredefinedProcess">
-                <a:avLst/>
-              </a:prstGeom>
-              <a:solidFill>
-                <a:schemeClr val="accent4">
-                  <a:lumMod val="75000"/>
-                </a:schemeClr>
-              </a:solidFill>
-              <a:ln>
-                <a:solidFill>
-                  <a:schemeClr val="bg1">
-                    <a:lumMod val="95000"/>
-                  </a:schemeClr>
-                </a:solidFill>
-              </a:ln>
-            </p:spPr>
-            <p:style>
-              <a:lnRef idx="2">
-                <a:schemeClr val="accent1">
-                  <a:shade val="50000"/>
-                </a:schemeClr>
-              </a:lnRef>
-              <a:fillRef idx="1">
-                <a:schemeClr val="accent1"/>
-              </a:fillRef>
-              <a:effectRef idx="0">
-                <a:schemeClr val="accent1"/>
-              </a:effectRef>
-              <a:fontRef idx="minor">
-                <a:schemeClr val="lt1"/>
-              </a:fontRef>
-            </p:style>
-            <p:txBody>
-              <a:bodyPr rtlCol="0" anchor="ctr"/>
-              <a:lstStyle/>
-              <a:p>
-                <a:pPr algn="ctr"/>
-                <a:endParaRPr lang="en-US">
-                  <a:solidFill>
-                    <a:schemeClr val="tx1"/>
-                  </a:solidFill>
-                </a:endParaRPr>
-              </a:p>
-            </p:txBody>
-          </p:sp>
-          <p:sp>
-            <p:nvSpPr>
-              <p:cNvPr id="23" name="TextBox 22"/>
-              <p:cNvSpPr txBox="1"/>
-              <p:nvPr/>
-            </p:nvSpPr>
-            <p:spPr>
-              <a:xfrm>
-                <a:off x="9150595" y="581099"/>
-                <a:ext cx="1130438" cy="523220"/>
-              </a:xfrm>
-              <a:prstGeom prst="rect">
-                <a:avLst/>
-              </a:prstGeom>
-              <a:noFill/>
-              <a:ln>
-                <a:noFill/>
-              </a:ln>
-            </p:spPr>
-            <p:txBody>
-              <a:bodyPr wrap="none" rtlCol="0">
-                <a:spAutoFit/>
-              </a:bodyPr>
-              <a:lstStyle/>
-              <a:p>
-                <a:pPr algn="ctr"/>
-                <a:r>
-                  <a:rPr lang="en-US" sz="1400" dirty="0" smtClean="0"/>
-                  <a:t>REST</a:t>
-                </a:r>
-              </a:p>
-              <a:p>
-                <a:pPr algn="ctr"/>
-                <a:r>
-                  <a:rPr lang="en-US" sz="1400" dirty="0" smtClean="0">
-                    <a:solidFill>
-                      <a:schemeClr val="accent4">
-                        <a:lumMod val="75000"/>
-                      </a:schemeClr>
-                    </a:solidFill>
-                  </a:rPr>
-                  <a:t>CEK Shipping</a:t>
-                </a:r>
-                <a:endParaRPr lang="en-US" sz="1400" dirty="0">
-                  <a:solidFill>
-                    <a:schemeClr val="accent4">
-                      <a:lumMod val="75000"/>
-                    </a:schemeClr>
-                  </a:solidFill>
-                </a:endParaRPr>
-              </a:p>
-            </p:txBody>
-          </p:sp>
-        </p:grpSp>
-        <p:grpSp>
-          <p:nvGrpSpPr>
-            <p:cNvPr id="75" name="Group 74"/>
-            <p:cNvGrpSpPr/>
-            <p:nvPr/>
-          </p:nvGrpSpPr>
-          <p:grpSpPr>
-            <a:xfrm>
-              <a:off x="10195133" y="259972"/>
-              <a:ext cx="1148969" cy="1191430"/>
-              <a:chOff x="10621366" y="581099"/>
-              <a:chExt cx="1148969" cy="1191430"/>
-            </a:xfrm>
-          </p:grpSpPr>
-          <p:sp>
-            <p:nvSpPr>
-              <p:cNvPr id="20" name="Predefined Process 19"/>
-              <p:cNvSpPr/>
-              <p:nvPr/>
-            </p:nvSpPr>
-            <p:spPr>
-              <a:xfrm>
-                <a:off x="10896915" y="1104320"/>
-                <a:ext cx="597875" cy="668209"/>
-              </a:xfrm>
-              <a:prstGeom prst="flowChartPredefinedProcess">
-                <a:avLst/>
-              </a:prstGeom>
-              <a:solidFill>
-                <a:schemeClr val="accent1"/>
-              </a:solidFill>
-              <a:ln>
-                <a:solidFill>
-                  <a:schemeClr val="bg1">
-                    <a:lumMod val="95000"/>
-                  </a:schemeClr>
-                </a:solidFill>
-              </a:ln>
-            </p:spPr>
-            <p:style>
-              <a:lnRef idx="2">
-                <a:schemeClr val="accent1">
-                  <a:shade val="50000"/>
-                </a:schemeClr>
-              </a:lnRef>
-              <a:fillRef idx="1">
-                <a:schemeClr val="accent1"/>
-              </a:fillRef>
-              <a:effectRef idx="0">
-                <a:schemeClr val="accent1"/>
-              </a:effectRef>
-              <a:fontRef idx="minor">
-                <a:schemeClr val="lt1"/>
-              </a:fontRef>
-            </p:style>
-            <p:txBody>
-              <a:bodyPr rtlCol="0" anchor="ctr"/>
-              <a:lstStyle/>
-              <a:p>
-                <a:pPr algn="ctr"/>
-                <a:endParaRPr lang="en-US">
-                  <a:solidFill>
-                    <a:schemeClr val="tx1"/>
-                  </a:solidFill>
-                </a:endParaRPr>
-              </a:p>
-            </p:txBody>
-          </p:sp>
-          <p:sp>
-            <p:nvSpPr>
-              <p:cNvPr id="24" name="TextBox 23"/>
-              <p:cNvSpPr txBox="1"/>
-              <p:nvPr/>
-            </p:nvSpPr>
-            <p:spPr>
-              <a:xfrm>
-                <a:off x="10621366" y="581099"/>
-                <a:ext cx="1148969" cy="523220"/>
-              </a:xfrm>
-              <a:prstGeom prst="rect">
-                <a:avLst/>
-              </a:prstGeom>
-              <a:noFill/>
-              <a:ln>
-                <a:noFill/>
-              </a:ln>
-            </p:spPr>
-            <p:txBody>
-              <a:bodyPr wrap="none" rtlCol="0">
-                <a:spAutoFit/>
-              </a:bodyPr>
-              <a:lstStyle/>
-              <a:p>
-                <a:pPr algn="ctr"/>
-                <a:r>
-                  <a:rPr lang="en-US" sz="1400" dirty="0" smtClean="0"/>
-                  <a:t>REST</a:t>
-                </a:r>
-              </a:p>
-              <a:p>
-                <a:pPr algn="ctr"/>
-                <a:r>
-                  <a:rPr lang="en-US" sz="1400" dirty="0" smtClean="0">
-                    <a:solidFill>
-                      <a:schemeClr val="accent1">
-                        <a:lumMod val="75000"/>
-                      </a:schemeClr>
-                    </a:solidFill>
-                  </a:rPr>
-                  <a:t>G</a:t>
-                </a:r>
-                <a:r>
-                  <a:rPr lang="en-US" sz="1400" dirty="0" smtClean="0">
-                    <a:solidFill>
-                      <a:srgbClr val="FF0000"/>
-                    </a:solidFill>
-                  </a:rPr>
-                  <a:t>o</a:t>
-                </a:r>
-                <a:r>
-                  <a:rPr lang="en-US" sz="1400" dirty="0" smtClean="0">
-                    <a:solidFill>
-                      <a:schemeClr val="accent2"/>
-                    </a:solidFill>
-                  </a:rPr>
-                  <a:t>o</a:t>
-                </a:r>
-                <a:r>
-                  <a:rPr lang="en-US" sz="1400" dirty="0" smtClean="0">
-                    <a:solidFill>
-                      <a:schemeClr val="accent1">
-                        <a:lumMod val="75000"/>
-                      </a:schemeClr>
-                    </a:solidFill>
-                  </a:rPr>
-                  <a:t>g</a:t>
-                </a:r>
-                <a:r>
-                  <a:rPr lang="en-US" sz="1400" dirty="0" smtClean="0">
-                    <a:solidFill>
-                      <a:srgbClr val="00B050"/>
-                    </a:solidFill>
-                  </a:rPr>
-                  <a:t>l</a:t>
-                </a:r>
-                <a:r>
-                  <a:rPr lang="en-US" sz="1400" dirty="0" smtClean="0">
-                    <a:solidFill>
-                      <a:srgbClr val="FF0000"/>
-                    </a:solidFill>
-                  </a:rPr>
-                  <a:t>e</a:t>
-                </a:r>
-                <a:r>
-                  <a:rPr lang="en-US" sz="1400" dirty="0" smtClean="0">
-                    <a:solidFill>
-                      <a:schemeClr val="accent1">
-                        <a:lumMod val="75000"/>
-                      </a:schemeClr>
-                    </a:solidFill>
-                  </a:rPr>
-                  <a:t> Maps</a:t>
-                </a:r>
-                <a:endParaRPr lang="en-US" sz="1400" dirty="0">
-                  <a:solidFill>
-                    <a:schemeClr val="accent1">
-                      <a:lumMod val="75000"/>
-                    </a:schemeClr>
-                  </a:solidFill>
-                </a:endParaRPr>
-              </a:p>
-            </p:txBody>
-          </p:sp>
-        </p:grpSp>
-      </p:grpSp>
-      <p:grpSp>
-        <p:nvGrpSpPr>
-          <p:cNvPr id="69" name="Group 68"/>
-          <p:cNvGrpSpPr/>
-          <p:nvPr/>
-        </p:nvGrpSpPr>
-        <p:grpSpPr>
-          <a:xfrm>
-            <a:off x="8232602" y="2901760"/>
-            <a:ext cx="3117043" cy="1782007"/>
-            <a:chOff x="8232602" y="2988848"/>
-            <a:chExt cx="3117043" cy="1782007"/>
-          </a:xfrm>
-        </p:grpSpPr>
-        <p:grpSp>
-          <p:nvGrpSpPr>
-            <p:cNvPr id="57" name="Group 56"/>
-            <p:cNvGrpSpPr/>
-            <p:nvPr/>
-          </p:nvGrpSpPr>
-          <p:grpSpPr>
-            <a:xfrm>
-              <a:off x="8232602" y="2988848"/>
-              <a:ext cx="3117043" cy="1782007"/>
-              <a:chOff x="8926701" y="3175933"/>
-              <a:chExt cx="3117043" cy="1782007"/>
-            </a:xfrm>
-          </p:grpSpPr>
-          <p:grpSp>
-            <p:nvGrpSpPr>
-              <p:cNvPr id="33" name="Group 32"/>
-              <p:cNvGrpSpPr/>
-              <p:nvPr/>
-            </p:nvGrpSpPr>
-            <p:grpSpPr>
-              <a:xfrm>
-                <a:off x="9432450" y="3178765"/>
-                <a:ext cx="1872761" cy="1779174"/>
-                <a:chOff x="4791808" y="3082972"/>
-                <a:chExt cx="1482975" cy="1535833"/>
-              </a:xfrm>
-            </p:grpSpPr>
-            <p:sp>
-              <p:nvSpPr>
-                <p:cNvPr id="32" name="Rounded Rectangle 31"/>
-                <p:cNvSpPr/>
-                <p:nvPr/>
-              </p:nvSpPr>
-              <p:spPr>
-                <a:xfrm>
-                  <a:off x="4911976" y="3211932"/>
-                  <a:ext cx="1362807" cy="1406873"/>
-                </a:xfrm>
-                <a:prstGeom prst="roundRect">
-                  <a:avLst/>
-                </a:prstGeom>
-                <a:solidFill>
-                  <a:schemeClr val="bg1"/>
-                </a:solidFill>
-              </p:spPr>
-              <p:style>
-                <a:lnRef idx="2">
-                  <a:schemeClr val="accent1">
-                    <a:shade val="50000"/>
-                  </a:schemeClr>
-                </a:lnRef>
-                <a:fillRef idx="1">
-                  <a:schemeClr val="accent1"/>
-                </a:fillRef>
-                <a:effectRef idx="0">
-                  <a:schemeClr val="accent1"/>
-                </a:effectRef>
-                <a:fontRef idx="minor">
-                  <a:schemeClr val="lt1"/>
-                </a:fontRef>
-              </p:style>
-              <p:txBody>
-                <a:bodyPr rtlCol="0" anchor="ctr"/>
-                <a:lstStyle/>
-                <a:p>
-                  <a:pPr algn="ctr"/>
-                  <a:endParaRPr lang="en-US"/>
-                </a:p>
-              </p:txBody>
-            </p:sp>
-            <p:sp>
-              <p:nvSpPr>
-                <p:cNvPr id="31" name="Rounded Rectangle 30"/>
-                <p:cNvSpPr/>
-                <p:nvPr/>
-              </p:nvSpPr>
-              <p:spPr>
-                <a:xfrm>
-                  <a:off x="4856288" y="3147452"/>
-                  <a:ext cx="1362807" cy="1406873"/>
-                </a:xfrm>
-                <a:prstGeom prst="roundRect">
-                  <a:avLst/>
-                </a:prstGeom>
-                <a:solidFill>
-                  <a:schemeClr val="bg1"/>
-                </a:solidFill>
-              </p:spPr>
-              <p:style>
-                <a:lnRef idx="2">
-                  <a:schemeClr val="accent1">
-                    <a:shade val="50000"/>
-                  </a:schemeClr>
-                </a:lnRef>
-                <a:fillRef idx="1">
-                  <a:schemeClr val="accent1"/>
-                </a:fillRef>
-                <a:effectRef idx="0">
-                  <a:schemeClr val="accent1"/>
-                </a:effectRef>
-                <a:fontRef idx="minor">
-                  <a:schemeClr val="lt1"/>
-                </a:fontRef>
-              </p:style>
-              <p:txBody>
-                <a:bodyPr rtlCol="0" anchor="ctr"/>
-                <a:lstStyle/>
-                <a:p>
-                  <a:pPr algn="ctr"/>
-                  <a:endParaRPr lang="en-US"/>
-                </a:p>
-              </p:txBody>
-            </p:sp>
-            <p:sp>
-              <p:nvSpPr>
-                <p:cNvPr id="27" name="Rounded Rectangle 26"/>
-                <p:cNvSpPr/>
-                <p:nvPr/>
-              </p:nvSpPr>
-              <p:spPr>
-                <a:xfrm>
-                  <a:off x="4791808" y="3082972"/>
-                  <a:ext cx="1362807" cy="1406873"/>
-                </a:xfrm>
-                <a:prstGeom prst="roundRect">
-                  <a:avLst/>
-                </a:prstGeom>
-                <a:solidFill>
-                  <a:schemeClr val="bg1"/>
-                </a:solidFill>
-              </p:spPr>
-              <p:style>
-                <a:lnRef idx="2">
-                  <a:schemeClr val="accent1">
-                    <a:shade val="50000"/>
-                  </a:schemeClr>
-                </a:lnRef>
-                <a:fillRef idx="1">
-                  <a:schemeClr val="accent1"/>
-                </a:fillRef>
-                <a:effectRef idx="0">
-                  <a:schemeClr val="accent1"/>
-                </a:effectRef>
-                <a:fontRef idx="minor">
-                  <a:schemeClr val="lt1"/>
-                </a:fontRef>
-              </p:style>
-              <p:txBody>
-                <a:bodyPr rtlCol="0" anchor="ctr"/>
-                <a:lstStyle/>
-                <a:p>
-                  <a:pPr algn="ctr"/>
-                  <a:endParaRPr lang="en-US"/>
-                </a:p>
-              </p:txBody>
-            </p:sp>
-          </p:grpSp>
-          <p:grpSp>
-            <p:nvGrpSpPr>
-              <p:cNvPr id="37" name="Group 36"/>
-              <p:cNvGrpSpPr/>
-              <p:nvPr/>
-            </p:nvGrpSpPr>
-            <p:grpSpPr>
-              <a:xfrm rot="16200000">
-                <a:off x="10818637" y="3732832"/>
-                <a:ext cx="1782006" cy="668209"/>
-                <a:chOff x="3620910" y="4840183"/>
-                <a:chExt cx="1872761" cy="668209"/>
-              </a:xfrm>
-            </p:grpSpPr>
-            <p:sp>
-              <p:nvSpPr>
-                <p:cNvPr id="34" name="Alternate Process 33"/>
-                <p:cNvSpPr/>
-                <p:nvPr/>
-              </p:nvSpPr>
-              <p:spPr>
-                <a:xfrm>
-                  <a:off x="3620910" y="4840183"/>
-                  <a:ext cx="1872761" cy="668209"/>
-                </a:xfrm>
-                <a:prstGeom prst="flowChartAlternateProcess">
-                  <a:avLst/>
-                </a:prstGeom>
-                <a:solidFill>
-                  <a:schemeClr val="bg1"/>
-                </a:solidFill>
-              </p:spPr>
-              <p:style>
-                <a:lnRef idx="2">
-                  <a:schemeClr val="accent1">
-                    <a:shade val="50000"/>
-                  </a:schemeClr>
-                </a:lnRef>
-                <a:fillRef idx="1">
-                  <a:schemeClr val="accent1"/>
-                </a:fillRef>
-                <a:effectRef idx="0">
-                  <a:schemeClr val="accent1"/>
-                </a:effectRef>
-                <a:fontRef idx="minor">
-                  <a:schemeClr val="lt1"/>
-                </a:fontRef>
-              </p:style>
-              <p:txBody>
-                <a:bodyPr rtlCol="0" anchor="ctr"/>
-                <a:lstStyle/>
-                <a:p>
-                  <a:pPr algn="ctr"/>
-                  <a:endParaRPr lang="en-US"/>
-                </a:p>
-              </p:txBody>
-            </p:sp>
-            <p:sp>
-              <p:nvSpPr>
-                <p:cNvPr id="35" name="TextBox 34"/>
-                <p:cNvSpPr txBox="1"/>
-                <p:nvPr/>
-              </p:nvSpPr>
-              <p:spPr>
-                <a:xfrm>
-                  <a:off x="3620910" y="4912677"/>
-                  <a:ext cx="1872761" cy="523220"/>
-                </a:xfrm>
-                <a:prstGeom prst="rect">
-                  <a:avLst/>
-                </a:prstGeom>
-                <a:noFill/>
-              </p:spPr>
-              <p:txBody>
-                <a:bodyPr wrap="square" rtlCol="0">
-                  <a:spAutoFit/>
-                </a:bodyPr>
-                <a:lstStyle/>
-                <a:p>
-                  <a:pPr algn="ctr"/>
-                  <a:r>
-                    <a:rPr lang="en-US" sz="1400" dirty="0" smtClean="0"/>
-                    <a:t>WAS Liberty</a:t>
-                  </a:r>
-                </a:p>
-                <a:p>
-                  <a:pPr algn="ctr"/>
-                  <a:r>
-                    <a:rPr lang="en-US" sz="1400" dirty="0" smtClean="0">
-                      <a:solidFill>
-                        <a:srgbClr val="C00000"/>
-                      </a:solidFill>
-                    </a:rPr>
-                    <a:t>Collective Controller</a:t>
-                  </a:r>
-                  <a:endParaRPr lang="en-US" sz="1400" dirty="0">
-                    <a:solidFill>
-                      <a:srgbClr val="C00000"/>
-                    </a:solidFill>
-                  </a:endParaRPr>
-                </a:p>
-              </p:txBody>
-            </p:sp>
-          </p:grpSp>
-          <p:sp>
-            <p:nvSpPr>
-              <p:cNvPr id="46" name="Alternate Process 45"/>
-              <p:cNvSpPr/>
-              <p:nvPr/>
-            </p:nvSpPr>
-            <p:spPr>
-              <a:xfrm rot="16200000">
-                <a:off x="8259117" y="3843517"/>
-                <a:ext cx="1782006" cy="446838"/>
-              </a:xfrm>
-              <a:prstGeom prst="flowChartAlternateProcess">
-                <a:avLst/>
-              </a:prstGeom>
-              <a:solidFill>
-                <a:schemeClr val="bg1"/>
-              </a:solidFill>
-              <a:ln>
-                <a:solidFill>
-                  <a:schemeClr val="bg1">
-                    <a:lumMod val="75000"/>
-                  </a:schemeClr>
-                </a:solidFill>
-              </a:ln>
-            </p:spPr>
-            <p:style>
-              <a:lnRef idx="2">
-                <a:schemeClr val="accent1">
-                  <a:shade val="50000"/>
-                </a:schemeClr>
-              </a:lnRef>
-              <a:fillRef idx="1">
-                <a:schemeClr val="accent1"/>
-              </a:fillRef>
-              <a:effectRef idx="0">
-                <a:schemeClr val="accent1"/>
-              </a:effectRef>
-              <a:fontRef idx="minor">
-                <a:schemeClr val="lt1"/>
-              </a:fontRef>
-            </p:style>
-            <p:txBody>
-              <a:bodyPr rtlCol="0" anchor="ctr"/>
-              <a:lstStyle/>
-              <a:p>
-                <a:pPr algn="ctr"/>
-                <a:r>
-                  <a:rPr lang="en-US" sz="1400" dirty="0" smtClean="0">
-                    <a:solidFill>
-                      <a:schemeClr val="bg1">
-                        <a:lumMod val="75000"/>
-                      </a:schemeClr>
-                    </a:solidFill>
-                  </a:rPr>
-                  <a:t>IBM HTTP Server</a:t>
-                </a:r>
-                <a:endParaRPr lang="en-US" sz="1400" dirty="0">
-                  <a:solidFill>
-                    <a:schemeClr val="bg1">
-                      <a:lumMod val="75000"/>
-                    </a:schemeClr>
-                  </a:solidFill>
-                </a:endParaRPr>
-              </a:p>
-            </p:txBody>
-          </p:sp>
-        </p:grpSp>
-        <p:sp>
-          <p:nvSpPr>
-            <p:cNvPr id="28" name="TextBox 27"/>
-            <p:cNvSpPr txBox="1"/>
-            <p:nvPr/>
-          </p:nvSpPr>
-          <p:spPr>
-            <a:xfrm>
-              <a:off x="8822244" y="3065935"/>
-              <a:ext cx="1637115" cy="523220"/>
-            </a:xfrm>
-            <a:prstGeom prst="rect">
-              <a:avLst/>
-            </a:prstGeom>
-            <a:noFill/>
-          </p:spPr>
-          <p:txBody>
-            <a:bodyPr wrap="none" rtlCol="0">
-              <a:spAutoFit/>
-            </a:bodyPr>
-            <a:lstStyle/>
-            <a:p>
-              <a:pPr algn="ctr"/>
-              <a:r>
-                <a:rPr lang="en-US" sz="1400" dirty="0" smtClean="0"/>
-                <a:t>WAS Liberty</a:t>
-              </a:r>
-            </a:p>
-            <a:p>
-              <a:pPr algn="ctr"/>
-              <a:r>
-                <a:rPr lang="en-US" sz="1400" dirty="0" smtClean="0">
-                  <a:solidFill>
-                    <a:srgbClr val="C00000"/>
-                  </a:solidFill>
-                </a:rPr>
-                <a:t>Collective Members</a:t>
-              </a:r>
-              <a:endParaRPr lang="en-US" sz="1400" dirty="0">
-                <a:solidFill>
-                  <a:srgbClr val="C00000"/>
-                </a:solidFill>
-              </a:endParaRPr>
-            </a:p>
-          </p:txBody>
-        </p:sp>
-      </p:grpSp>
-      <p:grpSp>
-        <p:nvGrpSpPr>
-          <p:cNvPr id="49" name="Group 48"/>
-          <p:cNvGrpSpPr/>
-          <p:nvPr/>
-        </p:nvGrpSpPr>
-        <p:grpSpPr>
-          <a:xfrm>
-            <a:off x="9192752" y="3474521"/>
-            <a:ext cx="882998" cy="975986"/>
-            <a:chOff x="1092757" y="2034374"/>
-            <a:chExt cx="882998" cy="975986"/>
-          </a:xfrm>
-        </p:grpSpPr>
-        <p:sp>
-          <p:nvSpPr>
-            <p:cNvPr id="25" name="Predefined Process 24"/>
-            <p:cNvSpPr/>
-            <p:nvPr/>
-          </p:nvSpPr>
-          <p:spPr>
-            <a:xfrm>
-              <a:off x="1235319" y="2342151"/>
-              <a:ext cx="597875" cy="668209"/>
-            </a:xfrm>
-            <a:prstGeom prst="flowChartPredefinedProcess">
-              <a:avLst/>
-            </a:prstGeom>
-            <a:solidFill>
-              <a:schemeClr val="accent6">
-                <a:lumMod val="60000"/>
-                <a:lumOff val="40000"/>
-              </a:schemeClr>
-            </a:solidFill>
-            <a:ln>
-              <a:solidFill>
-                <a:schemeClr val="tx1"/>
-              </a:solidFill>
-            </a:ln>
-          </p:spPr>
-          <p:style>
-            <a:lnRef idx="2">
-              <a:schemeClr val="accent1">
-                <a:shade val="50000"/>
-              </a:schemeClr>
-            </a:lnRef>
-            <a:fillRef idx="1">
-              <a:schemeClr val="accent1"/>
-            </a:fillRef>
-            <a:effectRef idx="0">
-              <a:schemeClr val="accent1"/>
-            </a:effectRef>
-            <a:fontRef idx="minor">
-              <a:schemeClr val="lt1"/>
-            </a:fontRef>
-          </p:style>
-          <p:txBody>
-            <a:bodyPr rtlCol="0" anchor="ctr"/>
-            <a:lstStyle/>
-            <a:p>
-              <a:pPr algn="ctr"/>
-              <a:endParaRPr lang="en-US">
-                <a:solidFill>
-                  <a:schemeClr val="tx1"/>
-                </a:solidFill>
-              </a:endParaRPr>
-            </a:p>
-          </p:txBody>
-        </p:sp>
-        <p:sp>
-          <p:nvSpPr>
-            <p:cNvPr id="26" name="TextBox 25"/>
-            <p:cNvSpPr txBox="1"/>
-            <p:nvPr/>
-          </p:nvSpPr>
-          <p:spPr>
-            <a:xfrm>
-              <a:off x="1092757" y="2034374"/>
-              <a:ext cx="882998" cy="307777"/>
-            </a:xfrm>
-            <a:prstGeom prst="rect">
-              <a:avLst/>
-            </a:prstGeom>
-            <a:noFill/>
-          </p:spPr>
-          <p:txBody>
-            <a:bodyPr wrap="none" rtlCol="0">
-              <a:spAutoFit/>
-            </a:bodyPr>
-            <a:lstStyle/>
-            <a:p>
-              <a:pPr algn="ctr"/>
-              <a:r>
-                <a:rPr lang="en-US" sz="1400" dirty="0" smtClean="0">
-                  <a:solidFill>
-                    <a:schemeClr val="accent6"/>
-                  </a:solidFill>
-                </a:rPr>
-                <a:t>Inventory</a:t>
-              </a:r>
-              <a:endParaRPr lang="en-US" sz="1400" dirty="0">
-                <a:solidFill>
-                  <a:schemeClr val="accent6"/>
-                </a:solidFill>
-              </a:endParaRPr>
-            </a:p>
-          </p:txBody>
-        </p:sp>
-      </p:grpSp>
-      <p:sp>
-        <p:nvSpPr>
-          <p:cNvPr id="54" name="Octagon 53"/>
-          <p:cNvSpPr/>
-          <p:nvPr/>
-        </p:nvSpPr>
-        <p:spPr>
-          <a:xfrm rot="16200000">
-            <a:off x="931553" y="4313581"/>
-            <a:ext cx="4325589" cy="475817"/>
-          </a:xfrm>
-          <a:prstGeom prst="octagon">
-            <a:avLst/>
-          </a:prstGeom>
-          <a:solidFill>
-            <a:schemeClr val="bg1"/>
-          </a:solidFill>
-          <a:ln>
-            <a:solidFill>
-              <a:srgbClr val="FF0000"/>
-            </a:solidFill>
-          </a:ln>
-        </p:spPr>
-        <p:style>
-          <a:lnRef idx="2">
-            <a:schemeClr val="accent1">
-              <a:shade val="50000"/>
-            </a:schemeClr>
-          </a:lnRef>
-          <a:fillRef idx="1">
-            <a:schemeClr val="accent1"/>
-          </a:fillRef>
-          <a:effectRef idx="0">
-            <a:schemeClr val="accent1"/>
-          </a:effectRef>
-          <a:fontRef idx="minor">
-            <a:schemeClr val="lt1"/>
-          </a:fontRef>
-        </p:style>
-        <p:txBody>
-          <a:bodyPr rtlCol="0" anchor="ctr"/>
-          <a:lstStyle/>
-          <a:p>
-            <a:pPr algn="ctr"/>
-            <a:r>
-              <a:rPr lang="en-US" sz="1400" b="1" dirty="0" smtClean="0">
-                <a:solidFill>
-                  <a:srgbClr val="FF0000"/>
-                </a:solidFill>
-              </a:rPr>
-              <a:t>API Gateway</a:t>
-            </a:r>
-            <a:endParaRPr lang="en-US" sz="1400" b="1" dirty="0">
-              <a:solidFill>
-                <a:srgbClr val="FF0000"/>
-              </a:solidFill>
-            </a:endParaRPr>
-          </a:p>
-        </p:txBody>
-      </p:sp>
-      <p:grpSp>
-        <p:nvGrpSpPr>
-          <p:cNvPr id="67" name="Group 66"/>
-          <p:cNvGrpSpPr/>
-          <p:nvPr/>
-        </p:nvGrpSpPr>
-        <p:grpSpPr>
-          <a:xfrm>
-            <a:off x="7792418" y="5427701"/>
-            <a:ext cx="880369" cy="1195412"/>
-            <a:chOff x="7043008" y="4744540"/>
-            <a:chExt cx="880369" cy="1195412"/>
-          </a:xfrm>
-        </p:grpSpPr>
-        <p:sp>
-          <p:nvSpPr>
-            <p:cNvPr id="64" name="Predefined Process 63"/>
-            <p:cNvSpPr/>
-            <p:nvPr/>
-          </p:nvSpPr>
-          <p:spPr>
-            <a:xfrm>
-              <a:off x="7184256" y="4744540"/>
-              <a:ext cx="597875" cy="668209"/>
-            </a:xfrm>
-            <a:prstGeom prst="flowChartPredefinedProcess">
-              <a:avLst/>
-            </a:prstGeom>
-            <a:solidFill>
-              <a:schemeClr val="accent2"/>
-            </a:solidFill>
-            <a:ln>
-              <a:solidFill>
-                <a:schemeClr val="bg1">
-                  <a:lumMod val="95000"/>
-                </a:schemeClr>
-              </a:solidFill>
-            </a:ln>
-          </p:spPr>
-          <p:style>
-            <a:lnRef idx="2">
-              <a:schemeClr val="accent1">
-                <a:shade val="50000"/>
-              </a:schemeClr>
-            </a:lnRef>
-            <a:fillRef idx="1">
-              <a:schemeClr val="accent1"/>
-            </a:fillRef>
-            <a:effectRef idx="0">
-              <a:schemeClr val="accent1"/>
-            </a:effectRef>
-            <a:fontRef idx="minor">
-              <a:schemeClr val="lt1"/>
-            </a:fontRef>
-          </p:style>
-          <p:txBody>
-            <a:bodyPr rtlCol="0" anchor="ctr"/>
-            <a:lstStyle/>
-            <a:p>
-              <a:pPr algn="ctr"/>
-              <a:endParaRPr lang="en-US">
-                <a:solidFill>
-                  <a:schemeClr val="tx1"/>
-                </a:solidFill>
-              </a:endParaRPr>
-            </a:p>
-          </p:txBody>
-        </p:sp>
-        <p:sp>
-          <p:nvSpPr>
-            <p:cNvPr id="65" name="TextBox 64"/>
-            <p:cNvSpPr txBox="1"/>
-            <p:nvPr/>
-          </p:nvSpPr>
-          <p:spPr>
-            <a:xfrm>
-              <a:off x="7043008" y="5416732"/>
-              <a:ext cx="880369" cy="523220"/>
-            </a:xfrm>
-            <a:prstGeom prst="rect">
-              <a:avLst/>
-            </a:prstGeom>
-            <a:noFill/>
-          </p:spPr>
-          <p:txBody>
-            <a:bodyPr wrap="none" rtlCol="0">
-              <a:spAutoFit/>
-            </a:bodyPr>
-            <a:lstStyle/>
-            <a:p>
-              <a:pPr algn="ctr"/>
-              <a:r>
-                <a:rPr lang="en-US" sz="1400" dirty="0" smtClean="0">
-                  <a:solidFill>
-                    <a:schemeClr val="accent2"/>
-                  </a:solidFill>
-                </a:rPr>
-                <a:t>Financing</a:t>
-              </a:r>
-            </a:p>
-            <a:p>
-              <a:pPr algn="ctr"/>
-              <a:r>
-                <a:rPr lang="en-US" sz="1400" dirty="0" smtClean="0"/>
-                <a:t>SOAP</a:t>
-              </a:r>
-              <a:endParaRPr lang="en-US" sz="1400" dirty="0">
-                <a:solidFill>
-                  <a:schemeClr val="accent2"/>
-                </a:solidFill>
-              </a:endParaRPr>
-            </a:p>
-          </p:txBody>
-        </p:sp>
-      </p:grpSp>
-      <p:sp>
-        <p:nvSpPr>
-          <p:cNvPr id="80" name="Octagon 79"/>
-          <p:cNvSpPr/>
-          <p:nvPr/>
-        </p:nvSpPr>
-        <p:spPr>
-          <a:xfrm rot="16200000">
-            <a:off x="2051556" y="967316"/>
-            <a:ext cx="2085588" cy="475817"/>
-          </a:xfrm>
-          <a:prstGeom prst="octagon">
-            <a:avLst/>
-          </a:prstGeom>
-          <a:solidFill>
-            <a:schemeClr val="bg1"/>
-          </a:solidFill>
-          <a:ln>
-            <a:solidFill>
-              <a:srgbClr val="FF0000"/>
-            </a:solidFill>
-          </a:ln>
-        </p:spPr>
-        <p:style>
-          <a:lnRef idx="2">
-            <a:schemeClr val="accent1">
-              <a:shade val="50000"/>
-            </a:schemeClr>
-          </a:lnRef>
-          <a:fillRef idx="1">
-            <a:schemeClr val="accent1"/>
-          </a:fillRef>
-          <a:effectRef idx="0">
-            <a:schemeClr val="accent1"/>
-          </a:effectRef>
-          <a:fontRef idx="minor">
-            <a:schemeClr val="lt1"/>
-          </a:fontRef>
-        </p:style>
-        <p:txBody>
-          <a:bodyPr rtlCol="0" anchor="ctr"/>
-          <a:lstStyle/>
-          <a:p>
-            <a:pPr algn="ctr"/>
-            <a:r>
-              <a:rPr lang="en-US" sz="1400" b="1" smtClean="0">
-                <a:solidFill>
-                  <a:srgbClr val="FF0000"/>
-                </a:solidFill>
-              </a:rPr>
-              <a:t>Developer Portal</a:t>
-            </a:r>
-            <a:endParaRPr lang="en-US" sz="1400" b="1" dirty="0">
-              <a:solidFill>
-                <a:srgbClr val="FF0000"/>
-              </a:solidFill>
-            </a:endParaRPr>
-          </a:p>
-        </p:txBody>
-      </p:sp>
-      <p:sp>
-        <p:nvSpPr>
-          <p:cNvPr id="81" name="Octagon 80"/>
-          <p:cNvSpPr/>
-          <p:nvPr/>
-        </p:nvSpPr>
-        <p:spPr>
-          <a:xfrm>
-            <a:off x="3332256" y="2107342"/>
-            <a:ext cx="1361449" cy="413238"/>
-          </a:xfrm>
-          <a:prstGeom prst="octagon">
-            <a:avLst/>
-          </a:prstGeom>
-          <a:solidFill>
-            <a:schemeClr val="bg1"/>
-          </a:solidFill>
-          <a:ln>
-            <a:solidFill>
-              <a:srgbClr val="FF0000"/>
-            </a:solidFill>
-          </a:ln>
-        </p:spPr>
-        <p:style>
-          <a:lnRef idx="2">
-            <a:schemeClr val="accent1">
-              <a:shade val="50000"/>
-            </a:schemeClr>
-          </a:lnRef>
-          <a:fillRef idx="1">
-            <a:schemeClr val="accent1"/>
-          </a:fillRef>
-          <a:effectRef idx="0">
-            <a:schemeClr val="accent1"/>
-          </a:effectRef>
-          <a:fontRef idx="minor">
-            <a:schemeClr val="lt1"/>
-          </a:fontRef>
-        </p:style>
-        <p:txBody>
-          <a:bodyPr rtlCol="0" anchor="ctr"/>
-          <a:lstStyle/>
-          <a:p>
-            <a:pPr algn="ctr"/>
-            <a:r>
-              <a:rPr lang="en-US" sz="1400" b="1" dirty="0" smtClean="0">
-                <a:solidFill>
-                  <a:srgbClr val="FF0000"/>
-                </a:solidFill>
-              </a:rPr>
-              <a:t>API Manager</a:t>
-            </a:r>
-            <a:endParaRPr lang="en-US" sz="1400" b="1" dirty="0">
-              <a:solidFill>
-                <a:srgbClr val="FF0000"/>
-              </a:solidFill>
-            </a:endParaRPr>
-          </a:p>
-        </p:txBody>
-      </p:sp>
-      <p:grpSp>
-        <p:nvGrpSpPr>
-          <p:cNvPr id="89" name="Group 88"/>
-          <p:cNvGrpSpPr/>
-          <p:nvPr/>
-        </p:nvGrpSpPr>
-        <p:grpSpPr>
-          <a:xfrm>
-            <a:off x="719244" y="2978847"/>
-            <a:ext cx="977127" cy="1438792"/>
-            <a:chOff x="744013" y="1828209"/>
-            <a:chExt cx="977127" cy="1438792"/>
-          </a:xfrm>
-        </p:grpSpPr>
-        <p:pic>
-          <p:nvPicPr>
-            <p:cNvPr id="86" name="Picture 85"/>
-            <p:cNvPicPr>
-              <a:picLocks noChangeAspect="1"/>
-            </p:cNvPicPr>
-            <p:nvPr/>
-          </p:nvPicPr>
-          <p:blipFill>
-            <a:blip r:embed="rId3">
-              <a:extLst>
-                <a:ext uri="{28A0092B-C50C-407E-A947-70E740481C1C}">
-                  <a14:useLocalDpi xmlns:a14="http://schemas.microsoft.com/office/drawing/2010/main" val="0"/>
-                </a:ext>
-              </a:extLst>
-            </a:blip>
-            <a:stretch>
-              <a:fillRect/>
-            </a:stretch>
-          </p:blipFill>
-          <p:spPr>
-            <a:xfrm>
-              <a:off x="744013" y="1828209"/>
-              <a:ext cx="977127" cy="977127"/>
-            </a:xfrm>
-            <a:prstGeom prst="rect">
-              <a:avLst/>
-            </a:prstGeom>
-          </p:spPr>
-        </p:pic>
-        <p:sp>
-          <p:nvSpPr>
-            <p:cNvPr id="88" name="TextBox 87"/>
-            <p:cNvSpPr txBox="1"/>
-            <p:nvPr/>
-          </p:nvSpPr>
-          <p:spPr>
-            <a:xfrm>
-              <a:off x="787293" y="2805336"/>
-              <a:ext cx="890565" cy="461665"/>
-            </a:xfrm>
-            <a:prstGeom prst="rect">
-              <a:avLst/>
-            </a:prstGeom>
-            <a:noFill/>
-          </p:spPr>
-          <p:txBody>
-            <a:bodyPr wrap="none" rtlCol="0">
-              <a:spAutoFit/>
-            </a:bodyPr>
-            <a:lstStyle/>
-            <a:p>
-              <a:pPr algn="ctr"/>
-              <a:r>
-                <a:rPr lang="en-US" sz="1200" dirty="0" smtClean="0"/>
-                <a:t>Consumer</a:t>
-              </a:r>
-            </a:p>
-            <a:p>
-              <a:pPr algn="ctr"/>
-              <a:r>
-                <a:rPr lang="en-US" sz="1200" dirty="0" smtClean="0"/>
-                <a:t>Application</a:t>
-              </a:r>
-              <a:endParaRPr lang="en-US" sz="1200" dirty="0"/>
-            </a:p>
-          </p:txBody>
-        </p:sp>
-      </p:grpSp>
-      <p:cxnSp>
-        <p:nvCxnSpPr>
-          <p:cNvPr id="174" name="Straight Arrow Connector 173"/>
-          <p:cNvCxnSpPr>
-            <a:stCxn id="25" idx="2"/>
-          </p:cNvCxnSpPr>
-          <p:nvPr/>
-        </p:nvCxnSpPr>
-        <p:spPr>
-          <a:xfrm>
-            <a:off x="9634252" y="4450507"/>
-            <a:ext cx="1283218" cy="930186"/>
-          </a:xfrm>
-          <a:prstGeom prst="straightConnector1">
-            <a:avLst/>
-          </a:prstGeom>
-          <a:ln>
-            <a:solidFill>
-              <a:schemeClr val="tx1"/>
-            </a:solidFill>
-            <a:tailEnd type="triangle"/>
-          </a:ln>
-        </p:spPr>
-        <p:style>
-          <a:lnRef idx="1">
-            <a:schemeClr val="accent1"/>
-          </a:lnRef>
-          <a:fillRef idx="0">
-            <a:schemeClr val="accent1"/>
-          </a:fillRef>
-          <a:effectRef idx="0">
-            <a:schemeClr val="accent1"/>
-          </a:effectRef>
-          <a:fontRef idx="minor">
-            <a:schemeClr val="tx1"/>
-          </a:fontRef>
-        </p:style>
-      </p:cxnSp>
-      <p:cxnSp>
-        <p:nvCxnSpPr>
-          <p:cNvPr id="178" name="Straight Arrow Connector 177"/>
-          <p:cNvCxnSpPr>
-            <a:stCxn id="25" idx="2"/>
-          </p:cNvCxnSpPr>
-          <p:nvPr/>
-        </p:nvCxnSpPr>
-        <p:spPr>
-          <a:xfrm>
-            <a:off x="9634252" y="4450507"/>
-            <a:ext cx="206621" cy="942730"/>
-          </a:xfrm>
-          <a:prstGeom prst="straightConnector1">
-            <a:avLst/>
-          </a:prstGeom>
-          <a:ln>
-            <a:solidFill>
-              <a:schemeClr val="tx1"/>
-            </a:solidFill>
-            <a:tailEnd type="triangle"/>
-          </a:ln>
-        </p:spPr>
-        <p:style>
-          <a:lnRef idx="1">
-            <a:schemeClr val="accent1"/>
-          </a:lnRef>
-          <a:fillRef idx="0">
-            <a:schemeClr val="accent1"/>
-          </a:fillRef>
-          <a:effectRef idx="0">
-            <a:schemeClr val="accent1"/>
-          </a:effectRef>
-          <a:fontRef idx="minor">
-            <a:schemeClr val="tx1"/>
-          </a:fontRef>
-        </p:style>
-      </p:cxnSp>
-      <p:grpSp>
-        <p:nvGrpSpPr>
-          <p:cNvPr id="90" name="Group 89"/>
-          <p:cNvGrpSpPr/>
-          <p:nvPr/>
-        </p:nvGrpSpPr>
-        <p:grpSpPr>
-          <a:xfrm>
-            <a:off x="2942537" y="259972"/>
-            <a:ext cx="299051" cy="276519"/>
-            <a:chOff x="4474084" y="3782298"/>
-            <a:chExt cx="1387130" cy="1164529"/>
-          </a:xfrm>
-        </p:grpSpPr>
-        <p:sp>
-          <p:nvSpPr>
-            <p:cNvPr id="92" name="Document 91"/>
-            <p:cNvSpPr/>
-            <p:nvPr/>
-          </p:nvSpPr>
-          <p:spPr>
-            <a:xfrm>
-              <a:off x="4474084" y="3782298"/>
-              <a:ext cx="1387130" cy="1164529"/>
-            </a:xfrm>
-            <a:prstGeom prst="flowChartDocument">
-              <a:avLst/>
-            </a:prstGeom>
-            <a:solidFill>
-              <a:schemeClr val="accent1">
-                <a:lumMod val="20000"/>
-                <a:lumOff val="80000"/>
-              </a:schemeClr>
-            </a:solidFill>
-          </p:spPr>
-          <p:style>
-            <a:lnRef idx="2">
-              <a:schemeClr val="accent1">
-                <a:shade val="50000"/>
-              </a:schemeClr>
-            </a:lnRef>
-            <a:fillRef idx="1">
-              <a:schemeClr val="accent1"/>
-            </a:fillRef>
-            <a:effectRef idx="0">
-              <a:schemeClr val="accent1"/>
-            </a:effectRef>
-            <a:fontRef idx="minor">
-              <a:schemeClr val="lt1"/>
-            </a:fontRef>
-          </p:style>
-          <p:txBody>
-            <a:bodyPr rtlCol="0" anchor="ctr"/>
-            <a:lstStyle/>
-            <a:p>
-              <a:pPr algn="ctr"/>
-              <a:endParaRPr lang="en-US"/>
-            </a:p>
-          </p:txBody>
-        </p:sp>
-        <p:grpSp>
-          <p:nvGrpSpPr>
-            <p:cNvPr id="93" name="Group 92"/>
-            <p:cNvGrpSpPr/>
-            <p:nvPr/>
-          </p:nvGrpSpPr>
-          <p:grpSpPr>
-            <a:xfrm>
-              <a:off x="4570791" y="3887802"/>
-              <a:ext cx="245828" cy="228600"/>
-              <a:chOff x="5761960" y="5320433"/>
-              <a:chExt cx="245828" cy="228600"/>
-            </a:xfrm>
-          </p:grpSpPr>
-          <p:sp>
-            <p:nvSpPr>
-              <p:cNvPr id="102" name="Document 101"/>
-              <p:cNvSpPr/>
-              <p:nvPr/>
-            </p:nvSpPr>
-            <p:spPr>
-              <a:xfrm>
-                <a:off x="5765155" y="5320433"/>
-                <a:ext cx="242633" cy="228600"/>
-              </a:xfrm>
-              <a:prstGeom prst="flowChartDocument">
-                <a:avLst/>
-              </a:prstGeom>
-              <a:solidFill>
-                <a:schemeClr val="accent6">
-                  <a:lumMod val="60000"/>
-                  <a:lumOff val="40000"/>
-                </a:schemeClr>
-              </a:solidFill>
-              <a:ln>
-                <a:noFill/>
-              </a:ln>
-            </p:spPr>
-            <p:style>
-              <a:lnRef idx="2">
-                <a:schemeClr val="accent1">
-                  <a:shade val="50000"/>
-                </a:schemeClr>
-              </a:lnRef>
-              <a:fillRef idx="1">
-                <a:schemeClr val="accent1"/>
-              </a:fillRef>
-              <a:effectRef idx="0">
-                <a:schemeClr val="accent1"/>
-              </a:effectRef>
-              <a:fontRef idx="minor">
-                <a:schemeClr val="lt1"/>
-              </a:fontRef>
-            </p:style>
-            <p:txBody>
-              <a:bodyPr rtlCol="0" anchor="ctr"/>
-              <a:lstStyle/>
-              <a:p>
-                <a:pPr algn="ctr"/>
-                <a:endParaRPr lang="en-US"/>
-              </a:p>
-            </p:txBody>
-          </p:sp>
-          <p:sp>
-            <p:nvSpPr>
-              <p:cNvPr id="103" name="&quot;No&quot; Symbol 102"/>
-              <p:cNvSpPr/>
-              <p:nvPr/>
-            </p:nvSpPr>
-            <p:spPr>
-              <a:xfrm>
-                <a:off x="5761960" y="5320433"/>
-                <a:ext cx="228600" cy="228600"/>
-              </a:xfrm>
-              <a:prstGeom prst="noSmoking">
-                <a:avLst/>
-              </a:prstGeom>
-              <a:solidFill>
-                <a:srgbClr val="FF0000"/>
-              </a:solidFill>
-            </p:spPr>
-            <p:style>
-              <a:lnRef idx="2">
-                <a:schemeClr val="accent1">
-                  <a:shade val="50000"/>
-                </a:schemeClr>
-              </a:lnRef>
-              <a:fillRef idx="1">
-                <a:schemeClr val="accent1"/>
-              </a:fillRef>
-              <a:effectRef idx="0">
-                <a:schemeClr val="accent1"/>
-              </a:effectRef>
-              <a:fontRef idx="minor">
-                <a:schemeClr val="lt1"/>
-              </a:fontRef>
-            </p:style>
-            <p:txBody>
-              <a:bodyPr rtlCol="0" anchor="ctr"/>
-              <a:lstStyle/>
-              <a:p>
-                <a:pPr algn="ctr"/>
-                <a:endParaRPr lang="en-US">
-                  <a:solidFill>
-                    <a:schemeClr val="tx1"/>
-                  </a:solidFill>
-                </a:endParaRPr>
-              </a:p>
-            </p:txBody>
-          </p:sp>
-        </p:grpSp>
-        <p:sp>
-          <p:nvSpPr>
-            <p:cNvPr id="94" name="Document 93"/>
-            <p:cNvSpPr/>
-            <p:nvPr/>
-          </p:nvSpPr>
-          <p:spPr>
-            <a:xfrm>
-              <a:off x="5037113" y="3887802"/>
-              <a:ext cx="242633" cy="228600"/>
-            </a:xfrm>
-            <a:prstGeom prst="flowChartDocument">
-              <a:avLst/>
-            </a:prstGeom>
-            <a:solidFill>
-              <a:schemeClr val="accent2">
-                <a:lumMod val="60000"/>
-                <a:lumOff val="40000"/>
-              </a:schemeClr>
-            </a:solidFill>
-            <a:ln>
-              <a:noFill/>
-            </a:ln>
-          </p:spPr>
-          <p:style>
-            <a:lnRef idx="2">
-              <a:schemeClr val="accent1">
-                <a:shade val="50000"/>
-              </a:schemeClr>
-            </a:lnRef>
-            <a:fillRef idx="1">
-              <a:schemeClr val="accent1"/>
-            </a:fillRef>
-            <a:effectRef idx="0">
-              <a:schemeClr val="accent1"/>
-            </a:effectRef>
-            <a:fontRef idx="minor">
-              <a:schemeClr val="lt1"/>
-            </a:fontRef>
-          </p:style>
-          <p:txBody>
-            <a:bodyPr rtlCol="0" anchor="ctr"/>
-            <a:lstStyle/>
-            <a:p>
-              <a:pPr algn="ctr"/>
-              <a:endParaRPr lang="en-US"/>
-            </a:p>
-          </p:txBody>
-        </p:sp>
-        <p:sp>
-          <p:nvSpPr>
-            <p:cNvPr id="98" name="Document 97"/>
-            <p:cNvSpPr/>
-            <p:nvPr/>
-          </p:nvSpPr>
-          <p:spPr>
-            <a:xfrm>
-              <a:off x="5500240" y="3887802"/>
-              <a:ext cx="242633" cy="228600"/>
-            </a:xfrm>
-            <a:prstGeom prst="flowChartDocument">
-              <a:avLst/>
-            </a:prstGeom>
-            <a:gradFill flip="none" rotWithShape="1">
-              <a:gsLst>
-                <a:gs pos="0">
-                  <a:schemeClr val="bg1">
-                    <a:lumMod val="75000"/>
-                  </a:schemeClr>
-                </a:gs>
-                <a:gs pos="42000">
-                  <a:schemeClr val="accent4">
-                    <a:lumMod val="75000"/>
-                  </a:schemeClr>
-                </a:gs>
-                <a:gs pos="100000">
-                  <a:schemeClr val="accent5"/>
-                </a:gs>
-              </a:gsLst>
-              <a:path path="circle">
-                <a:fillToRect r="100000" b="100000"/>
-              </a:path>
-              <a:tileRect l="-100000" t="-100000"/>
-            </a:gradFill>
-            <a:ln>
-              <a:noFill/>
-            </a:ln>
-          </p:spPr>
-          <p:style>
-            <a:lnRef idx="2">
-              <a:schemeClr val="accent1">
-                <a:shade val="50000"/>
-              </a:schemeClr>
-            </a:lnRef>
-            <a:fillRef idx="1">
-              <a:schemeClr val="accent1"/>
-            </a:fillRef>
-            <a:effectRef idx="0">
-              <a:schemeClr val="accent1"/>
-            </a:effectRef>
-            <a:fontRef idx="minor">
-              <a:schemeClr val="lt1"/>
-            </a:fontRef>
-          </p:style>
-          <p:txBody>
-            <a:bodyPr rtlCol="0" anchor="ctr"/>
-            <a:lstStyle/>
-            <a:p>
-              <a:pPr algn="ctr"/>
-              <a:endParaRPr lang="en-US"/>
-            </a:p>
-          </p:txBody>
-        </p:sp>
-        <p:grpSp>
-          <p:nvGrpSpPr>
-            <p:cNvPr id="99" name="Group 98"/>
-            <p:cNvGrpSpPr/>
-            <p:nvPr/>
-          </p:nvGrpSpPr>
-          <p:grpSpPr>
-            <a:xfrm>
-              <a:off x="4571237" y="4221906"/>
-              <a:ext cx="1171636" cy="420015"/>
-              <a:chOff x="4571237" y="4221906"/>
-              <a:chExt cx="1171636" cy="420015"/>
-            </a:xfrm>
-          </p:grpSpPr>
-          <p:sp>
-            <p:nvSpPr>
-              <p:cNvPr id="100" name="Alternate Process 99"/>
-              <p:cNvSpPr/>
-              <p:nvPr/>
-            </p:nvSpPr>
-            <p:spPr>
-              <a:xfrm>
-                <a:off x="4571237" y="4221906"/>
-                <a:ext cx="1171636" cy="169493"/>
-              </a:xfrm>
-              <a:prstGeom prst="flowChartAlternateProcess">
-                <a:avLst/>
-              </a:prstGeom>
-              <a:solidFill>
-                <a:schemeClr val="bg1">
-                  <a:lumMod val="75000"/>
-                </a:schemeClr>
-              </a:solidFill>
-              <a:ln>
-                <a:noFill/>
-              </a:ln>
-            </p:spPr>
-            <p:style>
-              <a:lnRef idx="2">
-                <a:schemeClr val="accent1">
-                  <a:shade val="50000"/>
-                </a:schemeClr>
-              </a:lnRef>
-              <a:fillRef idx="1">
-                <a:schemeClr val="accent1"/>
-              </a:fillRef>
-              <a:effectRef idx="0">
-                <a:schemeClr val="accent1"/>
-              </a:effectRef>
-              <a:fontRef idx="minor">
-                <a:schemeClr val="lt1"/>
-              </a:fontRef>
-            </p:style>
-            <p:txBody>
-              <a:bodyPr rtlCol="0" anchor="ctr"/>
-              <a:lstStyle/>
-              <a:p>
-                <a:pPr algn="ctr"/>
-                <a:endParaRPr lang="en-US"/>
-              </a:p>
-            </p:txBody>
-          </p:sp>
-          <p:sp>
-            <p:nvSpPr>
-              <p:cNvPr id="101" name="Alternate Process 100"/>
-              <p:cNvSpPr/>
-              <p:nvPr/>
-            </p:nvSpPr>
-            <p:spPr>
-              <a:xfrm>
-                <a:off x="4571237" y="4472428"/>
-                <a:ext cx="1171636" cy="169493"/>
-              </a:xfrm>
-              <a:prstGeom prst="flowChartAlternateProcess">
-                <a:avLst/>
-              </a:prstGeom>
-              <a:solidFill>
-                <a:schemeClr val="accent4">
-                  <a:lumMod val="60000"/>
-                  <a:lumOff val="40000"/>
-                </a:schemeClr>
-              </a:solidFill>
-              <a:ln>
-                <a:noFill/>
-              </a:ln>
-            </p:spPr>
-            <p:style>
-              <a:lnRef idx="2">
-                <a:schemeClr val="accent1">
-                  <a:shade val="50000"/>
-                </a:schemeClr>
-              </a:lnRef>
-              <a:fillRef idx="1">
-                <a:schemeClr val="accent1"/>
-              </a:fillRef>
-              <a:effectRef idx="0">
-                <a:schemeClr val="accent1"/>
-              </a:effectRef>
-              <a:fontRef idx="minor">
-                <a:schemeClr val="lt1"/>
-              </a:fontRef>
-            </p:style>
-            <p:txBody>
-              <a:bodyPr rtlCol="0" anchor="ctr"/>
-              <a:lstStyle/>
-              <a:p>
-                <a:pPr algn="ctr"/>
-                <a:endParaRPr lang="en-US"/>
-              </a:p>
-            </p:txBody>
-          </p:sp>
-        </p:grpSp>
-      </p:grpSp>
-      <p:grpSp>
-        <p:nvGrpSpPr>
-          <p:cNvPr id="104" name="Group 103"/>
-          <p:cNvGrpSpPr/>
-          <p:nvPr/>
-        </p:nvGrpSpPr>
-        <p:grpSpPr>
-          <a:xfrm>
-            <a:off x="2944822" y="3225548"/>
-            <a:ext cx="299051" cy="276519"/>
-            <a:chOff x="4474084" y="3782298"/>
-            <a:chExt cx="1387130" cy="1164529"/>
-          </a:xfrm>
-        </p:grpSpPr>
-        <p:sp>
-          <p:nvSpPr>
-            <p:cNvPr id="105" name="Document 104"/>
-            <p:cNvSpPr/>
-            <p:nvPr/>
-          </p:nvSpPr>
-          <p:spPr>
-            <a:xfrm>
-              <a:off x="4474084" y="3782298"/>
-              <a:ext cx="1387130" cy="1164529"/>
-            </a:xfrm>
-            <a:prstGeom prst="flowChartDocument">
-              <a:avLst/>
-            </a:prstGeom>
-            <a:solidFill>
-              <a:schemeClr val="accent1">
-                <a:lumMod val="20000"/>
-                <a:lumOff val="80000"/>
-              </a:schemeClr>
-            </a:solidFill>
-          </p:spPr>
-          <p:style>
-            <a:lnRef idx="2">
-              <a:schemeClr val="accent1">
-                <a:shade val="50000"/>
-              </a:schemeClr>
-            </a:lnRef>
-            <a:fillRef idx="1">
-              <a:schemeClr val="accent1"/>
-            </a:fillRef>
-            <a:effectRef idx="0">
-              <a:schemeClr val="accent1"/>
-            </a:effectRef>
-            <a:fontRef idx="minor">
-              <a:schemeClr val="lt1"/>
-            </a:fontRef>
-          </p:style>
-          <p:txBody>
-            <a:bodyPr rtlCol="0" anchor="ctr"/>
-            <a:lstStyle/>
-            <a:p>
-              <a:pPr algn="ctr"/>
-              <a:endParaRPr lang="en-US"/>
-            </a:p>
-          </p:txBody>
-        </p:sp>
-        <p:grpSp>
-          <p:nvGrpSpPr>
-            <p:cNvPr id="106" name="Group 105"/>
-            <p:cNvGrpSpPr/>
-            <p:nvPr/>
-          </p:nvGrpSpPr>
-          <p:grpSpPr>
-            <a:xfrm>
-              <a:off x="4570791" y="3887802"/>
-              <a:ext cx="245828" cy="228600"/>
-              <a:chOff x="5761960" y="5320433"/>
-              <a:chExt cx="245828" cy="228600"/>
-            </a:xfrm>
-          </p:grpSpPr>
-          <p:sp>
-            <p:nvSpPr>
-              <p:cNvPr id="112" name="Document 111"/>
-              <p:cNvSpPr/>
-              <p:nvPr/>
-            </p:nvSpPr>
-            <p:spPr>
-              <a:xfrm>
-                <a:off x="5765155" y="5320433"/>
-                <a:ext cx="242633" cy="228600"/>
-              </a:xfrm>
-              <a:prstGeom prst="flowChartDocument">
-                <a:avLst/>
-              </a:prstGeom>
-              <a:solidFill>
-                <a:schemeClr val="accent6">
-                  <a:lumMod val="60000"/>
-                  <a:lumOff val="40000"/>
-                </a:schemeClr>
-              </a:solidFill>
-              <a:ln>
-                <a:noFill/>
-              </a:ln>
-            </p:spPr>
-            <p:style>
-              <a:lnRef idx="2">
-                <a:schemeClr val="accent1">
-                  <a:shade val="50000"/>
-                </a:schemeClr>
-              </a:lnRef>
-              <a:fillRef idx="1">
-                <a:schemeClr val="accent1"/>
-              </a:fillRef>
-              <a:effectRef idx="0">
-                <a:schemeClr val="accent1"/>
-              </a:effectRef>
-              <a:fontRef idx="minor">
-                <a:schemeClr val="lt1"/>
-              </a:fontRef>
-            </p:style>
-            <p:txBody>
-              <a:bodyPr rtlCol="0" anchor="ctr"/>
-              <a:lstStyle/>
-              <a:p>
-                <a:pPr algn="ctr"/>
-                <a:endParaRPr lang="en-US"/>
-              </a:p>
-            </p:txBody>
-          </p:sp>
-          <p:sp>
-            <p:nvSpPr>
-              <p:cNvPr id="113" name="&quot;No&quot; Symbol 112"/>
-              <p:cNvSpPr/>
-              <p:nvPr/>
-            </p:nvSpPr>
-            <p:spPr>
-              <a:xfrm>
-                <a:off x="5761960" y="5320433"/>
-                <a:ext cx="228600" cy="228600"/>
-              </a:xfrm>
-              <a:prstGeom prst="noSmoking">
-                <a:avLst/>
-              </a:prstGeom>
-              <a:solidFill>
-                <a:srgbClr val="FF0000"/>
-              </a:solidFill>
-            </p:spPr>
-            <p:style>
-              <a:lnRef idx="2">
-                <a:schemeClr val="accent1">
-                  <a:shade val="50000"/>
-                </a:schemeClr>
-              </a:lnRef>
-              <a:fillRef idx="1">
-                <a:schemeClr val="accent1"/>
-              </a:fillRef>
-              <a:effectRef idx="0">
-                <a:schemeClr val="accent1"/>
-              </a:effectRef>
-              <a:fontRef idx="minor">
-                <a:schemeClr val="lt1"/>
-              </a:fontRef>
-            </p:style>
-            <p:txBody>
-              <a:bodyPr rtlCol="0" anchor="ctr"/>
-              <a:lstStyle/>
-              <a:p>
-                <a:pPr algn="ctr"/>
-                <a:endParaRPr lang="en-US">
-                  <a:solidFill>
-                    <a:schemeClr val="tx1"/>
-                  </a:solidFill>
-                </a:endParaRPr>
-              </a:p>
-            </p:txBody>
-          </p:sp>
-        </p:grpSp>
-        <p:sp>
-          <p:nvSpPr>
-            <p:cNvPr id="107" name="Document 106"/>
-            <p:cNvSpPr/>
-            <p:nvPr/>
-          </p:nvSpPr>
-          <p:spPr>
-            <a:xfrm>
-              <a:off x="5037113" y="3887802"/>
-              <a:ext cx="242633" cy="228600"/>
-            </a:xfrm>
-            <a:prstGeom prst="flowChartDocument">
-              <a:avLst/>
-            </a:prstGeom>
-            <a:solidFill>
-              <a:schemeClr val="accent2">
-                <a:lumMod val="60000"/>
-                <a:lumOff val="40000"/>
-              </a:schemeClr>
-            </a:solidFill>
-            <a:ln>
-              <a:noFill/>
-            </a:ln>
-          </p:spPr>
-          <p:style>
-            <a:lnRef idx="2">
-              <a:schemeClr val="accent1">
-                <a:shade val="50000"/>
-              </a:schemeClr>
-            </a:lnRef>
-            <a:fillRef idx="1">
-              <a:schemeClr val="accent1"/>
-            </a:fillRef>
-            <a:effectRef idx="0">
-              <a:schemeClr val="accent1"/>
-            </a:effectRef>
-            <a:fontRef idx="minor">
-              <a:schemeClr val="lt1"/>
-            </a:fontRef>
-          </p:style>
-          <p:txBody>
-            <a:bodyPr rtlCol="0" anchor="ctr"/>
-            <a:lstStyle/>
-            <a:p>
-              <a:pPr algn="ctr"/>
-              <a:endParaRPr lang="en-US"/>
-            </a:p>
-          </p:txBody>
-        </p:sp>
-        <p:sp>
-          <p:nvSpPr>
-            <p:cNvPr id="108" name="Document 107"/>
-            <p:cNvSpPr/>
-            <p:nvPr/>
-          </p:nvSpPr>
-          <p:spPr>
-            <a:xfrm>
-              <a:off x="5500240" y="3887802"/>
-              <a:ext cx="242633" cy="228600"/>
-            </a:xfrm>
-            <a:prstGeom prst="flowChartDocument">
-              <a:avLst/>
-            </a:prstGeom>
-            <a:gradFill flip="none" rotWithShape="1">
-              <a:gsLst>
-                <a:gs pos="0">
-                  <a:schemeClr val="bg1">
-                    <a:lumMod val="75000"/>
-                  </a:schemeClr>
-                </a:gs>
-                <a:gs pos="42000">
-                  <a:schemeClr val="accent4">
-                    <a:lumMod val="75000"/>
-                  </a:schemeClr>
-                </a:gs>
-                <a:gs pos="100000">
-                  <a:schemeClr val="accent5"/>
-                </a:gs>
-              </a:gsLst>
-              <a:path path="circle">
-                <a:fillToRect r="100000" b="100000"/>
-              </a:path>
-              <a:tileRect l="-100000" t="-100000"/>
-            </a:gradFill>
-            <a:ln>
-              <a:noFill/>
-            </a:ln>
-          </p:spPr>
-          <p:style>
-            <a:lnRef idx="2">
-              <a:schemeClr val="accent1">
-                <a:shade val="50000"/>
-              </a:schemeClr>
-            </a:lnRef>
-            <a:fillRef idx="1">
-              <a:schemeClr val="accent1"/>
-            </a:fillRef>
-            <a:effectRef idx="0">
-              <a:schemeClr val="accent1"/>
-            </a:effectRef>
-            <a:fontRef idx="minor">
-              <a:schemeClr val="lt1"/>
-            </a:fontRef>
-          </p:style>
-          <p:txBody>
-            <a:bodyPr rtlCol="0" anchor="ctr"/>
-            <a:lstStyle/>
-            <a:p>
-              <a:pPr algn="ctr"/>
-              <a:endParaRPr lang="en-US"/>
-            </a:p>
-          </p:txBody>
-        </p:sp>
-        <p:grpSp>
-          <p:nvGrpSpPr>
-            <p:cNvPr id="109" name="Group 108"/>
-            <p:cNvGrpSpPr/>
-            <p:nvPr/>
-          </p:nvGrpSpPr>
-          <p:grpSpPr>
-            <a:xfrm>
-              <a:off x="4571237" y="4221906"/>
-              <a:ext cx="1171636" cy="420015"/>
-              <a:chOff x="4571237" y="4221906"/>
-              <a:chExt cx="1171636" cy="420015"/>
-            </a:xfrm>
-          </p:grpSpPr>
-          <p:sp>
-            <p:nvSpPr>
-              <p:cNvPr id="110" name="Alternate Process 109"/>
-              <p:cNvSpPr/>
-              <p:nvPr/>
-            </p:nvSpPr>
-            <p:spPr>
-              <a:xfrm>
-                <a:off x="4571237" y="4221906"/>
-                <a:ext cx="1171636" cy="169493"/>
-              </a:xfrm>
-              <a:prstGeom prst="flowChartAlternateProcess">
-                <a:avLst/>
-              </a:prstGeom>
-              <a:solidFill>
-                <a:schemeClr val="bg1">
-                  <a:lumMod val="75000"/>
-                </a:schemeClr>
-              </a:solidFill>
-              <a:ln>
-                <a:noFill/>
-              </a:ln>
-            </p:spPr>
-            <p:style>
-              <a:lnRef idx="2">
-                <a:schemeClr val="accent1">
-                  <a:shade val="50000"/>
-                </a:schemeClr>
-              </a:lnRef>
-              <a:fillRef idx="1">
-                <a:schemeClr val="accent1"/>
-              </a:fillRef>
-              <a:effectRef idx="0">
-                <a:schemeClr val="accent1"/>
-              </a:effectRef>
-              <a:fontRef idx="minor">
-                <a:schemeClr val="lt1"/>
-              </a:fontRef>
-            </p:style>
-            <p:txBody>
-              <a:bodyPr rtlCol="0" anchor="ctr"/>
-              <a:lstStyle/>
-              <a:p>
-                <a:pPr algn="ctr"/>
-                <a:endParaRPr lang="en-US"/>
-              </a:p>
-            </p:txBody>
-          </p:sp>
-          <p:sp>
-            <p:nvSpPr>
-              <p:cNvPr id="111" name="Alternate Process 110"/>
-              <p:cNvSpPr/>
-              <p:nvPr/>
-            </p:nvSpPr>
-            <p:spPr>
-              <a:xfrm>
-                <a:off x="4571237" y="4472428"/>
-                <a:ext cx="1171636" cy="169493"/>
-              </a:xfrm>
-              <a:prstGeom prst="flowChartAlternateProcess">
-                <a:avLst/>
-              </a:prstGeom>
-              <a:solidFill>
-                <a:schemeClr val="accent4">
-                  <a:lumMod val="60000"/>
-                  <a:lumOff val="40000"/>
-                </a:schemeClr>
-              </a:solidFill>
-              <a:ln>
-                <a:noFill/>
-              </a:ln>
-            </p:spPr>
-            <p:style>
-              <a:lnRef idx="2">
-                <a:schemeClr val="accent1">
-                  <a:shade val="50000"/>
-                </a:schemeClr>
-              </a:lnRef>
-              <a:fillRef idx="1">
-                <a:schemeClr val="accent1"/>
-              </a:fillRef>
-              <a:effectRef idx="0">
-                <a:schemeClr val="accent1"/>
-              </a:effectRef>
-              <a:fontRef idx="minor">
-                <a:schemeClr val="lt1"/>
-              </a:fontRef>
-            </p:style>
-            <p:txBody>
-              <a:bodyPr rtlCol="0" anchor="ctr"/>
-              <a:lstStyle/>
-              <a:p>
-                <a:pPr algn="ctr"/>
-                <a:endParaRPr lang="en-US"/>
-              </a:p>
-            </p:txBody>
-          </p:sp>
-        </p:grpSp>
-      </p:grpSp>
-      <p:pic>
-        <p:nvPicPr>
-          <p:cNvPr id="2" name="Picture 1"/>
-          <p:cNvPicPr>
-            <a:picLocks noChangeAspect="1"/>
-          </p:cNvPicPr>
-          <p:nvPr/>
-        </p:nvPicPr>
-        <p:blipFill>
-          <a:blip r:embed="rId4">
-            <a:extLst>
-              <a:ext uri="{28A0092B-C50C-407E-A947-70E740481C1C}">
-                <a14:useLocalDpi xmlns:a14="http://schemas.microsoft.com/office/drawing/2010/main" val="0"/>
-              </a:ext>
-            </a:extLst>
-          </a:blip>
-          <a:stretch>
-            <a:fillRect/>
-          </a:stretch>
-        </p:blipFill>
-        <p:spPr>
-          <a:xfrm flipH="1">
-            <a:off x="971328" y="783192"/>
-            <a:ext cx="523667" cy="674973"/>
-          </a:xfrm>
-          <a:prstGeom prst="rect">
-            <a:avLst/>
-          </a:prstGeom>
-        </p:spPr>
-      </p:pic>
-      <p:cxnSp>
-        <p:nvCxnSpPr>
-          <p:cNvPr id="16" name="Straight Arrow Connector 15"/>
-          <p:cNvCxnSpPr/>
-          <p:nvPr/>
-        </p:nvCxnSpPr>
-        <p:spPr>
-          <a:xfrm flipV="1">
-            <a:off x="1473223" y="1117296"/>
-            <a:ext cx="1361444" cy="3383"/>
-          </a:xfrm>
-          <a:prstGeom prst="straightConnector1">
-            <a:avLst/>
-          </a:prstGeom>
-          <a:ln>
-            <a:solidFill>
-              <a:srgbClr val="026DF0"/>
-            </a:solidFill>
-            <a:headEnd type="triangle"/>
-            <a:tailEnd type="triangle"/>
-          </a:ln>
-        </p:spPr>
-        <p:style>
-          <a:lnRef idx="1">
-            <a:schemeClr val="accent1"/>
-          </a:lnRef>
-          <a:fillRef idx="0">
-            <a:schemeClr val="accent1"/>
-          </a:fillRef>
-          <a:effectRef idx="0">
-            <a:schemeClr val="accent1"/>
-          </a:effectRef>
-          <a:fontRef idx="minor">
-            <a:schemeClr val="tx1"/>
-          </a:fontRef>
-        </p:style>
-      </p:cxnSp>
-      <p:cxnSp>
-        <p:nvCxnSpPr>
-          <p:cNvPr id="114" name="Straight Arrow Connector 113"/>
-          <p:cNvCxnSpPr/>
-          <p:nvPr/>
-        </p:nvCxnSpPr>
-        <p:spPr>
-          <a:xfrm>
-            <a:off x="1233161" y="1545223"/>
-            <a:ext cx="0" cy="1356537"/>
-          </a:xfrm>
-          <a:prstGeom prst="straightConnector1">
-            <a:avLst/>
-          </a:prstGeom>
-          <a:ln>
-            <a:solidFill>
-              <a:srgbClr val="026DF0"/>
-            </a:solidFill>
-            <a:headEnd type="triangle"/>
-            <a:tailEnd type="triangle"/>
-          </a:ln>
-        </p:spPr>
-        <p:style>
-          <a:lnRef idx="1">
-            <a:schemeClr val="accent1"/>
-          </a:lnRef>
-          <a:fillRef idx="0">
-            <a:schemeClr val="accent1"/>
-          </a:fillRef>
-          <a:effectRef idx="0">
-            <a:schemeClr val="accent1"/>
-          </a:effectRef>
-          <a:fontRef idx="minor">
-            <a:schemeClr val="tx1"/>
-          </a:fontRef>
-        </p:style>
-      </p:cxnSp>
-      <p:sp>
-        <p:nvSpPr>
-          <p:cNvPr id="18" name="Line Callout 1 17"/>
-          <p:cNvSpPr/>
-          <p:nvPr/>
-        </p:nvSpPr>
-        <p:spPr>
-          <a:xfrm>
-            <a:off x="4129211" y="324284"/>
-            <a:ext cx="1612138" cy="579230"/>
-          </a:xfrm>
-          <a:prstGeom prst="borderCallout1">
-            <a:avLst>
-              <a:gd name="adj1" fmla="val 18750"/>
-              <a:gd name="adj2" fmla="val -8333"/>
-              <a:gd name="adj3" fmla="val 116634"/>
-              <a:gd name="adj4" fmla="val -123629"/>
-            </a:avLst>
-          </a:prstGeom>
-          <a:solidFill>
-            <a:schemeClr val="tx1"/>
-          </a:solidFill>
-        </p:spPr>
-        <p:style>
-          <a:lnRef idx="2">
-            <a:schemeClr val="accent1">
-              <a:shade val="50000"/>
-            </a:schemeClr>
-          </a:lnRef>
-          <a:fillRef idx="1">
-            <a:schemeClr val="accent1"/>
-          </a:fillRef>
-          <a:effectRef idx="0">
-            <a:schemeClr val="accent1"/>
-          </a:effectRef>
-          <a:fontRef idx="minor">
-            <a:schemeClr val="lt1"/>
-          </a:fontRef>
-        </p:style>
-        <p:txBody>
-          <a:bodyPr rtlCol="0" anchor="ctr"/>
-          <a:lstStyle/>
-          <a:p>
-            <a:pPr algn="ctr"/>
-            <a:r>
-              <a:rPr lang="en-US" sz="1400" dirty="0" smtClean="0"/>
-              <a:t>Register App &amp;</a:t>
-            </a:r>
-          </a:p>
-          <a:p>
-            <a:pPr algn="ctr"/>
-            <a:r>
-              <a:rPr lang="en-US" sz="1400" dirty="0" smtClean="0"/>
-              <a:t>Subscribe to Plan</a:t>
-            </a:r>
-            <a:endParaRPr lang="en-US" sz="1400" dirty="0"/>
-          </a:p>
-        </p:txBody>
-      </p:sp>
-      <p:sp>
-        <p:nvSpPr>
-          <p:cNvPr id="115" name="Line Callout 1 114"/>
-          <p:cNvSpPr/>
-          <p:nvPr/>
-        </p:nvSpPr>
-        <p:spPr>
-          <a:xfrm>
-            <a:off x="4129211" y="3203068"/>
-            <a:ext cx="1612138" cy="579230"/>
-          </a:xfrm>
-          <a:prstGeom prst="borderCallout1">
-            <a:avLst>
-              <a:gd name="adj1" fmla="val 18750"/>
-              <a:gd name="adj2" fmla="val -8333"/>
-              <a:gd name="adj3" fmla="val -155871"/>
-              <a:gd name="adj4" fmla="val -172921"/>
-            </a:avLst>
-          </a:prstGeom>
-          <a:solidFill>
-            <a:schemeClr val="tx1"/>
-          </a:solidFill>
-        </p:spPr>
-        <p:style>
-          <a:lnRef idx="2">
-            <a:schemeClr val="accent1">
-              <a:shade val="50000"/>
-            </a:schemeClr>
-          </a:lnRef>
-          <a:fillRef idx="1">
-            <a:schemeClr val="accent1"/>
-          </a:fillRef>
-          <a:effectRef idx="0">
-            <a:schemeClr val="accent1"/>
-          </a:effectRef>
-          <a:fontRef idx="minor">
-            <a:schemeClr val="lt1"/>
-          </a:fontRef>
-        </p:style>
-        <p:txBody>
-          <a:bodyPr rtlCol="0" anchor="ctr"/>
-          <a:lstStyle/>
-          <a:p>
-            <a:pPr algn="ctr"/>
-            <a:r>
-              <a:rPr lang="en-US" sz="1400" dirty="0" smtClean="0"/>
-              <a:t>Configure App w/</a:t>
-            </a:r>
-          </a:p>
-          <a:p>
-            <a:pPr algn="ctr"/>
-            <a:r>
-              <a:rPr lang="en-US" sz="1400" dirty="0" smtClean="0"/>
-              <a:t>Client Credentials</a:t>
-            </a:r>
-            <a:endParaRPr lang="en-US" sz="1400" dirty="0"/>
-          </a:p>
-        </p:txBody>
-      </p:sp>
-    </p:spTree>
-    <p:extLst>
-      <p:ext uri="{BB962C8B-B14F-4D97-AF65-F5344CB8AC3E}">
-        <p14:creationId xmlns:p14="http://schemas.microsoft.com/office/powerpoint/2010/main" val="1882882660"/>
-      </p:ext>
-    </p:extLst>
-  </p:cSld>
-  <p:clrMapOvr>
-    <a:masterClrMapping/>
-  </p:clrMapOvr>
-  <p:timing>
-    <p:tnLst>
-      <p:par>
-        <p:cTn id="1" dur="indefinite" restart="never" nodeType="tmRoot">
-          <p:childTnLst>
-            <p:seq concurrent="1" nextAc="seek">
-              <p:cTn id="2" dur="indefinite" nodeType="mainSeq">
-                <p:childTnLst>
-                  <p:par>
-                    <p:cTn id="3" fill="hold">
-                      <p:stCondLst>
-                        <p:cond delay="indefinite"/>
-                      </p:stCondLst>
-                      <p:childTnLst>
-                        <p:par>
-                          <p:cTn id="4" fill="hold">
-                            <p:stCondLst>
-                              <p:cond delay="0"/>
-                            </p:stCondLst>
-                            <p:childTnLst>
-                              <p:par>
-                                <p:cTn id="5" presetID="12" presetClass="entr" presetSubtype="8" fill="hold" nodeType="clickEffect">
-                                  <p:stCondLst>
-                                    <p:cond delay="0"/>
-                                  </p:stCondLst>
-                                  <p:childTnLst>
-                                    <p:set>
-                                      <p:cBhvr>
-                                        <p:cTn id="6" dur="1" fill="hold">
-                                          <p:stCondLst>
-                                            <p:cond delay="0"/>
-                                          </p:stCondLst>
-                                        </p:cTn>
-                                        <p:tgtEl>
-                                          <p:spTgt spid="16"/>
-                                        </p:tgtEl>
-                                        <p:attrNameLst>
-                                          <p:attrName>style.visibility</p:attrName>
-                                        </p:attrNameLst>
-                                      </p:cBhvr>
-                                      <p:to>
-                                        <p:strVal val="visible"/>
-                                      </p:to>
-                                    </p:set>
-                                    <p:anim calcmode="lin" valueType="num">
-                                      <p:cBhvr additive="base">
-                                        <p:cTn id="7" dur="500"/>
-                                        <p:tgtEl>
-                                          <p:spTgt spid="16"/>
-                                        </p:tgtEl>
-                                        <p:attrNameLst>
-                                          <p:attrName>ppt_x</p:attrName>
-                                        </p:attrNameLst>
-                                      </p:cBhvr>
-                                      <p:tavLst>
-                                        <p:tav tm="0">
-                                          <p:val>
-                                            <p:strVal val="#ppt_x-#ppt_w*1.125000"/>
-                                          </p:val>
-                                        </p:tav>
-                                        <p:tav tm="100000">
-                                          <p:val>
-                                            <p:strVal val="#ppt_x"/>
-                                          </p:val>
-                                        </p:tav>
-                                      </p:tavLst>
-                                    </p:anim>
-                                    <p:animEffect transition="in" filter="wipe(right)">
-                                      <p:cBhvr>
-                                        <p:cTn id="8" dur="500"/>
-                                        <p:tgtEl>
-                                          <p:spTgt spid="16"/>
-                                        </p:tgtEl>
-                                      </p:cBhvr>
-                                    </p:animEffect>
-                                  </p:childTnLst>
-                                </p:cTn>
-                              </p:par>
-                            </p:childTnLst>
-                          </p:cTn>
-                        </p:par>
-                        <p:par>
-                          <p:cTn id="9" fill="hold">
-                            <p:stCondLst>
-                              <p:cond delay="500"/>
-                            </p:stCondLst>
-                            <p:childTnLst>
-                              <p:par>
-                                <p:cTn id="10" presetID="22" presetClass="entr" presetSubtype="8" fill="hold" grpId="0" nodeType="afterEffect">
-                                  <p:stCondLst>
-                                    <p:cond delay="0"/>
-                                  </p:stCondLst>
-                                  <p:childTnLst>
-                                    <p:set>
-                                      <p:cBhvr>
-                                        <p:cTn id="11" dur="1" fill="hold">
-                                          <p:stCondLst>
-                                            <p:cond delay="0"/>
-                                          </p:stCondLst>
-                                        </p:cTn>
-                                        <p:tgtEl>
-                                          <p:spTgt spid="18"/>
-                                        </p:tgtEl>
-                                        <p:attrNameLst>
-                                          <p:attrName>style.visibility</p:attrName>
-                                        </p:attrNameLst>
-                                      </p:cBhvr>
-                                      <p:to>
-                                        <p:strVal val="visible"/>
-                                      </p:to>
-                                    </p:set>
-                                    <p:animEffect transition="in" filter="wipe(left)">
-                                      <p:cBhvr>
-                                        <p:cTn id="12" dur="500"/>
-                                        <p:tgtEl>
-                                          <p:spTgt spid="18"/>
-                                        </p:tgtEl>
-                                      </p:cBhvr>
-                                    </p:animEffect>
-                                  </p:childTnLst>
-                                </p:cTn>
-                              </p:par>
-                            </p:childTnLst>
-                          </p:cTn>
-                        </p:par>
-                      </p:childTnLst>
-                    </p:cTn>
-                  </p:par>
-                  <p:par>
-                    <p:cTn id="13" fill="hold">
-                      <p:stCondLst>
-                        <p:cond delay="indefinite"/>
-                      </p:stCondLst>
-                      <p:childTnLst>
-                        <p:par>
-                          <p:cTn id="14" fill="hold">
-                            <p:stCondLst>
-                              <p:cond delay="0"/>
-                            </p:stCondLst>
-                            <p:childTnLst>
-                              <p:par>
-                                <p:cTn id="15" presetID="12" presetClass="entr" presetSubtype="1" fill="hold" nodeType="clickEffect">
-                                  <p:stCondLst>
-                                    <p:cond delay="0"/>
-                                  </p:stCondLst>
-                                  <p:childTnLst>
-                                    <p:set>
-                                      <p:cBhvr>
-                                        <p:cTn id="16" dur="1" fill="hold">
-                                          <p:stCondLst>
-                                            <p:cond delay="0"/>
-                                          </p:stCondLst>
-                                        </p:cTn>
-                                        <p:tgtEl>
-                                          <p:spTgt spid="114"/>
-                                        </p:tgtEl>
-                                        <p:attrNameLst>
-                                          <p:attrName>style.visibility</p:attrName>
-                                        </p:attrNameLst>
-                                      </p:cBhvr>
-                                      <p:to>
-                                        <p:strVal val="visible"/>
-                                      </p:to>
-                                    </p:set>
-                                    <p:anim calcmode="lin" valueType="num">
-                                      <p:cBhvr additive="base">
-                                        <p:cTn id="17" dur="500"/>
-                                        <p:tgtEl>
-                                          <p:spTgt spid="114"/>
-                                        </p:tgtEl>
-                                        <p:attrNameLst>
-                                          <p:attrName>ppt_y</p:attrName>
-                                        </p:attrNameLst>
-                                      </p:cBhvr>
-                                      <p:tavLst>
-                                        <p:tav tm="0">
-                                          <p:val>
-                                            <p:strVal val="#ppt_y-#ppt_h*1.125000"/>
-                                          </p:val>
-                                        </p:tav>
-                                        <p:tav tm="100000">
-                                          <p:val>
-                                            <p:strVal val="#ppt_y"/>
-                                          </p:val>
-                                        </p:tav>
-                                      </p:tavLst>
-                                    </p:anim>
-                                    <p:animEffect transition="in" filter="wipe(down)">
-                                      <p:cBhvr>
-                                        <p:cTn id="18" dur="500"/>
-                                        <p:tgtEl>
-                                          <p:spTgt spid="114"/>
-                                        </p:tgtEl>
-                                      </p:cBhvr>
-                                    </p:animEffect>
-                                  </p:childTnLst>
-                                </p:cTn>
-                              </p:par>
-                            </p:childTnLst>
-                          </p:cTn>
-                        </p:par>
-                        <p:par>
-                          <p:cTn id="19" fill="hold">
-                            <p:stCondLst>
-                              <p:cond delay="500"/>
-                            </p:stCondLst>
-                            <p:childTnLst>
-                              <p:par>
-                                <p:cTn id="20" presetID="22" presetClass="entr" presetSubtype="8" fill="hold" grpId="0" nodeType="afterEffect">
-                                  <p:stCondLst>
-                                    <p:cond delay="0"/>
-                                  </p:stCondLst>
-                                  <p:childTnLst>
-                                    <p:set>
-                                      <p:cBhvr>
-                                        <p:cTn id="21" dur="1" fill="hold">
-                                          <p:stCondLst>
-                                            <p:cond delay="0"/>
-                                          </p:stCondLst>
-                                        </p:cTn>
-                                        <p:tgtEl>
-                                          <p:spTgt spid="115"/>
-                                        </p:tgtEl>
-                                        <p:attrNameLst>
-                                          <p:attrName>style.visibility</p:attrName>
-                                        </p:attrNameLst>
-                                      </p:cBhvr>
-                                      <p:to>
-                                        <p:strVal val="visible"/>
-                                      </p:to>
-                                    </p:set>
-                                    <p:animEffect transition="in" filter="wipe(left)">
-                                      <p:cBhvr>
-                                        <p:cTn id="22" dur="500"/>
-                                        <p:tgtEl>
-                                          <p:spTgt spid="115"/>
-                                        </p:tgtEl>
-                                      </p:cBhvr>
-                                    </p:animEffect>
-                                  </p:childTnLst>
-                                </p:cTn>
-                              </p:par>
-                            </p:childTnLst>
-                          </p:cTn>
-                        </p:par>
-                      </p:childTnLst>
-                    </p:cTn>
-                  </p:par>
-                </p:childTnLst>
-              </p:cTn>
-              <p:prevCondLst>
-                <p:cond evt="onPrev" delay="0">
-                  <p:tgtEl>
-                    <p:sldTgt/>
-                  </p:tgtEl>
-                </p:cond>
-              </p:prevCondLst>
-              <p:nextCondLst>
-                <p:cond evt="onNext" delay="0">
-                  <p:tgtEl>
-                    <p:sldTgt/>
-                  </p:tgtEl>
-                </p:cond>
-              </p:nextCondLst>
-            </p:seq>
-          </p:childTnLst>
-        </p:cTn>
-      </p:par>
-    </p:tnLst>
-    <p:bldLst>
-      <p:bldP spid="18" grpId="0" animBg="1"/>
-      <p:bldP spid="115" grpId="0" animBg="1"/>
-    </p:bldLst>
-  </p:timing>
-</p:sld>
-</file>
-
 <file path=ppt/theme/theme1.xml><?xml version="1.0" encoding="utf-8"?>
 <a:theme xmlns:a="http://schemas.openxmlformats.org/drawingml/2006/main" name="Office Theme">
   <a:themeElements>
